--- a/Document/presentation/full presentation.pptx
+++ b/Document/presentation/full presentation.pptx
@@ -6,31 +6,35 @@
     <p:sldMasterId id="2147483667" r:id="rId2"/>
     <p:sldMasterId id="2147483693" r:id="rId3"/>
     <p:sldMasterId id="2147483706" r:id="rId4"/>
+    <p:sldMasterId id="2147483719" r:id="rId5"/>
   </p:sldMasterIdLst>
   <p:notesMasterIdLst>
-    <p:notesMasterId r:id="rId25"/>
+    <p:notesMasterId r:id="rId29"/>
   </p:notesMasterIdLst>
   <p:sldIdLst>
-    <p:sldId id="257" r:id="rId5"/>
-    <p:sldId id="258" r:id="rId6"/>
-    <p:sldId id="288" r:id="rId7"/>
-    <p:sldId id="284" r:id="rId8"/>
-    <p:sldId id="286" r:id="rId9"/>
-    <p:sldId id="285" r:id="rId10"/>
-    <p:sldId id="287" r:id="rId11"/>
-    <p:sldId id="264" r:id="rId12"/>
-    <p:sldId id="265" r:id="rId13"/>
-    <p:sldId id="266" r:id="rId14"/>
-    <p:sldId id="289" r:id="rId15"/>
-    <p:sldId id="279" r:id="rId16"/>
-    <p:sldId id="280" r:id="rId17"/>
-    <p:sldId id="267" r:id="rId18"/>
-    <p:sldId id="268" r:id="rId19"/>
-    <p:sldId id="274" r:id="rId20"/>
-    <p:sldId id="281" r:id="rId21"/>
-    <p:sldId id="278" r:id="rId22"/>
-    <p:sldId id="277" r:id="rId23"/>
-    <p:sldId id="276" r:id="rId24"/>
+    <p:sldId id="257" r:id="rId6"/>
+    <p:sldId id="258" r:id="rId7"/>
+    <p:sldId id="288" r:id="rId8"/>
+    <p:sldId id="284" r:id="rId9"/>
+    <p:sldId id="286" r:id="rId10"/>
+    <p:sldId id="285" r:id="rId11"/>
+    <p:sldId id="290" r:id="rId12"/>
+    <p:sldId id="291" r:id="rId13"/>
+    <p:sldId id="292" r:id="rId14"/>
+    <p:sldId id="287" r:id="rId15"/>
+    <p:sldId id="264" r:id="rId16"/>
+    <p:sldId id="265" r:id="rId17"/>
+    <p:sldId id="266" r:id="rId18"/>
+    <p:sldId id="289" r:id="rId19"/>
+    <p:sldId id="279" r:id="rId20"/>
+    <p:sldId id="280" r:id="rId21"/>
+    <p:sldId id="267" r:id="rId22"/>
+    <p:sldId id="268" r:id="rId23"/>
+    <p:sldId id="274" r:id="rId24"/>
+    <p:sldId id="281" r:id="rId25"/>
+    <p:sldId id="278" r:id="rId26"/>
+    <p:sldId id="277" r:id="rId27"/>
+    <p:sldId id="276" r:id="rId28"/>
   </p:sldIdLst>
   <p:sldSz cx="9144000" cy="6858000" type="screen4x3"/>
   <p:notesSz cx="6858000" cy="9144000"/>
@@ -219,7 +223,7 @@
           <a:p>
             <a:fld id="{DB638E9B-52C4-DC4B-9E8A-4837C38FE505}" type="datetimeFigureOut">
               <a:rPr lang="en-US" smtClean="0"/>
-              <a:t>12/9/15</a:t>
+              <a:t>12/10/15</a:t>
             </a:fld>
             <a:endParaRPr lang="en-US"/>
           </a:p>
@@ -7951,6 +7955,1031 @@
 </p:sldLayout>
 </file>
 
+<file path=ppt/slideLayouts/slideLayout43.xml><?xml version="1.0" encoding="utf-8"?>
+<p:sldLayout xmlns:a="http://schemas.openxmlformats.org/drawingml/2006/main" xmlns:r="http://schemas.openxmlformats.org/officeDocument/2006/relationships" xmlns:p="http://schemas.openxmlformats.org/presentationml/2006/main" type="title">
+  <p:cSld name="Title Slide">
+    <p:spTree>
+      <p:nvGrpSpPr>
+        <p:cNvPr id="1" name=""/>
+        <p:cNvGrpSpPr/>
+        <p:nvPr/>
+      </p:nvGrpSpPr>
+      <p:grpSpPr>
+        <a:xfrm>
+          <a:off x="0" y="0"/>
+          <a:ext cx="0" cy="0"/>
+          <a:chOff x="0" y="0"/>
+          <a:chExt cx="0" cy="0"/>
+        </a:xfrm>
+      </p:grpSpPr>
+      <p:sp>
+        <p:nvSpPr>
+          <p:cNvPr id="11" name="Shape 11"/>
+          <p:cNvSpPr>
+            <a:spLocks noGrp="1"/>
+          </p:cNvSpPr>
+          <p:nvPr>
+            <p:ph type="title"/>
+          </p:nvPr>
+        </p:nvSpPr>
+        <p:spPr>
+          <a:xfrm>
+            <a:off x="1143000" y="1122363"/>
+            <a:ext cx="6858000" cy="2387601"/>
+          </a:xfrm>
+          <a:prstGeom prst="rect">
+            <a:avLst/>
+          </a:prstGeom>
+        </p:spPr>
+        <p:txBody>
+          <a:bodyPr anchor="b"/>
+          <a:lstStyle>
+            <a:lvl1pPr algn="ctr">
+              <a:defRPr sz="4500"/>
+            </a:lvl1pPr>
+          </a:lstStyle>
+          <a:p>
+            <a:r>
+              <a:t>Title Text</a:t>
+            </a:r>
+          </a:p>
+        </p:txBody>
+      </p:sp>
+      <p:sp>
+        <p:nvSpPr>
+          <p:cNvPr id="12" name="Shape 12"/>
+          <p:cNvSpPr>
+            <a:spLocks noGrp="1"/>
+          </p:cNvSpPr>
+          <p:nvPr>
+            <p:ph type="body" sz="quarter" idx="1"/>
+          </p:nvPr>
+        </p:nvSpPr>
+        <p:spPr>
+          <a:xfrm>
+            <a:off x="1143000" y="3602038"/>
+            <a:ext cx="6858000" cy="1655763"/>
+          </a:xfrm>
+          <a:prstGeom prst="rect">
+            <a:avLst/>
+          </a:prstGeom>
+        </p:spPr>
+        <p:txBody>
+          <a:bodyPr/>
+          <a:lstStyle>
+            <a:lvl1pPr marL="0" indent="0" algn="ctr">
+              <a:buSzTx/>
+              <a:buFontTx/>
+              <a:buNone/>
+              <a:defRPr sz="1800"/>
+            </a:lvl1pPr>
+            <a:lvl2pPr marL="0" indent="342900" algn="ctr">
+              <a:buSzTx/>
+              <a:buFontTx/>
+              <a:buNone/>
+              <a:defRPr sz="1800"/>
+            </a:lvl2pPr>
+            <a:lvl3pPr marL="0" indent="685800" algn="ctr">
+              <a:buSzTx/>
+              <a:buFontTx/>
+              <a:buNone/>
+              <a:defRPr sz="1800"/>
+            </a:lvl3pPr>
+            <a:lvl4pPr marL="0" indent="1028700" algn="ctr">
+              <a:buSzTx/>
+              <a:buFontTx/>
+              <a:buNone/>
+              <a:defRPr sz="1800"/>
+            </a:lvl4pPr>
+            <a:lvl5pPr marL="0" indent="1371600" algn="ctr">
+              <a:buSzTx/>
+              <a:buFontTx/>
+              <a:buNone/>
+              <a:defRPr sz="1800"/>
+            </a:lvl5pPr>
+          </a:lstStyle>
+          <a:p>
+            <a:r>
+              <a:t>Body Level One</a:t>
+            </a:r>
+          </a:p>
+          <a:p>
+            <a:pPr lvl="1"/>
+            <a:r>
+              <a:t>Body Level Two</a:t>
+            </a:r>
+          </a:p>
+          <a:p>
+            <a:pPr lvl="2"/>
+            <a:r>
+              <a:t>Body Level Three</a:t>
+            </a:r>
+          </a:p>
+          <a:p>
+            <a:pPr lvl="3"/>
+            <a:r>
+              <a:t>Body Level Four</a:t>
+            </a:r>
+          </a:p>
+          <a:p>
+            <a:pPr lvl="4"/>
+            <a:r>
+              <a:t>Body Level Five</a:t>
+            </a:r>
+          </a:p>
+        </p:txBody>
+      </p:sp>
+      <p:sp>
+        <p:nvSpPr>
+          <p:cNvPr id="13" name="Shape 13"/>
+          <p:cNvSpPr>
+            <a:spLocks noGrp="1"/>
+          </p:cNvSpPr>
+          <p:nvPr>
+            <p:ph type="sldNum" sz="quarter" idx="2"/>
+          </p:nvPr>
+        </p:nvSpPr>
+        <p:spPr>
+          <a:xfrm>
+            <a:off x="8281954" y="6423497"/>
+            <a:ext cx="233396" cy="230832"/>
+          </a:xfrm>
+          <a:prstGeom prst="rect">
+            <a:avLst/>
+          </a:prstGeom>
+        </p:spPr>
+        <p:txBody>
+          <a:bodyPr/>
+          <a:lstStyle/>
+          <a:p>
+            <a:fld id="{86CB4B4D-7CA3-9044-876B-883B54F8677D}" type="slidenum">
+              <a:rPr/>
+              <a:pPr/>
+              <a:t>‹#›</a:t>
+            </a:fld>
+            <a:endParaRPr/>
+          </a:p>
+        </p:txBody>
+      </p:sp>
+    </p:spTree>
+    <p:extLst>
+      <p:ext uri="{BB962C8B-B14F-4D97-AF65-F5344CB8AC3E}">
+        <p14:creationId xmlns:p14="http://schemas.microsoft.com/office/powerpoint/2010/main" val="1135664521"/>
+      </p:ext>
+    </p:extLst>
+  </p:cSld>
+  <p:clrMapOvr>
+    <a:masterClrMapping/>
+  </p:clrMapOvr>
+  <p:transition spd="med"/>
+</p:sldLayout>
+</file>
+
+<file path=ppt/slideLayouts/slideLayout44.xml><?xml version="1.0" encoding="utf-8"?>
+<p:sldLayout xmlns:a="http://schemas.openxmlformats.org/drawingml/2006/main" xmlns:r="http://schemas.openxmlformats.org/officeDocument/2006/relationships" xmlns:p="http://schemas.openxmlformats.org/presentationml/2006/main" type="tx">
+  <p:cSld name="Title and Content">
+    <p:spTree>
+      <p:nvGrpSpPr>
+        <p:cNvPr id="1" name=""/>
+        <p:cNvGrpSpPr/>
+        <p:nvPr/>
+      </p:nvGrpSpPr>
+      <p:grpSpPr>
+        <a:xfrm>
+          <a:off x="0" y="0"/>
+          <a:ext cx="0" cy="0"/>
+          <a:chOff x="0" y="0"/>
+          <a:chExt cx="0" cy="0"/>
+        </a:xfrm>
+      </p:grpSpPr>
+      <p:sp>
+        <p:nvSpPr>
+          <p:cNvPr id="20" name="Shape 20"/>
+          <p:cNvSpPr>
+            <a:spLocks noGrp="1"/>
+          </p:cNvSpPr>
+          <p:nvPr>
+            <p:ph type="title"/>
+          </p:nvPr>
+        </p:nvSpPr>
+        <p:spPr>
+          <a:prstGeom prst="rect">
+            <a:avLst/>
+          </a:prstGeom>
+        </p:spPr>
+        <p:txBody>
+          <a:bodyPr/>
+          <a:lstStyle/>
+          <a:p>
+            <a:r>
+              <a:t>Title Text</a:t>
+            </a:r>
+          </a:p>
+        </p:txBody>
+      </p:sp>
+      <p:sp>
+        <p:nvSpPr>
+          <p:cNvPr id="21" name="Shape 21"/>
+          <p:cNvSpPr>
+            <a:spLocks noGrp="1"/>
+          </p:cNvSpPr>
+          <p:nvPr>
+            <p:ph type="body" idx="1"/>
+          </p:nvPr>
+        </p:nvSpPr>
+        <p:spPr>
+          <a:prstGeom prst="rect">
+            <a:avLst/>
+          </a:prstGeom>
+        </p:spPr>
+        <p:txBody>
+          <a:bodyPr/>
+          <a:lstStyle/>
+          <a:p>
+            <a:r>
+              <a:t>Body Level One</a:t>
+            </a:r>
+          </a:p>
+          <a:p>
+            <a:pPr lvl="1"/>
+            <a:r>
+              <a:t>Body Level Two</a:t>
+            </a:r>
+          </a:p>
+          <a:p>
+            <a:pPr lvl="2"/>
+            <a:r>
+              <a:t>Body Level Three</a:t>
+            </a:r>
+          </a:p>
+          <a:p>
+            <a:pPr lvl="3"/>
+            <a:r>
+              <a:t>Body Level Four</a:t>
+            </a:r>
+          </a:p>
+          <a:p>
+            <a:pPr lvl="4"/>
+            <a:r>
+              <a:t>Body Level Five</a:t>
+            </a:r>
+          </a:p>
+        </p:txBody>
+      </p:sp>
+      <p:sp>
+        <p:nvSpPr>
+          <p:cNvPr id="22" name="Shape 22"/>
+          <p:cNvSpPr>
+            <a:spLocks noGrp="1"/>
+          </p:cNvSpPr>
+          <p:nvPr>
+            <p:ph type="sldNum" sz="quarter" idx="2"/>
+          </p:nvPr>
+        </p:nvSpPr>
+        <p:spPr>
+          <a:xfrm>
+            <a:off x="8281954" y="6423497"/>
+            <a:ext cx="233396" cy="230832"/>
+          </a:xfrm>
+          <a:prstGeom prst="rect">
+            <a:avLst/>
+          </a:prstGeom>
+        </p:spPr>
+        <p:txBody>
+          <a:bodyPr/>
+          <a:lstStyle/>
+          <a:p>
+            <a:fld id="{86CB4B4D-7CA3-9044-876B-883B54F8677D}" type="slidenum">
+              <a:rPr/>
+              <a:pPr/>
+              <a:t>‹#›</a:t>
+            </a:fld>
+            <a:endParaRPr/>
+          </a:p>
+        </p:txBody>
+      </p:sp>
+    </p:spTree>
+    <p:extLst>
+      <p:ext uri="{BB962C8B-B14F-4D97-AF65-F5344CB8AC3E}">
+        <p14:creationId xmlns:p14="http://schemas.microsoft.com/office/powerpoint/2010/main" val="354352776"/>
+      </p:ext>
+    </p:extLst>
+  </p:cSld>
+  <p:clrMapOvr>
+    <a:masterClrMapping/>
+  </p:clrMapOvr>
+  <p:transition spd="med"/>
+</p:sldLayout>
+</file>
+
+<file path=ppt/slideLayouts/slideLayout45.xml><?xml version="1.0" encoding="utf-8"?>
+<p:sldLayout xmlns:a="http://schemas.openxmlformats.org/drawingml/2006/main" xmlns:r="http://schemas.openxmlformats.org/officeDocument/2006/relationships" xmlns:p="http://schemas.openxmlformats.org/presentationml/2006/main" type="tx">
+  <p:cSld name="Section Header">
+    <p:spTree>
+      <p:nvGrpSpPr>
+        <p:cNvPr id="1" name=""/>
+        <p:cNvGrpSpPr/>
+        <p:nvPr/>
+      </p:nvGrpSpPr>
+      <p:grpSpPr>
+        <a:xfrm>
+          <a:off x="0" y="0"/>
+          <a:ext cx="0" cy="0"/>
+          <a:chOff x="0" y="0"/>
+          <a:chExt cx="0" cy="0"/>
+        </a:xfrm>
+      </p:grpSpPr>
+      <p:sp>
+        <p:nvSpPr>
+          <p:cNvPr id="29" name="Shape 29"/>
+          <p:cNvSpPr>
+            <a:spLocks noGrp="1"/>
+          </p:cNvSpPr>
+          <p:nvPr>
+            <p:ph type="title"/>
+          </p:nvPr>
+        </p:nvSpPr>
+        <p:spPr>
+          <a:xfrm>
+            <a:off x="623888" y="1709739"/>
+            <a:ext cx="7886700" cy="2852737"/>
+          </a:xfrm>
+          <a:prstGeom prst="rect">
+            <a:avLst/>
+          </a:prstGeom>
+        </p:spPr>
+        <p:txBody>
+          <a:bodyPr anchor="b"/>
+          <a:lstStyle>
+            <a:lvl1pPr>
+              <a:defRPr sz="4500"/>
+            </a:lvl1pPr>
+          </a:lstStyle>
+          <a:p>
+            <a:r>
+              <a:t>Title Text</a:t>
+            </a:r>
+          </a:p>
+        </p:txBody>
+      </p:sp>
+      <p:sp>
+        <p:nvSpPr>
+          <p:cNvPr id="30" name="Shape 30"/>
+          <p:cNvSpPr>
+            <a:spLocks noGrp="1"/>
+          </p:cNvSpPr>
+          <p:nvPr>
+            <p:ph type="body" sz="quarter" idx="1"/>
+          </p:nvPr>
+        </p:nvSpPr>
+        <p:spPr>
+          <a:xfrm>
+            <a:off x="623888" y="4589462"/>
+            <a:ext cx="7886700" cy="1500188"/>
+          </a:xfrm>
+          <a:prstGeom prst="rect">
+            <a:avLst/>
+          </a:prstGeom>
+        </p:spPr>
+        <p:txBody>
+          <a:bodyPr/>
+          <a:lstStyle>
+            <a:lvl1pPr marL="0" indent="0">
+              <a:buSzTx/>
+              <a:buFontTx/>
+              <a:buNone/>
+              <a:defRPr sz="1800">
+                <a:solidFill>
+                  <a:srgbClr val="888888"/>
+                </a:solidFill>
+              </a:defRPr>
+            </a:lvl1pPr>
+            <a:lvl2pPr marL="0" indent="342900">
+              <a:buSzTx/>
+              <a:buFontTx/>
+              <a:buNone/>
+              <a:defRPr sz="1800">
+                <a:solidFill>
+                  <a:srgbClr val="888888"/>
+                </a:solidFill>
+              </a:defRPr>
+            </a:lvl2pPr>
+            <a:lvl3pPr marL="0" indent="685800">
+              <a:buSzTx/>
+              <a:buFontTx/>
+              <a:buNone/>
+              <a:defRPr sz="1800">
+                <a:solidFill>
+                  <a:srgbClr val="888888"/>
+                </a:solidFill>
+              </a:defRPr>
+            </a:lvl3pPr>
+            <a:lvl4pPr marL="0" indent="1028700">
+              <a:buSzTx/>
+              <a:buFontTx/>
+              <a:buNone/>
+              <a:defRPr sz="1800">
+                <a:solidFill>
+                  <a:srgbClr val="888888"/>
+                </a:solidFill>
+              </a:defRPr>
+            </a:lvl4pPr>
+            <a:lvl5pPr marL="0" indent="1371600">
+              <a:buSzTx/>
+              <a:buFontTx/>
+              <a:buNone/>
+              <a:defRPr sz="1800">
+                <a:solidFill>
+                  <a:srgbClr val="888888"/>
+                </a:solidFill>
+              </a:defRPr>
+            </a:lvl5pPr>
+          </a:lstStyle>
+          <a:p>
+            <a:r>
+              <a:t>Body Level One</a:t>
+            </a:r>
+          </a:p>
+          <a:p>
+            <a:pPr lvl="1"/>
+            <a:r>
+              <a:t>Body Level Two</a:t>
+            </a:r>
+          </a:p>
+          <a:p>
+            <a:pPr lvl="2"/>
+            <a:r>
+              <a:t>Body Level Three</a:t>
+            </a:r>
+          </a:p>
+          <a:p>
+            <a:pPr lvl="3"/>
+            <a:r>
+              <a:t>Body Level Four</a:t>
+            </a:r>
+          </a:p>
+          <a:p>
+            <a:pPr lvl="4"/>
+            <a:r>
+              <a:t>Body Level Five</a:t>
+            </a:r>
+          </a:p>
+        </p:txBody>
+      </p:sp>
+      <p:sp>
+        <p:nvSpPr>
+          <p:cNvPr id="31" name="Shape 31"/>
+          <p:cNvSpPr>
+            <a:spLocks noGrp="1"/>
+          </p:cNvSpPr>
+          <p:nvPr>
+            <p:ph type="sldNum" sz="quarter" idx="2"/>
+          </p:nvPr>
+        </p:nvSpPr>
+        <p:spPr>
+          <a:xfrm>
+            <a:off x="8281954" y="6423497"/>
+            <a:ext cx="233396" cy="230832"/>
+          </a:xfrm>
+          <a:prstGeom prst="rect">
+            <a:avLst/>
+          </a:prstGeom>
+        </p:spPr>
+        <p:txBody>
+          <a:bodyPr/>
+          <a:lstStyle/>
+          <a:p>
+            <a:fld id="{86CB4B4D-7CA3-9044-876B-883B54F8677D}" type="slidenum">
+              <a:rPr/>
+              <a:pPr/>
+              <a:t>‹#›</a:t>
+            </a:fld>
+            <a:endParaRPr/>
+          </a:p>
+        </p:txBody>
+      </p:sp>
+    </p:spTree>
+    <p:extLst>
+      <p:ext uri="{BB962C8B-B14F-4D97-AF65-F5344CB8AC3E}">
+        <p14:creationId xmlns:p14="http://schemas.microsoft.com/office/powerpoint/2010/main" val="810526564"/>
+      </p:ext>
+    </p:extLst>
+  </p:cSld>
+  <p:clrMapOvr>
+    <a:masterClrMapping/>
+  </p:clrMapOvr>
+  <p:transition spd="med"/>
+</p:sldLayout>
+</file>
+
+<file path=ppt/slideLayouts/slideLayout46.xml><?xml version="1.0" encoding="utf-8"?>
+<p:sldLayout xmlns:a="http://schemas.openxmlformats.org/drawingml/2006/main" xmlns:r="http://schemas.openxmlformats.org/officeDocument/2006/relationships" xmlns:p="http://schemas.openxmlformats.org/presentationml/2006/main" type="tx">
+  <p:cSld name="Two Content">
+    <p:spTree>
+      <p:nvGrpSpPr>
+        <p:cNvPr id="1" name=""/>
+        <p:cNvGrpSpPr/>
+        <p:nvPr/>
+      </p:nvGrpSpPr>
+      <p:grpSpPr>
+        <a:xfrm>
+          <a:off x="0" y="0"/>
+          <a:ext cx="0" cy="0"/>
+          <a:chOff x="0" y="0"/>
+          <a:chExt cx="0" cy="0"/>
+        </a:xfrm>
+      </p:grpSpPr>
+      <p:sp>
+        <p:nvSpPr>
+          <p:cNvPr id="38" name="Shape 38"/>
+          <p:cNvSpPr>
+            <a:spLocks noGrp="1"/>
+          </p:cNvSpPr>
+          <p:nvPr>
+            <p:ph type="title"/>
+          </p:nvPr>
+        </p:nvSpPr>
+        <p:spPr>
+          <a:prstGeom prst="rect">
+            <a:avLst/>
+          </a:prstGeom>
+        </p:spPr>
+        <p:txBody>
+          <a:bodyPr/>
+          <a:lstStyle/>
+          <a:p>
+            <a:r>
+              <a:t>Title Text</a:t>
+            </a:r>
+          </a:p>
+        </p:txBody>
+      </p:sp>
+      <p:sp>
+        <p:nvSpPr>
+          <p:cNvPr id="39" name="Shape 39"/>
+          <p:cNvSpPr>
+            <a:spLocks noGrp="1"/>
+          </p:cNvSpPr>
+          <p:nvPr>
+            <p:ph type="body" sz="half" idx="1"/>
+          </p:nvPr>
+        </p:nvSpPr>
+        <p:spPr>
+          <a:xfrm>
+            <a:off x="628650" y="1825625"/>
+            <a:ext cx="3886200" cy="4351338"/>
+          </a:xfrm>
+          <a:prstGeom prst="rect">
+            <a:avLst/>
+          </a:prstGeom>
+        </p:spPr>
+        <p:txBody>
+          <a:bodyPr/>
+          <a:lstStyle/>
+          <a:p>
+            <a:r>
+              <a:t>Body Level One</a:t>
+            </a:r>
+          </a:p>
+          <a:p>
+            <a:pPr lvl="1"/>
+            <a:r>
+              <a:t>Body Level Two</a:t>
+            </a:r>
+          </a:p>
+          <a:p>
+            <a:pPr lvl="2"/>
+            <a:r>
+              <a:t>Body Level Three</a:t>
+            </a:r>
+          </a:p>
+          <a:p>
+            <a:pPr lvl="3"/>
+            <a:r>
+              <a:t>Body Level Four</a:t>
+            </a:r>
+          </a:p>
+          <a:p>
+            <a:pPr lvl="4"/>
+            <a:r>
+              <a:t>Body Level Five</a:t>
+            </a:r>
+          </a:p>
+        </p:txBody>
+      </p:sp>
+      <p:sp>
+        <p:nvSpPr>
+          <p:cNvPr id="40" name="Shape 40"/>
+          <p:cNvSpPr>
+            <a:spLocks noGrp="1"/>
+          </p:cNvSpPr>
+          <p:nvPr>
+            <p:ph type="sldNum" sz="quarter" idx="2"/>
+          </p:nvPr>
+        </p:nvSpPr>
+        <p:spPr>
+          <a:xfrm>
+            <a:off x="8281954" y="6423497"/>
+            <a:ext cx="233396" cy="230832"/>
+          </a:xfrm>
+          <a:prstGeom prst="rect">
+            <a:avLst/>
+          </a:prstGeom>
+        </p:spPr>
+        <p:txBody>
+          <a:bodyPr/>
+          <a:lstStyle/>
+          <a:p>
+            <a:fld id="{86CB4B4D-7CA3-9044-876B-883B54F8677D}" type="slidenum">
+              <a:rPr/>
+              <a:pPr/>
+              <a:t>‹#›</a:t>
+            </a:fld>
+            <a:endParaRPr/>
+          </a:p>
+        </p:txBody>
+      </p:sp>
+    </p:spTree>
+    <p:extLst>
+      <p:ext uri="{BB962C8B-B14F-4D97-AF65-F5344CB8AC3E}">
+        <p14:creationId xmlns:p14="http://schemas.microsoft.com/office/powerpoint/2010/main" val="987499899"/>
+      </p:ext>
+    </p:extLst>
+  </p:cSld>
+  <p:clrMapOvr>
+    <a:masterClrMapping/>
+  </p:clrMapOvr>
+  <p:transition spd="med"/>
+</p:sldLayout>
+</file>
+
+<file path=ppt/slideLayouts/slideLayout47.xml><?xml version="1.0" encoding="utf-8"?>
+<p:sldLayout xmlns:a="http://schemas.openxmlformats.org/drawingml/2006/main" xmlns:r="http://schemas.openxmlformats.org/officeDocument/2006/relationships" xmlns:p="http://schemas.openxmlformats.org/presentationml/2006/main" type="tx">
+  <p:cSld name="Comparison">
+    <p:spTree>
+      <p:nvGrpSpPr>
+        <p:cNvPr id="1" name=""/>
+        <p:cNvGrpSpPr/>
+        <p:nvPr/>
+      </p:nvGrpSpPr>
+      <p:grpSpPr>
+        <a:xfrm>
+          <a:off x="0" y="0"/>
+          <a:ext cx="0" cy="0"/>
+          <a:chOff x="0" y="0"/>
+          <a:chExt cx="0" cy="0"/>
+        </a:xfrm>
+      </p:grpSpPr>
+      <p:sp>
+        <p:nvSpPr>
+          <p:cNvPr id="47" name="Shape 47"/>
+          <p:cNvSpPr>
+            <a:spLocks noGrp="1"/>
+          </p:cNvSpPr>
+          <p:nvPr>
+            <p:ph type="title"/>
+          </p:nvPr>
+        </p:nvSpPr>
+        <p:spPr>
+          <a:xfrm>
+            <a:off x="629841" y="365126"/>
+            <a:ext cx="7886701" cy="1325563"/>
+          </a:xfrm>
+          <a:prstGeom prst="rect">
+            <a:avLst/>
+          </a:prstGeom>
+        </p:spPr>
+        <p:txBody>
+          <a:bodyPr/>
+          <a:lstStyle/>
+          <a:p>
+            <a:r>
+              <a:t>Title Text</a:t>
+            </a:r>
+          </a:p>
+        </p:txBody>
+      </p:sp>
+      <p:sp>
+        <p:nvSpPr>
+          <p:cNvPr id="48" name="Shape 48"/>
+          <p:cNvSpPr>
+            <a:spLocks noGrp="1"/>
+          </p:cNvSpPr>
+          <p:nvPr>
+            <p:ph type="body" sz="quarter" idx="1"/>
+          </p:nvPr>
+        </p:nvSpPr>
+        <p:spPr>
+          <a:xfrm>
+            <a:off x="629841" y="1681164"/>
+            <a:ext cx="3868342" cy="823913"/>
+          </a:xfrm>
+          <a:prstGeom prst="rect">
+            <a:avLst/>
+          </a:prstGeom>
+        </p:spPr>
+        <p:txBody>
+          <a:bodyPr anchor="b"/>
+          <a:lstStyle>
+            <a:lvl1pPr marL="0" indent="0">
+              <a:buSzTx/>
+              <a:buFontTx/>
+              <a:buNone/>
+              <a:defRPr sz="1800" b="1"/>
+            </a:lvl1pPr>
+            <a:lvl2pPr marL="0" indent="342900">
+              <a:buSzTx/>
+              <a:buFontTx/>
+              <a:buNone/>
+              <a:defRPr sz="1800" b="1"/>
+            </a:lvl2pPr>
+            <a:lvl3pPr marL="0" indent="685800">
+              <a:buSzTx/>
+              <a:buFontTx/>
+              <a:buNone/>
+              <a:defRPr sz="1800" b="1"/>
+            </a:lvl3pPr>
+            <a:lvl4pPr marL="0" indent="1028700">
+              <a:buSzTx/>
+              <a:buFontTx/>
+              <a:buNone/>
+              <a:defRPr sz="1800" b="1"/>
+            </a:lvl4pPr>
+            <a:lvl5pPr marL="0" indent="1371600">
+              <a:buSzTx/>
+              <a:buFontTx/>
+              <a:buNone/>
+              <a:defRPr sz="1800" b="1"/>
+            </a:lvl5pPr>
+          </a:lstStyle>
+          <a:p>
+            <a:r>
+              <a:t>Body Level One</a:t>
+            </a:r>
+          </a:p>
+          <a:p>
+            <a:pPr lvl="1"/>
+            <a:r>
+              <a:t>Body Level Two</a:t>
+            </a:r>
+          </a:p>
+          <a:p>
+            <a:pPr lvl="2"/>
+            <a:r>
+              <a:t>Body Level Three</a:t>
+            </a:r>
+          </a:p>
+          <a:p>
+            <a:pPr lvl="3"/>
+            <a:r>
+              <a:t>Body Level Four</a:t>
+            </a:r>
+          </a:p>
+          <a:p>
+            <a:pPr lvl="4"/>
+            <a:r>
+              <a:t>Body Level Five</a:t>
+            </a:r>
+          </a:p>
+        </p:txBody>
+      </p:sp>
+      <p:sp>
+        <p:nvSpPr>
+          <p:cNvPr id="49" name="Shape 49"/>
+          <p:cNvSpPr>
+            <a:spLocks noGrp="1"/>
+          </p:cNvSpPr>
+          <p:nvPr>
+            <p:ph type="body" sz="quarter" idx="13"/>
+          </p:nvPr>
+        </p:nvSpPr>
+        <p:spPr>
+          <a:xfrm>
+            <a:off x="4629150" y="1681164"/>
+            <a:ext cx="3887391" cy="823913"/>
+          </a:xfrm>
+          <a:prstGeom prst="rect">
+            <a:avLst/>
+          </a:prstGeom>
+        </p:spPr>
+        <p:txBody>
+          <a:bodyPr anchor="b"/>
+          <a:lstStyle>
+            <a:lvl1pPr marL="0" indent="0">
+              <a:buSzTx/>
+              <a:buFontTx/>
+              <a:buNone/>
+              <a:defRPr sz="2400" b="1"/>
+            </a:lvl1pPr>
+          </a:lstStyle>
+          <a:p>
+            <a:pPr marL="0" indent="0">
+              <a:buSzTx/>
+              <a:buFontTx/>
+              <a:buNone/>
+              <a:defRPr sz="2400" b="1"/>
+            </a:pPr>
+            <a:endParaRPr/>
+          </a:p>
+        </p:txBody>
+      </p:sp>
+      <p:sp>
+        <p:nvSpPr>
+          <p:cNvPr id="50" name="Shape 50"/>
+          <p:cNvSpPr>
+            <a:spLocks noGrp="1"/>
+          </p:cNvSpPr>
+          <p:nvPr>
+            <p:ph type="sldNum" sz="quarter" idx="2"/>
+          </p:nvPr>
+        </p:nvSpPr>
+        <p:spPr>
+          <a:xfrm>
+            <a:off x="8281954" y="6423497"/>
+            <a:ext cx="233396" cy="230832"/>
+          </a:xfrm>
+          <a:prstGeom prst="rect">
+            <a:avLst/>
+          </a:prstGeom>
+        </p:spPr>
+        <p:txBody>
+          <a:bodyPr/>
+          <a:lstStyle/>
+          <a:p>
+            <a:fld id="{86CB4B4D-7CA3-9044-876B-883B54F8677D}" type="slidenum">
+              <a:rPr/>
+              <a:pPr/>
+              <a:t>‹#›</a:t>
+            </a:fld>
+            <a:endParaRPr/>
+          </a:p>
+        </p:txBody>
+      </p:sp>
+    </p:spTree>
+    <p:extLst>
+      <p:ext uri="{BB962C8B-B14F-4D97-AF65-F5344CB8AC3E}">
+        <p14:creationId xmlns:p14="http://schemas.microsoft.com/office/powerpoint/2010/main" val="1086755707"/>
+      </p:ext>
+    </p:extLst>
+  </p:cSld>
+  <p:clrMapOvr>
+    <a:masterClrMapping/>
+  </p:clrMapOvr>
+  <p:transition spd="med"/>
+</p:sldLayout>
+</file>
+
+<file path=ppt/slideLayouts/slideLayout48.xml><?xml version="1.0" encoding="utf-8"?>
+<p:sldLayout xmlns:a="http://schemas.openxmlformats.org/drawingml/2006/main" xmlns:r="http://schemas.openxmlformats.org/officeDocument/2006/relationships" xmlns:p="http://schemas.openxmlformats.org/presentationml/2006/main" type="tx">
+  <p:cSld name="Title Only">
+    <p:spTree>
+      <p:nvGrpSpPr>
+        <p:cNvPr id="1" name=""/>
+        <p:cNvGrpSpPr/>
+        <p:nvPr/>
+      </p:nvGrpSpPr>
+      <p:grpSpPr>
+        <a:xfrm>
+          <a:off x="0" y="0"/>
+          <a:ext cx="0" cy="0"/>
+          <a:chOff x="0" y="0"/>
+          <a:chExt cx="0" cy="0"/>
+        </a:xfrm>
+      </p:grpSpPr>
+      <p:sp>
+        <p:nvSpPr>
+          <p:cNvPr id="57" name="Shape 57"/>
+          <p:cNvSpPr>
+            <a:spLocks noGrp="1"/>
+          </p:cNvSpPr>
+          <p:nvPr>
+            <p:ph type="title"/>
+          </p:nvPr>
+        </p:nvSpPr>
+        <p:spPr>
+          <a:prstGeom prst="rect">
+            <a:avLst/>
+          </a:prstGeom>
+        </p:spPr>
+        <p:txBody>
+          <a:bodyPr/>
+          <a:lstStyle/>
+          <a:p>
+            <a:r>
+              <a:t>Title Text</a:t>
+            </a:r>
+          </a:p>
+        </p:txBody>
+      </p:sp>
+      <p:sp>
+        <p:nvSpPr>
+          <p:cNvPr id="58" name="Shape 58"/>
+          <p:cNvSpPr>
+            <a:spLocks noGrp="1"/>
+          </p:cNvSpPr>
+          <p:nvPr>
+            <p:ph type="sldNum" sz="quarter" idx="2"/>
+          </p:nvPr>
+        </p:nvSpPr>
+        <p:spPr>
+          <a:xfrm>
+            <a:off x="8281954" y="6423497"/>
+            <a:ext cx="233396" cy="230832"/>
+          </a:xfrm>
+          <a:prstGeom prst="rect">
+            <a:avLst/>
+          </a:prstGeom>
+        </p:spPr>
+        <p:txBody>
+          <a:bodyPr/>
+          <a:lstStyle/>
+          <a:p>
+            <a:fld id="{86CB4B4D-7CA3-9044-876B-883B54F8677D}" type="slidenum">
+              <a:rPr/>
+              <a:pPr/>
+              <a:t>‹#›</a:t>
+            </a:fld>
+            <a:endParaRPr/>
+          </a:p>
+        </p:txBody>
+      </p:sp>
+    </p:spTree>
+    <p:extLst>
+      <p:ext uri="{BB962C8B-B14F-4D97-AF65-F5344CB8AC3E}">
+        <p14:creationId xmlns:p14="http://schemas.microsoft.com/office/powerpoint/2010/main" val="2041704716"/>
+      </p:ext>
+    </p:extLst>
+  </p:cSld>
+  <p:clrMapOvr>
+    <a:masterClrMapping/>
+  </p:clrMapOvr>
+  <p:transition spd="med"/>
+</p:sldLayout>
+</file>
+
+<file path=ppt/slideLayouts/slideLayout49.xml><?xml version="1.0" encoding="utf-8"?>
+<p:sldLayout xmlns:a="http://schemas.openxmlformats.org/drawingml/2006/main" xmlns:r="http://schemas.openxmlformats.org/officeDocument/2006/relationships" xmlns:p="http://schemas.openxmlformats.org/presentationml/2006/main" type="tx">
+  <p:cSld name="Blank">
+    <p:spTree>
+      <p:nvGrpSpPr>
+        <p:cNvPr id="1" name=""/>
+        <p:cNvGrpSpPr/>
+        <p:nvPr/>
+      </p:nvGrpSpPr>
+      <p:grpSpPr>
+        <a:xfrm>
+          <a:off x="0" y="0"/>
+          <a:ext cx="0" cy="0"/>
+          <a:chOff x="0" y="0"/>
+          <a:chExt cx="0" cy="0"/>
+        </a:xfrm>
+      </p:grpSpPr>
+      <p:sp>
+        <p:nvSpPr>
+          <p:cNvPr id="65" name="Shape 65"/>
+          <p:cNvSpPr>
+            <a:spLocks noGrp="1"/>
+          </p:cNvSpPr>
+          <p:nvPr>
+            <p:ph type="sldNum" sz="quarter" idx="2"/>
+          </p:nvPr>
+        </p:nvSpPr>
+        <p:spPr>
+          <a:xfrm>
+            <a:off x="8281954" y="6423497"/>
+            <a:ext cx="233396" cy="230832"/>
+          </a:xfrm>
+          <a:prstGeom prst="rect">
+            <a:avLst/>
+          </a:prstGeom>
+        </p:spPr>
+        <p:txBody>
+          <a:bodyPr/>
+          <a:lstStyle/>
+          <a:p>
+            <a:fld id="{86CB4B4D-7CA3-9044-876B-883B54F8677D}" type="slidenum">
+              <a:rPr/>
+              <a:pPr/>
+              <a:t>‹#›</a:t>
+            </a:fld>
+            <a:endParaRPr/>
+          </a:p>
+        </p:txBody>
+      </p:sp>
+    </p:spTree>
+    <p:extLst>
+      <p:ext uri="{BB962C8B-B14F-4D97-AF65-F5344CB8AC3E}">
+        <p14:creationId xmlns:p14="http://schemas.microsoft.com/office/powerpoint/2010/main" val="824872950"/>
+      </p:ext>
+    </p:extLst>
+  </p:cSld>
+  <p:clrMapOvr>
+    <a:masterClrMapping/>
+  </p:clrMapOvr>
+  <p:transition spd="med"/>
+</p:sldLayout>
+</file>
+
 <file path=ppt/slideLayouts/slideLayout5.xml><?xml version="1.0" encoding="utf-8"?>
 <p:sldLayout xmlns:a="http://schemas.openxmlformats.org/drawingml/2006/main" xmlns:r="http://schemas.openxmlformats.org/officeDocument/2006/relationships" xmlns:p="http://schemas.openxmlformats.org/presentationml/2006/main">
   <p:cSld name="Caption">
@@ -8122,6 +9151,839 @@
   <p:clrMapOvr>
     <a:masterClrMapping/>
   </p:clrMapOvr>
+</p:sldLayout>
+</file>
+
+<file path=ppt/slideLayouts/slideLayout50.xml><?xml version="1.0" encoding="utf-8"?>
+<p:sldLayout xmlns:a="http://schemas.openxmlformats.org/drawingml/2006/main" xmlns:r="http://schemas.openxmlformats.org/officeDocument/2006/relationships" xmlns:p="http://schemas.openxmlformats.org/presentationml/2006/main" type="tx">
+  <p:cSld name="Content with Caption">
+    <p:spTree>
+      <p:nvGrpSpPr>
+        <p:cNvPr id="1" name=""/>
+        <p:cNvGrpSpPr/>
+        <p:nvPr/>
+      </p:nvGrpSpPr>
+      <p:grpSpPr>
+        <a:xfrm>
+          <a:off x="0" y="0"/>
+          <a:ext cx="0" cy="0"/>
+          <a:chOff x="0" y="0"/>
+          <a:chExt cx="0" cy="0"/>
+        </a:xfrm>
+      </p:grpSpPr>
+      <p:sp>
+        <p:nvSpPr>
+          <p:cNvPr id="72" name="Shape 72"/>
+          <p:cNvSpPr>
+            <a:spLocks noGrp="1"/>
+          </p:cNvSpPr>
+          <p:nvPr>
+            <p:ph type="title"/>
+          </p:nvPr>
+        </p:nvSpPr>
+        <p:spPr>
+          <a:xfrm>
+            <a:off x="629841" y="457200"/>
+            <a:ext cx="2949179" cy="1600200"/>
+          </a:xfrm>
+          <a:prstGeom prst="rect">
+            <a:avLst/>
+          </a:prstGeom>
+        </p:spPr>
+        <p:txBody>
+          <a:bodyPr anchor="b"/>
+          <a:lstStyle>
+            <a:lvl1pPr>
+              <a:defRPr sz="2400"/>
+            </a:lvl1pPr>
+          </a:lstStyle>
+          <a:p>
+            <a:r>
+              <a:t>Title Text</a:t>
+            </a:r>
+          </a:p>
+        </p:txBody>
+      </p:sp>
+      <p:sp>
+        <p:nvSpPr>
+          <p:cNvPr id="73" name="Shape 73"/>
+          <p:cNvSpPr>
+            <a:spLocks noGrp="1"/>
+          </p:cNvSpPr>
+          <p:nvPr>
+            <p:ph type="body" sz="half" idx="1"/>
+          </p:nvPr>
+        </p:nvSpPr>
+        <p:spPr>
+          <a:xfrm>
+            <a:off x="3887390" y="987426"/>
+            <a:ext cx="4629151" cy="4873625"/>
+          </a:xfrm>
+          <a:prstGeom prst="rect">
+            <a:avLst/>
+          </a:prstGeom>
+        </p:spPr>
+        <p:txBody>
+          <a:bodyPr/>
+          <a:lstStyle>
+            <a:lvl1pPr>
+              <a:defRPr sz="2400"/>
+            </a:lvl1pPr>
+            <a:lvl2pPr marL="538843" indent="-195943">
+              <a:defRPr sz="2400"/>
+            </a:lvl2pPr>
+            <a:lvl3pPr marL="914400" indent="-228600">
+              <a:defRPr sz="2400"/>
+            </a:lvl3pPr>
+            <a:lvl4pPr marL="1303020" indent="-274320">
+              <a:defRPr sz="2400"/>
+            </a:lvl4pPr>
+            <a:lvl5pPr marL="1645920" indent="-274320">
+              <a:defRPr sz="2400"/>
+            </a:lvl5pPr>
+          </a:lstStyle>
+          <a:p>
+            <a:r>
+              <a:t>Body Level One</a:t>
+            </a:r>
+          </a:p>
+          <a:p>
+            <a:pPr lvl="1"/>
+            <a:r>
+              <a:t>Body Level Two</a:t>
+            </a:r>
+          </a:p>
+          <a:p>
+            <a:pPr lvl="2"/>
+            <a:r>
+              <a:t>Body Level Three</a:t>
+            </a:r>
+          </a:p>
+          <a:p>
+            <a:pPr lvl="3"/>
+            <a:r>
+              <a:t>Body Level Four</a:t>
+            </a:r>
+          </a:p>
+          <a:p>
+            <a:pPr lvl="4"/>
+            <a:r>
+              <a:t>Body Level Five</a:t>
+            </a:r>
+          </a:p>
+        </p:txBody>
+      </p:sp>
+      <p:sp>
+        <p:nvSpPr>
+          <p:cNvPr id="74" name="Shape 74"/>
+          <p:cNvSpPr>
+            <a:spLocks noGrp="1"/>
+          </p:cNvSpPr>
+          <p:nvPr>
+            <p:ph type="body" sz="quarter" idx="13"/>
+          </p:nvPr>
+        </p:nvSpPr>
+        <p:spPr>
+          <a:xfrm>
+            <a:off x="629840" y="2057400"/>
+            <a:ext cx="2949179" cy="3811588"/>
+          </a:xfrm>
+          <a:prstGeom prst="rect">
+            <a:avLst/>
+          </a:prstGeom>
+        </p:spPr>
+        <p:txBody>
+          <a:bodyPr/>
+          <a:lstStyle>
+            <a:lvl1pPr marL="0" indent="0">
+              <a:buSzTx/>
+              <a:buFontTx/>
+              <a:buNone/>
+              <a:defRPr sz="1600"/>
+            </a:lvl1pPr>
+          </a:lstStyle>
+          <a:p>
+            <a:pPr marL="0" indent="0">
+              <a:buSzTx/>
+              <a:buFontTx/>
+              <a:buNone/>
+              <a:defRPr sz="1600"/>
+            </a:pPr>
+            <a:endParaRPr/>
+          </a:p>
+        </p:txBody>
+      </p:sp>
+      <p:sp>
+        <p:nvSpPr>
+          <p:cNvPr id="75" name="Shape 75"/>
+          <p:cNvSpPr>
+            <a:spLocks noGrp="1"/>
+          </p:cNvSpPr>
+          <p:nvPr>
+            <p:ph type="sldNum" sz="quarter" idx="2"/>
+          </p:nvPr>
+        </p:nvSpPr>
+        <p:spPr>
+          <a:xfrm>
+            <a:off x="8281954" y="6423497"/>
+            <a:ext cx="233396" cy="230832"/>
+          </a:xfrm>
+          <a:prstGeom prst="rect">
+            <a:avLst/>
+          </a:prstGeom>
+        </p:spPr>
+        <p:txBody>
+          <a:bodyPr/>
+          <a:lstStyle/>
+          <a:p>
+            <a:fld id="{86CB4B4D-7CA3-9044-876B-883B54F8677D}" type="slidenum">
+              <a:rPr/>
+              <a:pPr/>
+              <a:t>‹#›</a:t>
+            </a:fld>
+            <a:endParaRPr/>
+          </a:p>
+        </p:txBody>
+      </p:sp>
+    </p:spTree>
+    <p:extLst>
+      <p:ext uri="{BB962C8B-B14F-4D97-AF65-F5344CB8AC3E}">
+        <p14:creationId xmlns:p14="http://schemas.microsoft.com/office/powerpoint/2010/main" val="734715489"/>
+      </p:ext>
+    </p:extLst>
+  </p:cSld>
+  <p:clrMapOvr>
+    <a:masterClrMapping/>
+  </p:clrMapOvr>
+  <p:transition spd="med"/>
+</p:sldLayout>
+</file>
+
+<file path=ppt/slideLayouts/slideLayout51.xml><?xml version="1.0" encoding="utf-8"?>
+<p:sldLayout xmlns:a="http://schemas.openxmlformats.org/drawingml/2006/main" xmlns:r="http://schemas.openxmlformats.org/officeDocument/2006/relationships" xmlns:p="http://schemas.openxmlformats.org/presentationml/2006/main" type="tx">
+  <p:cSld name="Picture with Caption">
+    <p:spTree>
+      <p:nvGrpSpPr>
+        <p:cNvPr id="1" name=""/>
+        <p:cNvGrpSpPr/>
+        <p:nvPr/>
+      </p:nvGrpSpPr>
+      <p:grpSpPr>
+        <a:xfrm>
+          <a:off x="0" y="0"/>
+          <a:ext cx="0" cy="0"/>
+          <a:chOff x="0" y="0"/>
+          <a:chExt cx="0" cy="0"/>
+        </a:xfrm>
+      </p:grpSpPr>
+      <p:sp>
+        <p:nvSpPr>
+          <p:cNvPr id="82" name="Shape 82"/>
+          <p:cNvSpPr>
+            <a:spLocks noGrp="1"/>
+          </p:cNvSpPr>
+          <p:nvPr>
+            <p:ph type="title"/>
+          </p:nvPr>
+        </p:nvSpPr>
+        <p:spPr>
+          <a:xfrm>
+            <a:off x="629841" y="457200"/>
+            <a:ext cx="2949179" cy="1600200"/>
+          </a:xfrm>
+          <a:prstGeom prst="rect">
+            <a:avLst/>
+          </a:prstGeom>
+        </p:spPr>
+        <p:txBody>
+          <a:bodyPr anchor="b"/>
+          <a:lstStyle>
+            <a:lvl1pPr>
+              <a:defRPr sz="2400"/>
+            </a:lvl1pPr>
+          </a:lstStyle>
+          <a:p>
+            <a:r>
+              <a:t>Title Text</a:t>
+            </a:r>
+          </a:p>
+        </p:txBody>
+      </p:sp>
+      <p:sp>
+        <p:nvSpPr>
+          <p:cNvPr id="83" name="Shape 83"/>
+          <p:cNvSpPr>
+            <a:spLocks noGrp="1"/>
+          </p:cNvSpPr>
+          <p:nvPr>
+            <p:ph type="pic" sz="half" idx="13"/>
+          </p:nvPr>
+        </p:nvSpPr>
+        <p:spPr>
+          <a:xfrm>
+            <a:off x="3887390" y="987426"/>
+            <a:ext cx="4629151" cy="4873625"/>
+          </a:xfrm>
+          <a:prstGeom prst="rect">
+            <a:avLst/>
+          </a:prstGeom>
+        </p:spPr>
+        <p:txBody>
+          <a:bodyPr lIns="91439" rIns="91439">
+            <a:noAutofit/>
+          </a:bodyPr>
+          <a:lstStyle/>
+          <a:p>
+            <a:endParaRPr/>
+          </a:p>
+        </p:txBody>
+      </p:sp>
+      <p:sp>
+        <p:nvSpPr>
+          <p:cNvPr id="84" name="Shape 84"/>
+          <p:cNvSpPr>
+            <a:spLocks noGrp="1"/>
+          </p:cNvSpPr>
+          <p:nvPr>
+            <p:ph type="body" sz="quarter" idx="1"/>
+          </p:nvPr>
+        </p:nvSpPr>
+        <p:spPr>
+          <a:xfrm>
+            <a:off x="629841" y="2057400"/>
+            <a:ext cx="2949179" cy="3811588"/>
+          </a:xfrm>
+          <a:prstGeom prst="rect">
+            <a:avLst/>
+          </a:prstGeom>
+        </p:spPr>
+        <p:txBody>
+          <a:bodyPr/>
+          <a:lstStyle>
+            <a:lvl1pPr marL="0" indent="0">
+              <a:buSzTx/>
+              <a:buFontTx/>
+              <a:buNone/>
+              <a:defRPr sz="1200"/>
+            </a:lvl1pPr>
+            <a:lvl2pPr marL="0" indent="342900">
+              <a:buSzTx/>
+              <a:buFontTx/>
+              <a:buNone/>
+              <a:defRPr sz="1200"/>
+            </a:lvl2pPr>
+            <a:lvl3pPr marL="0" indent="685800">
+              <a:buSzTx/>
+              <a:buFontTx/>
+              <a:buNone/>
+              <a:defRPr sz="1200"/>
+            </a:lvl3pPr>
+            <a:lvl4pPr marL="0" indent="1028700">
+              <a:buSzTx/>
+              <a:buFontTx/>
+              <a:buNone/>
+              <a:defRPr sz="1200"/>
+            </a:lvl4pPr>
+            <a:lvl5pPr marL="0" indent="1371600">
+              <a:buSzTx/>
+              <a:buFontTx/>
+              <a:buNone/>
+              <a:defRPr sz="1200"/>
+            </a:lvl5pPr>
+          </a:lstStyle>
+          <a:p>
+            <a:r>
+              <a:t>Body Level One</a:t>
+            </a:r>
+          </a:p>
+          <a:p>
+            <a:pPr lvl="1"/>
+            <a:r>
+              <a:t>Body Level Two</a:t>
+            </a:r>
+          </a:p>
+          <a:p>
+            <a:pPr lvl="2"/>
+            <a:r>
+              <a:t>Body Level Three</a:t>
+            </a:r>
+          </a:p>
+          <a:p>
+            <a:pPr lvl="3"/>
+            <a:r>
+              <a:t>Body Level Four</a:t>
+            </a:r>
+          </a:p>
+          <a:p>
+            <a:pPr lvl="4"/>
+            <a:r>
+              <a:t>Body Level Five</a:t>
+            </a:r>
+          </a:p>
+        </p:txBody>
+      </p:sp>
+      <p:sp>
+        <p:nvSpPr>
+          <p:cNvPr id="85" name="Shape 85"/>
+          <p:cNvSpPr>
+            <a:spLocks noGrp="1"/>
+          </p:cNvSpPr>
+          <p:nvPr>
+            <p:ph type="sldNum" sz="quarter" idx="2"/>
+          </p:nvPr>
+        </p:nvSpPr>
+        <p:spPr>
+          <a:xfrm>
+            <a:off x="8281954" y="6423497"/>
+            <a:ext cx="233396" cy="230832"/>
+          </a:xfrm>
+          <a:prstGeom prst="rect">
+            <a:avLst/>
+          </a:prstGeom>
+        </p:spPr>
+        <p:txBody>
+          <a:bodyPr/>
+          <a:lstStyle/>
+          <a:p>
+            <a:fld id="{86CB4B4D-7CA3-9044-876B-883B54F8677D}" type="slidenum">
+              <a:rPr/>
+              <a:pPr/>
+              <a:t>‹#›</a:t>
+            </a:fld>
+            <a:endParaRPr/>
+          </a:p>
+        </p:txBody>
+      </p:sp>
+    </p:spTree>
+    <p:extLst>
+      <p:ext uri="{BB962C8B-B14F-4D97-AF65-F5344CB8AC3E}">
+        <p14:creationId xmlns:p14="http://schemas.microsoft.com/office/powerpoint/2010/main" val="724957811"/>
+      </p:ext>
+    </p:extLst>
+  </p:cSld>
+  <p:clrMapOvr>
+    <a:masterClrMapping/>
+  </p:clrMapOvr>
+  <p:transition spd="med"/>
+</p:sldLayout>
+</file>
+
+<file path=ppt/slideLayouts/slideLayout52.xml><?xml version="1.0" encoding="utf-8"?>
+<p:sldLayout xmlns:a="http://schemas.openxmlformats.org/drawingml/2006/main" xmlns:r="http://schemas.openxmlformats.org/officeDocument/2006/relationships" xmlns:p="http://schemas.openxmlformats.org/presentationml/2006/main" type="tx">
+  <p:cSld name="Title and Vertical Text">
+    <p:spTree>
+      <p:nvGrpSpPr>
+        <p:cNvPr id="1" name=""/>
+        <p:cNvGrpSpPr/>
+        <p:nvPr/>
+      </p:nvGrpSpPr>
+      <p:grpSpPr>
+        <a:xfrm>
+          <a:off x="0" y="0"/>
+          <a:ext cx="0" cy="0"/>
+          <a:chOff x="0" y="0"/>
+          <a:chExt cx="0" cy="0"/>
+        </a:xfrm>
+      </p:grpSpPr>
+      <p:sp>
+        <p:nvSpPr>
+          <p:cNvPr id="92" name="Shape 92"/>
+          <p:cNvSpPr>
+            <a:spLocks noGrp="1"/>
+          </p:cNvSpPr>
+          <p:nvPr>
+            <p:ph type="title"/>
+          </p:nvPr>
+        </p:nvSpPr>
+        <p:spPr>
+          <a:prstGeom prst="rect">
+            <a:avLst/>
+          </a:prstGeom>
+        </p:spPr>
+        <p:txBody>
+          <a:bodyPr/>
+          <a:lstStyle/>
+          <a:p>
+            <a:r>
+              <a:t>Title Text</a:t>
+            </a:r>
+          </a:p>
+        </p:txBody>
+      </p:sp>
+      <p:sp>
+        <p:nvSpPr>
+          <p:cNvPr id="93" name="Shape 93"/>
+          <p:cNvSpPr>
+            <a:spLocks noGrp="1"/>
+          </p:cNvSpPr>
+          <p:nvPr>
+            <p:ph type="body" idx="1"/>
+          </p:nvPr>
+        </p:nvSpPr>
+        <p:spPr>
+          <a:prstGeom prst="rect">
+            <a:avLst/>
+          </a:prstGeom>
+        </p:spPr>
+        <p:txBody>
+          <a:bodyPr/>
+          <a:lstStyle/>
+          <a:p>
+            <a:r>
+              <a:t>Body Level One</a:t>
+            </a:r>
+          </a:p>
+          <a:p>
+            <a:pPr lvl="1"/>
+            <a:r>
+              <a:t>Body Level Two</a:t>
+            </a:r>
+          </a:p>
+          <a:p>
+            <a:pPr lvl="2"/>
+            <a:r>
+              <a:t>Body Level Three</a:t>
+            </a:r>
+          </a:p>
+          <a:p>
+            <a:pPr lvl="3"/>
+            <a:r>
+              <a:t>Body Level Four</a:t>
+            </a:r>
+          </a:p>
+          <a:p>
+            <a:pPr lvl="4"/>
+            <a:r>
+              <a:t>Body Level Five</a:t>
+            </a:r>
+          </a:p>
+        </p:txBody>
+      </p:sp>
+      <p:sp>
+        <p:nvSpPr>
+          <p:cNvPr id="94" name="Shape 94"/>
+          <p:cNvSpPr>
+            <a:spLocks noGrp="1"/>
+          </p:cNvSpPr>
+          <p:nvPr>
+            <p:ph type="sldNum" sz="quarter" idx="2"/>
+          </p:nvPr>
+        </p:nvSpPr>
+        <p:spPr>
+          <a:xfrm>
+            <a:off x="8281954" y="6423497"/>
+            <a:ext cx="233396" cy="230832"/>
+          </a:xfrm>
+          <a:prstGeom prst="rect">
+            <a:avLst/>
+          </a:prstGeom>
+        </p:spPr>
+        <p:txBody>
+          <a:bodyPr/>
+          <a:lstStyle/>
+          <a:p>
+            <a:fld id="{86CB4B4D-7CA3-9044-876B-883B54F8677D}" type="slidenum">
+              <a:rPr/>
+              <a:pPr/>
+              <a:t>‹#›</a:t>
+            </a:fld>
+            <a:endParaRPr/>
+          </a:p>
+        </p:txBody>
+      </p:sp>
+    </p:spTree>
+    <p:extLst>
+      <p:ext uri="{BB962C8B-B14F-4D97-AF65-F5344CB8AC3E}">
+        <p14:creationId xmlns:p14="http://schemas.microsoft.com/office/powerpoint/2010/main" val="2053105077"/>
+      </p:ext>
+    </p:extLst>
+  </p:cSld>
+  <p:clrMapOvr>
+    <a:masterClrMapping/>
+  </p:clrMapOvr>
+  <p:transition spd="med"/>
+</p:sldLayout>
+</file>
+
+<file path=ppt/slideLayouts/slideLayout53.xml><?xml version="1.0" encoding="utf-8"?>
+<p:sldLayout xmlns:a="http://schemas.openxmlformats.org/drawingml/2006/main" xmlns:r="http://schemas.openxmlformats.org/officeDocument/2006/relationships" xmlns:p="http://schemas.openxmlformats.org/presentationml/2006/main" type="tx">
+  <p:cSld name="Vertical Title and Text">
+    <p:spTree>
+      <p:nvGrpSpPr>
+        <p:cNvPr id="1" name=""/>
+        <p:cNvGrpSpPr/>
+        <p:nvPr/>
+      </p:nvGrpSpPr>
+      <p:grpSpPr>
+        <a:xfrm>
+          <a:off x="0" y="0"/>
+          <a:ext cx="0" cy="0"/>
+          <a:chOff x="0" y="0"/>
+          <a:chExt cx="0" cy="0"/>
+        </a:xfrm>
+      </p:grpSpPr>
+      <p:sp>
+        <p:nvSpPr>
+          <p:cNvPr id="101" name="Shape 101"/>
+          <p:cNvSpPr>
+            <a:spLocks noGrp="1"/>
+          </p:cNvSpPr>
+          <p:nvPr>
+            <p:ph type="title"/>
+          </p:nvPr>
+        </p:nvSpPr>
+        <p:spPr>
+          <a:xfrm>
+            <a:off x="6543675" y="365125"/>
+            <a:ext cx="1971675" cy="5811838"/>
+          </a:xfrm>
+          <a:prstGeom prst="rect">
+            <a:avLst/>
+          </a:prstGeom>
+        </p:spPr>
+        <p:txBody>
+          <a:bodyPr/>
+          <a:lstStyle/>
+          <a:p>
+            <a:r>
+              <a:t>Title Text</a:t>
+            </a:r>
+          </a:p>
+        </p:txBody>
+      </p:sp>
+      <p:sp>
+        <p:nvSpPr>
+          <p:cNvPr id="102" name="Shape 102"/>
+          <p:cNvSpPr>
+            <a:spLocks noGrp="1"/>
+          </p:cNvSpPr>
+          <p:nvPr>
+            <p:ph type="body" idx="1"/>
+          </p:nvPr>
+        </p:nvSpPr>
+        <p:spPr>
+          <a:xfrm>
+            <a:off x="628650" y="365125"/>
+            <a:ext cx="5800725" cy="5811838"/>
+          </a:xfrm>
+          <a:prstGeom prst="rect">
+            <a:avLst/>
+          </a:prstGeom>
+        </p:spPr>
+        <p:txBody>
+          <a:bodyPr/>
+          <a:lstStyle/>
+          <a:p>
+            <a:r>
+              <a:t>Body Level One</a:t>
+            </a:r>
+          </a:p>
+          <a:p>
+            <a:pPr lvl="1"/>
+            <a:r>
+              <a:t>Body Level Two</a:t>
+            </a:r>
+          </a:p>
+          <a:p>
+            <a:pPr lvl="2"/>
+            <a:r>
+              <a:t>Body Level Three</a:t>
+            </a:r>
+          </a:p>
+          <a:p>
+            <a:pPr lvl="3"/>
+            <a:r>
+              <a:t>Body Level Four</a:t>
+            </a:r>
+          </a:p>
+          <a:p>
+            <a:pPr lvl="4"/>
+            <a:r>
+              <a:t>Body Level Five</a:t>
+            </a:r>
+          </a:p>
+        </p:txBody>
+      </p:sp>
+      <p:sp>
+        <p:nvSpPr>
+          <p:cNvPr id="103" name="Shape 103"/>
+          <p:cNvSpPr>
+            <a:spLocks noGrp="1"/>
+          </p:cNvSpPr>
+          <p:nvPr>
+            <p:ph type="sldNum" sz="quarter" idx="2"/>
+          </p:nvPr>
+        </p:nvSpPr>
+        <p:spPr>
+          <a:xfrm>
+            <a:off x="8281954" y="6423497"/>
+            <a:ext cx="233396" cy="230832"/>
+          </a:xfrm>
+          <a:prstGeom prst="rect">
+            <a:avLst/>
+          </a:prstGeom>
+        </p:spPr>
+        <p:txBody>
+          <a:bodyPr/>
+          <a:lstStyle/>
+          <a:p>
+            <a:fld id="{86CB4B4D-7CA3-9044-876B-883B54F8677D}" type="slidenum">
+              <a:rPr/>
+              <a:pPr/>
+              <a:t>‹#›</a:t>
+            </a:fld>
+            <a:endParaRPr/>
+          </a:p>
+        </p:txBody>
+      </p:sp>
+    </p:spTree>
+    <p:extLst>
+      <p:ext uri="{BB962C8B-B14F-4D97-AF65-F5344CB8AC3E}">
+        <p14:creationId xmlns:p14="http://schemas.microsoft.com/office/powerpoint/2010/main" val="1404636873"/>
+      </p:ext>
+    </p:extLst>
+  </p:cSld>
+  <p:clrMapOvr>
+    <a:masterClrMapping/>
+  </p:clrMapOvr>
+  <p:transition spd="med"/>
+</p:sldLayout>
+</file>
+
+<file path=ppt/slideLayouts/slideLayout54.xml><?xml version="1.0" encoding="utf-8"?>
+<p:sldLayout xmlns:a="http://schemas.openxmlformats.org/drawingml/2006/main" xmlns:r="http://schemas.openxmlformats.org/officeDocument/2006/relationships" xmlns:p="http://schemas.openxmlformats.org/presentationml/2006/main" type="tx">
+  <p:cSld name="1_Title and Content">
+    <p:spTree>
+      <p:nvGrpSpPr>
+        <p:cNvPr id="1" name=""/>
+        <p:cNvGrpSpPr/>
+        <p:nvPr/>
+      </p:nvGrpSpPr>
+      <p:grpSpPr>
+        <a:xfrm>
+          <a:off x="0" y="0"/>
+          <a:ext cx="0" cy="0"/>
+          <a:chOff x="0" y="0"/>
+          <a:chExt cx="0" cy="0"/>
+        </a:xfrm>
+      </p:grpSpPr>
+      <p:sp>
+        <p:nvSpPr>
+          <p:cNvPr id="110" name="Shape 110"/>
+          <p:cNvSpPr>
+            <a:spLocks noGrp="1"/>
+          </p:cNvSpPr>
+          <p:nvPr>
+            <p:ph type="title"/>
+          </p:nvPr>
+        </p:nvSpPr>
+        <p:spPr>
+          <a:prstGeom prst="rect">
+            <a:avLst/>
+          </a:prstGeom>
+        </p:spPr>
+        <p:txBody>
+          <a:bodyPr/>
+          <a:lstStyle/>
+          <a:p>
+            <a:r>
+              <a:t>Title Text</a:t>
+            </a:r>
+          </a:p>
+        </p:txBody>
+      </p:sp>
+      <p:sp>
+        <p:nvSpPr>
+          <p:cNvPr id="111" name="Shape 111"/>
+          <p:cNvSpPr>
+            <a:spLocks noGrp="1"/>
+          </p:cNvSpPr>
+          <p:nvPr>
+            <p:ph type="body" idx="1"/>
+          </p:nvPr>
+        </p:nvSpPr>
+        <p:spPr>
+          <a:prstGeom prst="rect">
+            <a:avLst/>
+          </a:prstGeom>
+        </p:spPr>
+        <p:txBody>
+          <a:bodyPr/>
+          <a:lstStyle/>
+          <a:p>
+            <a:r>
+              <a:t>Body Level One</a:t>
+            </a:r>
+          </a:p>
+          <a:p>
+            <a:pPr lvl="1"/>
+            <a:r>
+              <a:t>Body Level Two</a:t>
+            </a:r>
+          </a:p>
+          <a:p>
+            <a:pPr lvl="2"/>
+            <a:r>
+              <a:t>Body Level Three</a:t>
+            </a:r>
+          </a:p>
+          <a:p>
+            <a:pPr lvl="3"/>
+            <a:r>
+              <a:t>Body Level Four</a:t>
+            </a:r>
+          </a:p>
+          <a:p>
+            <a:pPr lvl="4"/>
+            <a:r>
+              <a:t>Body Level Five</a:t>
+            </a:r>
+          </a:p>
+        </p:txBody>
+      </p:sp>
+      <p:sp>
+        <p:nvSpPr>
+          <p:cNvPr id="112" name="Shape 112"/>
+          <p:cNvSpPr>
+            <a:spLocks noGrp="1"/>
+          </p:cNvSpPr>
+          <p:nvPr>
+            <p:ph type="sldNum" sz="quarter" idx="2"/>
+          </p:nvPr>
+        </p:nvSpPr>
+        <p:spPr>
+          <a:xfrm>
+            <a:off x="8281954" y="6423497"/>
+            <a:ext cx="233396" cy="230832"/>
+          </a:xfrm>
+          <a:prstGeom prst="rect">
+            <a:avLst/>
+          </a:prstGeom>
+        </p:spPr>
+        <p:txBody>
+          <a:bodyPr/>
+          <a:lstStyle/>
+          <a:p>
+            <a:fld id="{86CB4B4D-7CA3-9044-876B-883B54F8677D}" type="slidenum">
+              <a:rPr/>
+              <a:pPr/>
+              <a:t>‹#›</a:t>
+            </a:fld>
+            <a:endParaRPr/>
+          </a:p>
+        </p:txBody>
+      </p:sp>
+    </p:spTree>
+    <p:extLst>
+      <p:ext uri="{BB962C8B-B14F-4D97-AF65-F5344CB8AC3E}">
+        <p14:creationId xmlns:p14="http://schemas.microsoft.com/office/powerpoint/2010/main" val="899266308"/>
+      </p:ext>
+    </p:extLst>
+  </p:cSld>
+  <p:clrMapOvr>
+    <a:masterClrMapping/>
+  </p:clrMapOvr>
+  <p:transition spd="med"/>
 </p:sldLayout>
 </file>
 
@@ -12606,6 +14468,1006 @@
 </p:sldMaster>
 </file>
 
+<file path=ppt/slideMasters/slideMaster5.xml><?xml version="1.0" encoding="utf-8"?>
+<p:sldMaster xmlns:a="http://schemas.openxmlformats.org/drawingml/2006/main" xmlns:r="http://schemas.openxmlformats.org/officeDocument/2006/relationships" xmlns:p="http://schemas.openxmlformats.org/presentationml/2006/main">
+  <p:cSld>
+    <p:bg>
+      <p:bgPr>
+        <a:solidFill>
+          <a:srgbClr val="FFFFFF"/>
+        </a:solidFill>
+        <a:effectLst/>
+      </p:bgPr>
+    </p:bg>
+    <p:spTree>
+      <p:nvGrpSpPr>
+        <p:cNvPr id="1" name=""/>
+        <p:cNvGrpSpPr/>
+        <p:nvPr/>
+      </p:nvGrpSpPr>
+      <p:grpSpPr>
+        <a:xfrm>
+          <a:off x="0" y="0"/>
+          <a:ext cx="0" cy="0"/>
+          <a:chOff x="0" y="0"/>
+          <a:chExt cx="0" cy="0"/>
+        </a:xfrm>
+      </p:grpSpPr>
+      <p:sp>
+        <p:nvSpPr>
+          <p:cNvPr id="2" name="Shape 2"/>
+          <p:cNvSpPr>
+            <a:spLocks noGrp="1"/>
+          </p:cNvSpPr>
+          <p:nvPr>
+            <p:ph type="title"/>
+          </p:nvPr>
+        </p:nvSpPr>
+        <p:spPr>
+          <a:xfrm>
+            <a:off x="628650" y="365126"/>
+            <a:ext cx="7886700" cy="1325563"/>
+          </a:xfrm>
+          <a:prstGeom prst="rect">
+            <a:avLst/>
+          </a:prstGeom>
+          <a:ln w="12700">
+            <a:miter lim="400000"/>
+          </a:ln>
+          <a:extLst>
+            <a:ext uri="{C572A759-6A51-4108-AA02-DFA0A04FC94B}">
+              <ma14:wrappingTextBoxFlag xmlns:ma14="http://schemas.microsoft.com/office/mac/drawingml/2011/main" val="1"/>
+            </a:ext>
+          </a:extLst>
+        </p:spPr>
+        <p:txBody>
+          <a:bodyPr lIns="45719" rIns="45719" anchor="ctr">
+            <a:normAutofit/>
+          </a:bodyPr>
+          <a:lstStyle/>
+          <a:p>
+            <a:r>
+              <a:t>Title Text</a:t>
+            </a:r>
+          </a:p>
+        </p:txBody>
+      </p:sp>
+      <p:sp>
+        <p:nvSpPr>
+          <p:cNvPr id="3" name="Shape 3"/>
+          <p:cNvSpPr>
+            <a:spLocks noGrp="1"/>
+          </p:cNvSpPr>
+          <p:nvPr>
+            <p:ph type="body" idx="1"/>
+          </p:nvPr>
+        </p:nvSpPr>
+        <p:spPr>
+          <a:xfrm>
+            <a:off x="628650" y="1825625"/>
+            <a:ext cx="7886700" cy="4351338"/>
+          </a:xfrm>
+          <a:prstGeom prst="rect">
+            <a:avLst/>
+          </a:prstGeom>
+          <a:ln w="12700">
+            <a:miter lim="400000"/>
+          </a:ln>
+          <a:extLst>
+            <a:ext uri="{C572A759-6A51-4108-AA02-DFA0A04FC94B}">
+              <ma14:wrappingTextBoxFlag xmlns:ma14="http://schemas.microsoft.com/office/mac/drawingml/2011/main" val="1"/>
+            </a:ext>
+          </a:extLst>
+        </p:spPr>
+        <p:txBody>
+          <a:bodyPr lIns="45719" rIns="45719">
+            <a:normAutofit/>
+          </a:bodyPr>
+          <a:lstStyle/>
+          <a:p>
+            <a:r>
+              <a:t>Body Level One</a:t>
+            </a:r>
+          </a:p>
+          <a:p>
+            <a:pPr lvl="1"/>
+            <a:r>
+              <a:t>Body Level Two</a:t>
+            </a:r>
+          </a:p>
+          <a:p>
+            <a:pPr lvl="2"/>
+            <a:r>
+              <a:t>Body Level Three</a:t>
+            </a:r>
+          </a:p>
+          <a:p>
+            <a:pPr lvl="3"/>
+            <a:r>
+              <a:t>Body Level Four</a:t>
+            </a:r>
+          </a:p>
+          <a:p>
+            <a:pPr lvl="4"/>
+            <a:r>
+              <a:t>Body Level Five</a:t>
+            </a:r>
+          </a:p>
+        </p:txBody>
+      </p:sp>
+      <p:sp>
+        <p:nvSpPr>
+          <p:cNvPr id="4" name="Shape 4"/>
+          <p:cNvSpPr>
+            <a:spLocks noGrp="1"/>
+          </p:cNvSpPr>
+          <p:nvPr>
+            <p:ph type="sldNum" sz="quarter" idx="2"/>
+          </p:nvPr>
+        </p:nvSpPr>
+        <p:spPr>
+          <a:xfrm>
+            <a:off x="8288367" y="6423497"/>
+            <a:ext cx="226983" cy="230832"/>
+          </a:xfrm>
+          <a:prstGeom prst="rect">
+            <a:avLst/>
+          </a:prstGeom>
+          <a:ln w="12700">
+            <a:miter lim="400000"/>
+          </a:ln>
+        </p:spPr>
+        <p:txBody>
+          <a:bodyPr wrap="none" lIns="45719" rIns="45719" anchor="ctr">
+            <a:spAutoFit/>
+          </a:bodyPr>
+          <a:lstStyle>
+            <a:lvl1pPr algn="r">
+              <a:defRPr sz="900">
+                <a:solidFill>
+                  <a:srgbClr val="888888"/>
+                </a:solidFill>
+              </a:defRPr>
+            </a:lvl1pPr>
+          </a:lstStyle>
+          <a:p>
+            <a:pPr hangingPunct="0"/>
+            <a:fld id="{86CB4B4D-7CA3-9044-876B-883B54F8677D}" type="slidenum">
+              <a:rPr kern="0">
+                <a:latin typeface="Calibri"/>
+                <a:ea typeface="Calibri"/>
+                <a:cs typeface="Calibri"/>
+                <a:sym typeface="Calibri"/>
+              </a:rPr>
+              <a:pPr hangingPunct="0"/>
+              <a:t>‹#›</a:t>
+            </a:fld>
+            <a:endParaRPr kern="0">
+              <a:latin typeface="Calibri"/>
+              <a:ea typeface="Calibri"/>
+              <a:cs typeface="Calibri"/>
+              <a:sym typeface="Calibri"/>
+            </a:endParaRPr>
+          </a:p>
+        </p:txBody>
+      </p:sp>
+    </p:spTree>
+    <p:extLst>
+      <p:ext uri="{BB962C8B-B14F-4D97-AF65-F5344CB8AC3E}">
+        <p14:creationId xmlns:p14="http://schemas.microsoft.com/office/powerpoint/2010/main" val="116347840"/>
+      </p:ext>
+    </p:extLst>
+  </p:cSld>
+  <p:clrMap bg1="lt1" tx1="dk1" bg2="lt2" tx2="dk2" accent1="accent1" accent2="accent2" accent3="accent3" accent4="accent4" accent5="accent5" accent6="accent6" hlink="hlink" folHlink="folHlink"/>
+  <p:sldLayoutIdLst>
+    <p:sldLayoutId id="2147483720" r:id="rId1"/>
+    <p:sldLayoutId id="2147483721" r:id="rId2"/>
+    <p:sldLayoutId id="2147483722" r:id="rId3"/>
+    <p:sldLayoutId id="2147483723" r:id="rId4"/>
+    <p:sldLayoutId id="2147483724" r:id="rId5"/>
+    <p:sldLayoutId id="2147483725" r:id="rId6"/>
+    <p:sldLayoutId id="2147483726" r:id="rId7"/>
+    <p:sldLayoutId id="2147483727" r:id="rId8"/>
+    <p:sldLayoutId id="2147483728" r:id="rId9"/>
+    <p:sldLayoutId id="2147483729" r:id="rId10"/>
+    <p:sldLayoutId id="2147483730" r:id="rId11"/>
+    <p:sldLayoutId id="2147483731" r:id="rId12"/>
+  </p:sldLayoutIdLst>
+  <p:transition spd="med"/>
+  <p:txStyles>
+    <p:titleStyle>
+      <a:lvl1pPr marL="0" marR="0" indent="0" algn="l" defTabSz="685800" rtl="0" latinLnBrk="0">
+        <a:lnSpc>
+          <a:spcPct val="90000"/>
+        </a:lnSpc>
+        <a:spcBef>
+          <a:spcPts val="0"/>
+        </a:spcBef>
+        <a:spcAft>
+          <a:spcPts val="0"/>
+        </a:spcAft>
+        <a:buClrTx/>
+        <a:buSzTx/>
+        <a:buFontTx/>
+        <a:buNone/>
+        <a:tabLst/>
+        <a:defRPr sz="3300" b="0" i="0" u="none" strike="noStrike" cap="none" spc="0" baseline="0">
+          <a:ln>
+            <a:noFill/>
+          </a:ln>
+          <a:solidFill>
+            <a:srgbClr val="000000"/>
+          </a:solidFill>
+          <a:uFillTx/>
+          <a:latin typeface="+mj-lt"/>
+          <a:ea typeface="+mj-ea"/>
+          <a:cs typeface="+mj-cs"/>
+          <a:sym typeface="Calibri"/>
+        </a:defRPr>
+      </a:lvl1pPr>
+      <a:lvl2pPr marL="0" marR="0" indent="0" algn="l" defTabSz="685800" rtl="0" latinLnBrk="0">
+        <a:lnSpc>
+          <a:spcPct val="90000"/>
+        </a:lnSpc>
+        <a:spcBef>
+          <a:spcPts val="0"/>
+        </a:spcBef>
+        <a:spcAft>
+          <a:spcPts val="0"/>
+        </a:spcAft>
+        <a:buClrTx/>
+        <a:buSzTx/>
+        <a:buFontTx/>
+        <a:buNone/>
+        <a:tabLst/>
+        <a:defRPr sz="3300" b="0" i="0" u="none" strike="noStrike" cap="none" spc="0" baseline="0">
+          <a:ln>
+            <a:noFill/>
+          </a:ln>
+          <a:solidFill>
+            <a:srgbClr val="000000"/>
+          </a:solidFill>
+          <a:uFillTx/>
+          <a:latin typeface="+mj-lt"/>
+          <a:ea typeface="+mj-ea"/>
+          <a:cs typeface="+mj-cs"/>
+          <a:sym typeface="Calibri"/>
+        </a:defRPr>
+      </a:lvl2pPr>
+      <a:lvl3pPr marL="0" marR="0" indent="0" algn="l" defTabSz="685800" rtl="0" latinLnBrk="0">
+        <a:lnSpc>
+          <a:spcPct val="90000"/>
+        </a:lnSpc>
+        <a:spcBef>
+          <a:spcPts val="0"/>
+        </a:spcBef>
+        <a:spcAft>
+          <a:spcPts val="0"/>
+        </a:spcAft>
+        <a:buClrTx/>
+        <a:buSzTx/>
+        <a:buFontTx/>
+        <a:buNone/>
+        <a:tabLst/>
+        <a:defRPr sz="3300" b="0" i="0" u="none" strike="noStrike" cap="none" spc="0" baseline="0">
+          <a:ln>
+            <a:noFill/>
+          </a:ln>
+          <a:solidFill>
+            <a:srgbClr val="000000"/>
+          </a:solidFill>
+          <a:uFillTx/>
+          <a:latin typeface="+mj-lt"/>
+          <a:ea typeface="+mj-ea"/>
+          <a:cs typeface="+mj-cs"/>
+          <a:sym typeface="Calibri"/>
+        </a:defRPr>
+      </a:lvl3pPr>
+      <a:lvl4pPr marL="0" marR="0" indent="0" algn="l" defTabSz="685800" rtl="0" latinLnBrk="0">
+        <a:lnSpc>
+          <a:spcPct val="90000"/>
+        </a:lnSpc>
+        <a:spcBef>
+          <a:spcPts val="0"/>
+        </a:spcBef>
+        <a:spcAft>
+          <a:spcPts val="0"/>
+        </a:spcAft>
+        <a:buClrTx/>
+        <a:buSzTx/>
+        <a:buFontTx/>
+        <a:buNone/>
+        <a:tabLst/>
+        <a:defRPr sz="3300" b="0" i="0" u="none" strike="noStrike" cap="none" spc="0" baseline="0">
+          <a:ln>
+            <a:noFill/>
+          </a:ln>
+          <a:solidFill>
+            <a:srgbClr val="000000"/>
+          </a:solidFill>
+          <a:uFillTx/>
+          <a:latin typeface="+mj-lt"/>
+          <a:ea typeface="+mj-ea"/>
+          <a:cs typeface="+mj-cs"/>
+          <a:sym typeface="Calibri"/>
+        </a:defRPr>
+      </a:lvl4pPr>
+      <a:lvl5pPr marL="0" marR="0" indent="0" algn="l" defTabSz="685800" rtl="0" latinLnBrk="0">
+        <a:lnSpc>
+          <a:spcPct val="90000"/>
+        </a:lnSpc>
+        <a:spcBef>
+          <a:spcPts val="0"/>
+        </a:spcBef>
+        <a:spcAft>
+          <a:spcPts val="0"/>
+        </a:spcAft>
+        <a:buClrTx/>
+        <a:buSzTx/>
+        <a:buFontTx/>
+        <a:buNone/>
+        <a:tabLst/>
+        <a:defRPr sz="3300" b="0" i="0" u="none" strike="noStrike" cap="none" spc="0" baseline="0">
+          <a:ln>
+            <a:noFill/>
+          </a:ln>
+          <a:solidFill>
+            <a:srgbClr val="000000"/>
+          </a:solidFill>
+          <a:uFillTx/>
+          <a:latin typeface="+mj-lt"/>
+          <a:ea typeface="+mj-ea"/>
+          <a:cs typeface="+mj-cs"/>
+          <a:sym typeface="Calibri"/>
+        </a:defRPr>
+      </a:lvl5pPr>
+      <a:lvl6pPr marL="0" marR="0" indent="0" algn="l" defTabSz="685800" rtl="0" latinLnBrk="0">
+        <a:lnSpc>
+          <a:spcPct val="90000"/>
+        </a:lnSpc>
+        <a:spcBef>
+          <a:spcPts val="0"/>
+        </a:spcBef>
+        <a:spcAft>
+          <a:spcPts val="0"/>
+        </a:spcAft>
+        <a:buClrTx/>
+        <a:buSzTx/>
+        <a:buFontTx/>
+        <a:buNone/>
+        <a:tabLst/>
+        <a:defRPr sz="3300" b="0" i="0" u="none" strike="noStrike" cap="none" spc="0" baseline="0">
+          <a:ln>
+            <a:noFill/>
+          </a:ln>
+          <a:solidFill>
+            <a:srgbClr val="000000"/>
+          </a:solidFill>
+          <a:uFillTx/>
+          <a:latin typeface="+mj-lt"/>
+          <a:ea typeface="+mj-ea"/>
+          <a:cs typeface="+mj-cs"/>
+          <a:sym typeface="Calibri"/>
+        </a:defRPr>
+      </a:lvl6pPr>
+      <a:lvl7pPr marL="0" marR="0" indent="0" algn="l" defTabSz="685800" rtl="0" latinLnBrk="0">
+        <a:lnSpc>
+          <a:spcPct val="90000"/>
+        </a:lnSpc>
+        <a:spcBef>
+          <a:spcPts val="0"/>
+        </a:spcBef>
+        <a:spcAft>
+          <a:spcPts val="0"/>
+        </a:spcAft>
+        <a:buClrTx/>
+        <a:buSzTx/>
+        <a:buFontTx/>
+        <a:buNone/>
+        <a:tabLst/>
+        <a:defRPr sz="3300" b="0" i="0" u="none" strike="noStrike" cap="none" spc="0" baseline="0">
+          <a:ln>
+            <a:noFill/>
+          </a:ln>
+          <a:solidFill>
+            <a:srgbClr val="000000"/>
+          </a:solidFill>
+          <a:uFillTx/>
+          <a:latin typeface="+mj-lt"/>
+          <a:ea typeface="+mj-ea"/>
+          <a:cs typeface="+mj-cs"/>
+          <a:sym typeface="Calibri"/>
+        </a:defRPr>
+      </a:lvl7pPr>
+      <a:lvl8pPr marL="0" marR="0" indent="0" algn="l" defTabSz="685800" rtl="0" latinLnBrk="0">
+        <a:lnSpc>
+          <a:spcPct val="90000"/>
+        </a:lnSpc>
+        <a:spcBef>
+          <a:spcPts val="0"/>
+        </a:spcBef>
+        <a:spcAft>
+          <a:spcPts val="0"/>
+        </a:spcAft>
+        <a:buClrTx/>
+        <a:buSzTx/>
+        <a:buFontTx/>
+        <a:buNone/>
+        <a:tabLst/>
+        <a:defRPr sz="3300" b="0" i="0" u="none" strike="noStrike" cap="none" spc="0" baseline="0">
+          <a:ln>
+            <a:noFill/>
+          </a:ln>
+          <a:solidFill>
+            <a:srgbClr val="000000"/>
+          </a:solidFill>
+          <a:uFillTx/>
+          <a:latin typeface="+mj-lt"/>
+          <a:ea typeface="+mj-ea"/>
+          <a:cs typeface="+mj-cs"/>
+          <a:sym typeface="Calibri"/>
+        </a:defRPr>
+      </a:lvl8pPr>
+      <a:lvl9pPr marL="0" marR="0" indent="0" algn="l" defTabSz="685800" rtl="0" latinLnBrk="0">
+        <a:lnSpc>
+          <a:spcPct val="90000"/>
+        </a:lnSpc>
+        <a:spcBef>
+          <a:spcPts val="0"/>
+        </a:spcBef>
+        <a:spcAft>
+          <a:spcPts val="0"/>
+        </a:spcAft>
+        <a:buClrTx/>
+        <a:buSzTx/>
+        <a:buFontTx/>
+        <a:buNone/>
+        <a:tabLst/>
+        <a:defRPr sz="3300" b="0" i="0" u="none" strike="noStrike" cap="none" spc="0" baseline="0">
+          <a:ln>
+            <a:noFill/>
+          </a:ln>
+          <a:solidFill>
+            <a:srgbClr val="000000"/>
+          </a:solidFill>
+          <a:uFillTx/>
+          <a:latin typeface="+mj-lt"/>
+          <a:ea typeface="+mj-ea"/>
+          <a:cs typeface="+mj-cs"/>
+          <a:sym typeface="Calibri"/>
+        </a:defRPr>
+      </a:lvl9pPr>
+    </p:titleStyle>
+    <p:bodyStyle>
+      <a:lvl1pPr marL="171450" marR="0" indent="-171450" algn="l" defTabSz="685800" rtl="0" latinLnBrk="0">
+        <a:lnSpc>
+          <a:spcPct val="90000"/>
+        </a:lnSpc>
+        <a:spcBef>
+          <a:spcPts val="750"/>
+        </a:spcBef>
+        <a:spcAft>
+          <a:spcPts val="0"/>
+        </a:spcAft>
+        <a:buClrTx/>
+        <a:buSzPct val="100000"/>
+        <a:buFont typeface="Arial"/>
+        <a:buChar char="•"/>
+        <a:tabLst/>
+        <a:defRPr sz="2100" b="0" i="0" u="none" strike="noStrike" cap="none" spc="0" baseline="0">
+          <a:ln>
+            <a:noFill/>
+          </a:ln>
+          <a:solidFill>
+            <a:srgbClr val="000000"/>
+          </a:solidFill>
+          <a:uFillTx/>
+          <a:latin typeface="+mj-lt"/>
+          <a:ea typeface="+mj-ea"/>
+          <a:cs typeface="+mj-cs"/>
+          <a:sym typeface="Calibri"/>
+        </a:defRPr>
+      </a:lvl1pPr>
+      <a:lvl2pPr marL="542925" marR="0" indent="-200025" algn="l" defTabSz="685800" rtl="0" latinLnBrk="0">
+        <a:lnSpc>
+          <a:spcPct val="90000"/>
+        </a:lnSpc>
+        <a:spcBef>
+          <a:spcPts val="750"/>
+        </a:spcBef>
+        <a:spcAft>
+          <a:spcPts val="0"/>
+        </a:spcAft>
+        <a:buClrTx/>
+        <a:buSzPct val="100000"/>
+        <a:buFont typeface="Arial"/>
+        <a:buChar char="•"/>
+        <a:tabLst/>
+        <a:defRPr sz="2100" b="0" i="0" u="none" strike="noStrike" cap="none" spc="0" baseline="0">
+          <a:ln>
+            <a:noFill/>
+          </a:ln>
+          <a:solidFill>
+            <a:srgbClr val="000000"/>
+          </a:solidFill>
+          <a:uFillTx/>
+          <a:latin typeface="+mj-lt"/>
+          <a:ea typeface="+mj-ea"/>
+          <a:cs typeface="+mj-cs"/>
+          <a:sym typeface="Calibri"/>
+        </a:defRPr>
+      </a:lvl2pPr>
+      <a:lvl3pPr marL="925829" marR="0" indent="-240029" algn="l" defTabSz="685800" rtl="0" latinLnBrk="0">
+        <a:lnSpc>
+          <a:spcPct val="90000"/>
+        </a:lnSpc>
+        <a:spcBef>
+          <a:spcPts val="750"/>
+        </a:spcBef>
+        <a:spcAft>
+          <a:spcPts val="0"/>
+        </a:spcAft>
+        <a:buClrTx/>
+        <a:buSzPct val="100000"/>
+        <a:buFont typeface="Arial"/>
+        <a:buChar char="•"/>
+        <a:tabLst/>
+        <a:defRPr sz="2100" b="0" i="0" u="none" strike="noStrike" cap="none" spc="0" baseline="0">
+          <a:ln>
+            <a:noFill/>
+          </a:ln>
+          <a:solidFill>
+            <a:srgbClr val="000000"/>
+          </a:solidFill>
+          <a:uFillTx/>
+          <a:latin typeface="+mj-lt"/>
+          <a:ea typeface="+mj-ea"/>
+          <a:cs typeface="+mj-cs"/>
+          <a:sym typeface="Calibri"/>
+        </a:defRPr>
+      </a:lvl3pPr>
+      <a:lvl4pPr marL="1295400" marR="0" indent="-266700" algn="l" defTabSz="685800" rtl="0" latinLnBrk="0">
+        <a:lnSpc>
+          <a:spcPct val="90000"/>
+        </a:lnSpc>
+        <a:spcBef>
+          <a:spcPts val="750"/>
+        </a:spcBef>
+        <a:spcAft>
+          <a:spcPts val="0"/>
+        </a:spcAft>
+        <a:buClrTx/>
+        <a:buSzPct val="100000"/>
+        <a:buFont typeface="Arial"/>
+        <a:buChar char="•"/>
+        <a:tabLst/>
+        <a:defRPr sz="2100" b="0" i="0" u="none" strike="noStrike" cap="none" spc="0" baseline="0">
+          <a:ln>
+            <a:noFill/>
+          </a:ln>
+          <a:solidFill>
+            <a:srgbClr val="000000"/>
+          </a:solidFill>
+          <a:uFillTx/>
+          <a:latin typeface="+mj-lt"/>
+          <a:ea typeface="+mj-ea"/>
+          <a:cs typeface="+mj-cs"/>
+          <a:sym typeface="Calibri"/>
+        </a:defRPr>
+      </a:lvl4pPr>
+      <a:lvl5pPr marL="1638300" marR="0" indent="-266700" algn="l" defTabSz="685800" rtl="0" latinLnBrk="0">
+        <a:lnSpc>
+          <a:spcPct val="90000"/>
+        </a:lnSpc>
+        <a:spcBef>
+          <a:spcPts val="750"/>
+        </a:spcBef>
+        <a:spcAft>
+          <a:spcPts val="0"/>
+        </a:spcAft>
+        <a:buClrTx/>
+        <a:buSzPct val="100000"/>
+        <a:buFont typeface="Arial"/>
+        <a:buChar char="•"/>
+        <a:tabLst/>
+        <a:defRPr sz="2100" b="0" i="0" u="none" strike="noStrike" cap="none" spc="0" baseline="0">
+          <a:ln>
+            <a:noFill/>
+          </a:ln>
+          <a:solidFill>
+            <a:srgbClr val="000000"/>
+          </a:solidFill>
+          <a:uFillTx/>
+          <a:latin typeface="+mj-lt"/>
+          <a:ea typeface="+mj-ea"/>
+          <a:cs typeface="+mj-cs"/>
+          <a:sym typeface="Calibri"/>
+        </a:defRPr>
+      </a:lvl5pPr>
+      <a:lvl6pPr marL="1981200" marR="0" indent="-266700" algn="l" defTabSz="685800" rtl="0" latinLnBrk="0">
+        <a:lnSpc>
+          <a:spcPct val="90000"/>
+        </a:lnSpc>
+        <a:spcBef>
+          <a:spcPts val="750"/>
+        </a:spcBef>
+        <a:spcAft>
+          <a:spcPts val="0"/>
+        </a:spcAft>
+        <a:buClrTx/>
+        <a:buSzPct val="100000"/>
+        <a:buFont typeface="Arial"/>
+        <a:buChar char="•"/>
+        <a:tabLst/>
+        <a:defRPr sz="2100" b="0" i="0" u="none" strike="noStrike" cap="none" spc="0" baseline="0">
+          <a:ln>
+            <a:noFill/>
+          </a:ln>
+          <a:solidFill>
+            <a:srgbClr val="000000"/>
+          </a:solidFill>
+          <a:uFillTx/>
+          <a:latin typeface="+mj-lt"/>
+          <a:ea typeface="+mj-ea"/>
+          <a:cs typeface="+mj-cs"/>
+          <a:sym typeface="Calibri"/>
+        </a:defRPr>
+      </a:lvl6pPr>
+      <a:lvl7pPr marL="2324100" marR="0" indent="-266700" algn="l" defTabSz="685800" rtl="0" latinLnBrk="0">
+        <a:lnSpc>
+          <a:spcPct val="90000"/>
+        </a:lnSpc>
+        <a:spcBef>
+          <a:spcPts val="750"/>
+        </a:spcBef>
+        <a:spcAft>
+          <a:spcPts val="0"/>
+        </a:spcAft>
+        <a:buClrTx/>
+        <a:buSzPct val="100000"/>
+        <a:buFont typeface="Arial"/>
+        <a:buChar char="•"/>
+        <a:tabLst/>
+        <a:defRPr sz="2100" b="0" i="0" u="none" strike="noStrike" cap="none" spc="0" baseline="0">
+          <a:ln>
+            <a:noFill/>
+          </a:ln>
+          <a:solidFill>
+            <a:srgbClr val="000000"/>
+          </a:solidFill>
+          <a:uFillTx/>
+          <a:latin typeface="+mj-lt"/>
+          <a:ea typeface="+mj-ea"/>
+          <a:cs typeface="+mj-cs"/>
+          <a:sym typeface="Calibri"/>
+        </a:defRPr>
+      </a:lvl7pPr>
+      <a:lvl8pPr marL="2667000" marR="0" indent="-266700" algn="l" defTabSz="685800" rtl="0" latinLnBrk="0">
+        <a:lnSpc>
+          <a:spcPct val="90000"/>
+        </a:lnSpc>
+        <a:spcBef>
+          <a:spcPts val="750"/>
+        </a:spcBef>
+        <a:spcAft>
+          <a:spcPts val="0"/>
+        </a:spcAft>
+        <a:buClrTx/>
+        <a:buSzPct val="100000"/>
+        <a:buFont typeface="Arial"/>
+        <a:buChar char="•"/>
+        <a:tabLst/>
+        <a:defRPr sz="2100" b="0" i="0" u="none" strike="noStrike" cap="none" spc="0" baseline="0">
+          <a:ln>
+            <a:noFill/>
+          </a:ln>
+          <a:solidFill>
+            <a:srgbClr val="000000"/>
+          </a:solidFill>
+          <a:uFillTx/>
+          <a:latin typeface="+mj-lt"/>
+          <a:ea typeface="+mj-ea"/>
+          <a:cs typeface="+mj-cs"/>
+          <a:sym typeface="Calibri"/>
+        </a:defRPr>
+      </a:lvl8pPr>
+      <a:lvl9pPr marL="3009900" marR="0" indent="-266700" algn="l" defTabSz="685800" rtl="0" latinLnBrk="0">
+        <a:lnSpc>
+          <a:spcPct val="90000"/>
+        </a:lnSpc>
+        <a:spcBef>
+          <a:spcPts val="750"/>
+        </a:spcBef>
+        <a:spcAft>
+          <a:spcPts val="0"/>
+        </a:spcAft>
+        <a:buClrTx/>
+        <a:buSzPct val="100000"/>
+        <a:buFont typeface="Arial"/>
+        <a:buChar char="•"/>
+        <a:tabLst/>
+        <a:defRPr sz="2100" b="0" i="0" u="none" strike="noStrike" cap="none" spc="0" baseline="0">
+          <a:ln>
+            <a:noFill/>
+          </a:ln>
+          <a:solidFill>
+            <a:srgbClr val="000000"/>
+          </a:solidFill>
+          <a:uFillTx/>
+          <a:latin typeface="+mj-lt"/>
+          <a:ea typeface="+mj-ea"/>
+          <a:cs typeface="+mj-cs"/>
+          <a:sym typeface="Calibri"/>
+        </a:defRPr>
+      </a:lvl9pPr>
+    </p:bodyStyle>
+    <p:otherStyle>
+      <a:lvl1pPr marL="0" marR="0" indent="0" algn="r" defTabSz="685800" rtl="0" latinLnBrk="0">
+        <a:lnSpc>
+          <a:spcPct val="100000"/>
+        </a:lnSpc>
+        <a:spcBef>
+          <a:spcPts val="0"/>
+        </a:spcBef>
+        <a:spcAft>
+          <a:spcPts val="0"/>
+        </a:spcAft>
+        <a:buClrTx/>
+        <a:buSzTx/>
+        <a:buFontTx/>
+        <a:buNone/>
+        <a:tabLst/>
+        <a:defRPr sz="900" b="0" i="0" u="none" strike="noStrike" cap="none" spc="0" baseline="0">
+          <a:ln>
+            <a:noFill/>
+          </a:ln>
+          <a:solidFill>
+            <a:schemeClr val="tx1"/>
+          </a:solidFill>
+          <a:uFillTx/>
+          <a:latin typeface="+mn-lt"/>
+          <a:ea typeface="+mn-ea"/>
+          <a:cs typeface="+mn-cs"/>
+          <a:sym typeface="Calibri"/>
+        </a:defRPr>
+      </a:lvl1pPr>
+      <a:lvl2pPr marL="0" marR="0" indent="342900" algn="r" defTabSz="685800" rtl="0" latinLnBrk="0">
+        <a:lnSpc>
+          <a:spcPct val="100000"/>
+        </a:lnSpc>
+        <a:spcBef>
+          <a:spcPts val="0"/>
+        </a:spcBef>
+        <a:spcAft>
+          <a:spcPts val="0"/>
+        </a:spcAft>
+        <a:buClrTx/>
+        <a:buSzTx/>
+        <a:buFontTx/>
+        <a:buNone/>
+        <a:tabLst/>
+        <a:defRPr sz="900" b="0" i="0" u="none" strike="noStrike" cap="none" spc="0" baseline="0">
+          <a:ln>
+            <a:noFill/>
+          </a:ln>
+          <a:solidFill>
+            <a:schemeClr val="tx1"/>
+          </a:solidFill>
+          <a:uFillTx/>
+          <a:latin typeface="+mn-lt"/>
+          <a:ea typeface="+mn-ea"/>
+          <a:cs typeface="+mn-cs"/>
+          <a:sym typeface="Calibri"/>
+        </a:defRPr>
+      </a:lvl2pPr>
+      <a:lvl3pPr marL="0" marR="0" indent="685800" algn="r" defTabSz="685800" rtl="0" latinLnBrk="0">
+        <a:lnSpc>
+          <a:spcPct val="100000"/>
+        </a:lnSpc>
+        <a:spcBef>
+          <a:spcPts val="0"/>
+        </a:spcBef>
+        <a:spcAft>
+          <a:spcPts val="0"/>
+        </a:spcAft>
+        <a:buClrTx/>
+        <a:buSzTx/>
+        <a:buFontTx/>
+        <a:buNone/>
+        <a:tabLst/>
+        <a:defRPr sz="900" b="0" i="0" u="none" strike="noStrike" cap="none" spc="0" baseline="0">
+          <a:ln>
+            <a:noFill/>
+          </a:ln>
+          <a:solidFill>
+            <a:schemeClr val="tx1"/>
+          </a:solidFill>
+          <a:uFillTx/>
+          <a:latin typeface="+mn-lt"/>
+          <a:ea typeface="+mn-ea"/>
+          <a:cs typeface="+mn-cs"/>
+          <a:sym typeface="Calibri"/>
+        </a:defRPr>
+      </a:lvl3pPr>
+      <a:lvl4pPr marL="0" marR="0" indent="1028700" algn="r" defTabSz="685800" rtl="0" latinLnBrk="0">
+        <a:lnSpc>
+          <a:spcPct val="100000"/>
+        </a:lnSpc>
+        <a:spcBef>
+          <a:spcPts val="0"/>
+        </a:spcBef>
+        <a:spcAft>
+          <a:spcPts val="0"/>
+        </a:spcAft>
+        <a:buClrTx/>
+        <a:buSzTx/>
+        <a:buFontTx/>
+        <a:buNone/>
+        <a:tabLst/>
+        <a:defRPr sz="900" b="0" i="0" u="none" strike="noStrike" cap="none" spc="0" baseline="0">
+          <a:ln>
+            <a:noFill/>
+          </a:ln>
+          <a:solidFill>
+            <a:schemeClr val="tx1"/>
+          </a:solidFill>
+          <a:uFillTx/>
+          <a:latin typeface="+mn-lt"/>
+          <a:ea typeface="+mn-ea"/>
+          <a:cs typeface="+mn-cs"/>
+          <a:sym typeface="Calibri"/>
+        </a:defRPr>
+      </a:lvl4pPr>
+      <a:lvl5pPr marL="0" marR="0" indent="1371600" algn="r" defTabSz="685800" rtl="0" latinLnBrk="0">
+        <a:lnSpc>
+          <a:spcPct val="100000"/>
+        </a:lnSpc>
+        <a:spcBef>
+          <a:spcPts val="0"/>
+        </a:spcBef>
+        <a:spcAft>
+          <a:spcPts val="0"/>
+        </a:spcAft>
+        <a:buClrTx/>
+        <a:buSzTx/>
+        <a:buFontTx/>
+        <a:buNone/>
+        <a:tabLst/>
+        <a:defRPr sz="900" b="0" i="0" u="none" strike="noStrike" cap="none" spc="0" baseline="0">
+          <a:ln>
+            <a:noFill/>
+          </a:ln>
+          <a:solidFill>
+            <a:schemeClr val="tx1"/>
+          </a:solidFill>
+          <a:uFillTx/>
+          <a:latin typeface="+mn-lt"/>
+          <a:ea typeface="+mn-ea"/>
+          <a:cs typeface="+mn-cs"/>
+          <a:sym typeface="Calibri"/>
+        </a:defRPr>
+      </a:lvl5pPr>
+      <a:lvl6pPr marL="0" marR="0" indent="1714500" algn="r" defTabSz="685800" rtl="0" latinLnBrk="0">
+        <a:lnSpc>
+          <a:spcPct val="100000"/>
+        </a:lnSpc>
+        <a:spcBef>
+          <a:spcPts val="0"/>
+        </a:spcBef>
+        <a:spcAft>
+          <a:spcPts val="0"/>
+        </a:spcAft>
+        <a:buClrTx/>
+        <a:buSzTx/>
+        <a:buFontTx/>
+        <a:buNone/>
+        <a:tabLst/>
+        <a:defRPr sz="900" b="0" i="0" u="none" strike="noStrike" cap="none" spc="0" baseline="0">
+          <a:ln>
+            <a:noFill/>
+          </a:ln>
+          <a:solidFill>
+            <a:schemeClr val="tx1"/>
+          </a:solidFill>
+          <a:uFillTx/>
+          <a:latin typeface="+mn-lt"/>
+          <a:ea typeface="+mn-ea"/>
+          <a:cs typeface="+mn-cs"/>
+          <a:sym typeface="Calibri"/>
+        </a:defRPr>
+      </a:lvl6pPr>
+      <a:lvl7pPr marL="0" marR="0" indent="2057400" algn="r" defTabSz="685800" rtl="0" latinLnBrk="0">
+        <a:lnSpc>
+          <a:spcPct val="100000"/>
+        </a:lnSpc>
+        <a:spcBef>
+          <a:spcPts val="0"/>
+        </a:spcBef>
+        <a:spcAft>
+          <a:spcPts val="0"/>
+        </a:spcAft>
+        <a:buClrTx/>
+        <a:buSzTx/>
+        <a:buFontTx/>
+        <a:buNone/>
+        <a:tabLst/>
+        <a:defRPr sz="900" b="0" i="0" u="none" strike="noStrike" cap="none" spc="0" baseline="0">
+          <a:ln>
+            <a:noFill/>
+          </a:ln>
+          <a:solidFill>
+            <a:schemeClr val="tx1"/>
+          </a:solidFill>
+          <a:uFillTx/>
+          <a:latin typeface="+mn-lt"/>
+          <a:ea typeface="+mn-ea"/>
+          <a:cs typeface="+mn-cs"/>
+          <a:sym typeface="Calibri"/>
+        </a:defRPr>
+      </a:lvl7pPr>
+      <a:lvl8pPr marL="0" marR="0" indent="2400300" algn="r" defTabSz="685800" rtl="0" latinLnBrk="0">
+        <a:lnSpc>
+          <a:spcPct val="100000"/>
+        </a:lnSpc>
+        <a:spcBef>
+          <a:spcPts val="0"/>
+        </a:spcBef>
+        <a:spcAft>
+          <a:spcPts val="0"/>
+        </a:spcAft>
+        <a:buClrTx/>
+        <a:buSzTx/>
+        <a:buFontTx/>
+        <a:buNone/>
+        <a:tabLst/>
+        <a:defRPr sz="900" b="0" i="0" u="none" strike="noStrike" cap="none" spc="0" baseline="0">
+          <a:ln>
+            <a:noFill/>
+          </a:ln>
+          <a:solidFill>
+            <a:schemeClr val="tx1"/>
+          </a:solidFill>
+          <a:uFillTx/>
+          <a:latin typeface="+mn-lt"/>
+          <a:ea typeface="+mn-ea"/>
+          <a:cs typeface="+mn-cs"/>
+          <a:sym typeface="Calibri"/>
+        </a:defRPr>
+      </a:lvl8pPr>
+      <a:lvl9pPr marL="0" marR="0" indent="2743200" algn="r" defTabSz="685800" rtl="0" latinLnBrk="0">
+        <a:lnSpc>
+          <a:spcPct val="100000"/>
+        </a:lnSpc>
+        <a:spcBef>
+          <a:spcPts val="0"/>
+        </a:spcBef>
+        <a:spcAft>
+          <a:spcPts val="0"/>
+        </a:spcAft>
+        <a:buClrTx/>
+        <a:buSzTx/>
+        <a:buFontTx/>
+        <a:buNone/>
+        <a:tabLst/>
+        <a:defRPr sz="900" b="0" i="0" u="none" strike="noStrike" cap="none" spc="0" baseline="0">
+          <a:ln>
+            <a:noFill/>
+          </a:ln>
+          <a:solidFill>
+            <a:schemeClr val="tx1"/>
+          </a:solidFill>
+          <a:uFillTx/>
+          <a:latin typeface="+mn-lt"/>
+          <a:ea typeface="+mn-ea"/>
+          <a:cs typeface="+mn-cs"/>
+          <a:sym typeface="Calibri"/>
+        </a:defRPr>
+      </a:lvl9pPr>
+    </p:otherStyle>
+  </p:txStyles>
+</p:sldMaster>
+</file>
+
 <file path=ppt/slides/slide1.xml><?xml version="1.0" encoding="utf-8"?>
 <p:sld xmlns:a="http://schemas.openxmlformats.org/drawingml/2006/main" xmlns:r="http://schemas.openxmlformats.org/officeDocument/2006/relationships" xmlns:p="http://schemas.openxmlformats.org/presentationml/2006/main">
   <p:cSld>
@@ -13062,6 +15924,536 @@
       </p:grpSpPr>
       <p:sp>
         <p:nvSpPr>
+          <p:cNvPr id="149" name="Shape 149"/>
+          <p:cNvSpPr>
+            <a:spLocks noGrp="1"/>
+          </p:cNvSpPr>
+          <p:nvPr>
+            <p:ph type="body" sz="quarter" idx="1"/>
+          </p:nvPr>
+        </p:nvSpPr>
+        <p:spPr>
+          <a:xfrm>
+            <a:off x="861332" y="4506685"/>
+            <a:ext cx="7886701" cy="796019"/>
+          </a:xfrm>
+          <a:prstGeom prst="rect">
+            <a:avLst/>
+          </a:prstGeom>
+        </p:spPr>
+        <p:txBody>
+          <a:bodyPr>
+            <a:normAutofit fontScale="92500" lnSpcReduction="20000"/>
+          </a:bodyPr>
+          <a:lstStyle>
+            <a:lvl1pPr marL="0" indent="0">
+              <a:buSzTx/>
+              <a:buNone/>
+              <a:defRPr sz="3600">
+                <a:latin typeface="Cambria"/>
+                <a:ea typeface="Cambria"/>
+                <a:cs typeface="Cambria"/>
+                <a:sym typeface="Cambria"/>
+              </a:defRPr>
+            </a:lvl1pPr>
+          </a:lstStyle>
+          <a:p>
+            <a:r>
+              <a:rPr dirty="0"/>
+              <a:t>Our team provides solutions to fix 3 above problems.</a:t>
+            </a:r>
+          </a:p>
+        </p:txBody>
+      </p:sp>
+      <p:pic>
+        <p:nvPicPr>
+          <p:cNvPr id="150" name="image4.jpg"/>
+          <p:cNvPicPr>
+            <a:picLocks noChangeAspect="1"/>
+          </p:cNvPicPr>
+          <p:nvPr/>
+        </p:nvPicPr>
+        <p:blipFill>
+          <a:blip r:embed="rId2">
+            <a:extLst/>
+          </a:blip>
+          <a:srcRect b="21104"/>
+          <a:stretch>
+            <a:fillRect/>
+          </a:stretch>
+        </p:blipFill>
+        <p:spPr>
+          <a:xfrm>
+            <a:off x="947057" y="857250"/>
+            <a:ext cx="7543801" cy="2975884"/>
+          </a:xfrm>
+          <a:prstGeom prst="rect">
+            <a:avLst/>
+          </a:prstGeom>
+          <a:ln w="12700">
+            <a:miter lim="400000"/>
+          </a:ln>
+        </p:spPr>
+      </p:pic>
+    </p:spTree>
+    <p:extLst>
+      <p:ext uri="{BB962C8B-B14F-4D97-AF65-F5344CB8AC3E}">
+        <p14:creationId xmlns:p14="http://schemas.microsoft.com/office/powerpoint/2010/main" val="121073408"/>
+      </p:ext>
+    </p:extLst>
+  </p:cSld>
+  <p:clrMapOvr>
+    <a:masterClrMapping/>
+  </p:clrMapOvr>
+  <p:transition spd="slow"/>
+</p:sld>
+</file>
+
+<file path=ppt/slides/slide11.xml><?xml version="1.0" encoding="utf-8"?>
+<p:sld xmlns:a="http://schemas.openxmlformats.org/drawingml/2006/main" xmlns:r="http://schemas.openxmlformats.org/officeDocument/2006/relationships" xmlns:p="http://schemas.openxmlformats.org/presentationml/2006/main">
+  <p:cSld>
+    <p:spTree>
+      <p:nvGrpSpPr>
+        <p:cNvPr id="1" name=""/>
+        <p:cNvGrpSpPr/>
+        <p:nvPr/>
+      </p:nvGrpSpPr>
+      <p:grpSpPr>
+        <a:xfrm>
+          <a:off x="0" y="0"/>
+          <a:ext cx="0" cy="0"/>
+          <a:chOff x="0" y="0"/>
+          <a:chExt cx="0" cy="0"/>
+        </a:xfrm>
+      </p:grpSpPr>
+      <p:sp>
+        <p:nvSpPr>
+          <p:cNvPr id="152" name="Shape 152"/>
+          <p:cNvSpPr>
+            <a:spLocks noGrp="1"/>
+          </p:cNvSpPr>
+          <p:nvPr>
+            <p:ph type="title"/>
+          </p:nvPr>
+        </p:nvSpPr>
+        <p:spPr>
+          <a:prstGeom prst="rect">
+            <a:avLst/>
+          </a:prstGeom>
+        </p:spPr>
+        <p:txBody>
+          <a:bodyPr/>
+          <a:lstStyle>
+            <a:lvl1pPr>
+              <a:defRPr sz="3600">
+                <a:latin typeface="Cambria"/>
+                <a:ea typeface="Cambria"/>
+                <a:cs typeface="Cambria"/>
+                <a:sym typeface="Cambria"/>
+              </a:defRPr>
+            </a:lvl1pPr>
+          </a:lstStyle>
+          <a:p>
+            <a:r>
+              <a:t>Providing a routing assist mobile application</a:t>
+            </a:r>
+          </a:p>
+        </p:txBody>
+      </p:sp>
+      <p:sp>
+        <p:nvSpPr>
+          <p:cNvPr id="153" name="Shape 153"/>
+          <p:cNvSpPr>
+            <a:spLocks noGrp="1"/>
+          </p:cNvSpPr>
+          <p:nvPr>
+            <p:ph type="body" idx="1"/>
+          </p:nvPr>
+        </p:nvSpPr>
+        <p:spPr>
+          <a:xfrm>
+            <a:off x="142336" y="2057400"/>
+            <a:ext cx="8863642" cy="3725775"/>
+          </a:xfrm>
+          <a:prstGeom prst="rect">
+            <a:avLst/>
+          </a:prstGeom>
+        </p:spPr>
+        <p:txBody>
+          <a:bodyPr/>
+          <a:lstStyle/>
+          <a:p>
+            <a:pPr marL="342900" indent="-342900">
+              <a:buFont typeface="Wingdings" charset="2"/>
+              <a:buChar char="ü"/>
+              <a:defRPr>
+                <a:latin typeface="Cambria"/>
+                <a:ea typeface="Cambria"/>
+                <a:cs typeface="Cambria"/>
+                <a:sym typeface="Cambria"/>
+              </a:defRPr>
+            </a:pPr>
+            <a:r>
+              <a:rPr dirty="0"/>
+              <a:t>Supporting search bus route and motorbike route from two points to four points.</a:t>
+            </a:r>
+          </a:p>
+          <a:p>
+            <a:pPr marL="342900" indent="-342900">
+              <a:buFont typeface="Wingdings" charset="2"/>
+              <a:buChar char="ü"/>
+              <a:defRPr>
+                <a:latin typeface="Cambria"/>
+                <a:ea typeface="Cambria"/>
+                <a:cs typeface="Cambria"/>
+                <a:sym typeface="Cambria"/>
+              </a:defRPr>
+            </a:pPr>
+            <a:r>
+              <a:rPr lang="en-US" dirty="0" smtClean="0"/>
+              <a:t>Supporting routing by message at every bus station or motorbike turn</a:t>
+            </a:r>
+            <a:r>
+              <a:rPr dirty="0" smtClean="0"/>
+              <a:t>.</a:t>
+            </a:r>
+            <a:endParaRPr dirty="0"/>
+          </a:p>
+          <a:p>
+            <a:pPr marL="342900" indent="-342900">
+              <a:buFont typeface="Wingdings" charset="2"/>
+              <a:buChar char="ü"/>
+              <a:defRPr>
+                <a:solidFill>
+                  <a:schemeClr val="accent2">
+                    <a:satOff val="-18194"/>
+                    <a:lumOff val="-11215"/>
+                  </a:schemeClr>
+                </a:solidFill>
+                <a:latin typeface="Cambria"/>
+                <a:ea typeface="Cambria"/>
+                <a:cs typeface="Cambria"/>
+                <a:sym typeface="Cambria"/>
+              </a:defRPr>
+            </a:pPr>
+            <a:r>
+              <a:rPr dirty="0">
+                <a:solidFill>
+                  <a:schemeClr val="tx1"/>
+                </a:solidFill>
+              </a:rPr>
+              <a:t>Wrong-way </a:t>
+            </a:r>
+            <a:r>
+              <a:rPr lang="en-US" dirty="0" smtClean="0">
+                <a:solidFill>
+                  <a:schemeClr val="tx1"/>
+                </a:solidFill>
+              </a:rPr>
+              <a:t>detection </a:t>
+            </a:r>
+            <a:r>
+              <a:rPr dirty="0" smtClean="0">
+                <a:solidFill>
+                  <a:schemeClr val="tx1"/>
+                </a:solidFill>
+              </a:rPr>
+              <a:t>system</a:t>
+            </a:r>
+            <a:r>
+              <a:rPr lang="en-US" dirty="0" smtClean="0">
+                <a:solidFill>
+                  <a:schemeClr val="tx1"/>
+                </a:solidFill>
+              </a:rPr>
+              <a:t>.</a:t>
+            </a:r>
+            <a:endParaRPr dirty="0">
+              <a:solidFill>
+                <a:schemeClr val="tx1"/>
+              </a:solidFill>
+            </a:endParaRPr>
+          </a:p>
+          <a:p>
+            <a:pPr marL="342900" indent="-342900">
+              <a:buFont typeface="Wingdings" charset="2"/>
+              <a:buChar char="ü"/>
+              <a:defRPr>
+                <a:solidFill>
+                  <a:schemeClr val="accent2">
+                    <a:satOff val="-18194"/>
+                    <a:lumOff val="-11215"/>
+                  </a:schemeClr>
+                </a:solidFill>
+                <a:latin typeface="Cambria"/>
+                <a:ea typeface="Cambria"/>
+                <a:cs typeface="Cambria"/>
+                <a:sym typeface="Cambria"/>
+              </a:defRPr>
+            </a:pPr>
+            <a:r>
+              <a:rPr dirty="0">
+                <a:solidFill>
+                  <a:schemeClr val="tx1"/>
+                </a:solidFill>
+              </a:rPr>
+              <a:t>Supporting map </a:t>
+            </a:r>
+            <a:r>
+              <a:rPr dirty="0" smtClean="0">
+                <a:solidFill>
+                  <a:schemeClr val="tx1"/>
+                </a:solidFill>
+              </a:rPr>
+              <a:t>offline</a:t>
+            </a:r>
+            <a:r>
+              <a:rPr lang="en-US" dirty="0" smtClean="0">
+                <a:solidFill>
+                  <a:schemeClr val="tx1"/>
+                </a:solidFill>
+              </a:rPr>
+              <a:t>.</a:t>
+            </a:r>
+            <a:endParaRPr dirty="0">
+              <a:solidFill>
+                <a:schemeClr val="tx1"/>
+              </a:solidFill>
+            </a:endParaRPr>
+          </a:p>
+        </p:txBody>
+      </p:sp>
+      <p:sp>
+        <p:nvSpPr>
+          <p:cNvPr id="154" name="Shape 154"/>
+          <p:cNvSpPr/>
+          <p:nvPr/>
+        </p:nvSpPr>
+        <p:spPr>
+          <a:xfrm flipV="1">
+            <a:off x="0" y="1910442"/>
+            <a:ext cx="9144001" cy="24494"/>
+          </a:xfrm>
+          <a:prstGeom prst="line">
+            <a:avLst/>
+          </a:prstGeom>
+          <a:ln w="22225">
+            <a:solidFill>
+              <a:schemeClr val="accent1"/>
+            </a:solidFill>
+            <a:miter/>
+          </a:ln>
+        </p:spPr>
+        <p:txBody>
+          <a:bodyPr lIns="34289" rIns="34289"/>
+          <a:lstStyle/>
+          <a:p>
+            <a:endParaRPr sz="1350"/>
+          </a:p>
+        </p:txBody>
+      </p:sp>
+    </p:spTree>
+    <p:extLst>
+      <p:ext uri="{BB962C8B-B14F-4D97-AF65-F5344CB8AC3E}">
+        <p14:creationId xmlns:p14="http://schemas.microsoft.com/office/powerpoint/2010/main" val="413704525"/>
+      </p:ext>
+    </p:extLst>
+  </p:cSld>
+  <p:clrMapOvr>
+    <a:masterClrMapping/>
+  </p:clrMapOvr>
+  <p:transition spd="slow"/>
+  <p:timing>
+    <p:tnLst>
+      <p:par>
+        <p:cTn id="1" dur="indefinite" restart="never" nodeType="tmRoot"/>
+      </p:par>
+    </p:tnLst>
+  </p:timing>
+</p:sld>
+</file>
+
+<file path=ppt/slides/slide12.xml><?xml version="1.0" encoding="utf-8"?>
+<p:sld xmlns:a="http://schemas.openxmlformats.org/drawingml/2006/main" xmlns:r="http://schemas.openxmlformats.org/officeDocument/2006/relationships" xmlns:p="http://schemas.openxmlformats.org/presentationml/2006/main">
+  <p:cSld>
+    <p:spTree>
+      <p:nvGrpSpPr>
+        <p:cNvPr id="1" name=""/>
+        <p:cNvGrpSpPr/>
+        <p:nvPr/>
+      </p:nvGrpSpPr>
+      <p:grpSpPr>
+        <a:xfrm>
+          <a:off x="0" y="0"/>
+          <a:ext cx="0" cy="0"/>
+          <a:chOff x="0" y="0"/>
+          <a:chExt cx="0" cy="0"/>
+        </a:xfrm>
+      </p:grpSpPr>
+      <p:sp>
+        <p:nvSpPr>
+          <p:cNvPr id="156" name="Shape 156"/>
+          <p:cNvSpPr>
+            <a:spLocks noGrp="1"/>
+          </p:cNvSpPr>
+          <p:nvPr>
+            <p:ph type="title"/>
+          </p:nvPr>
+        </p:nvSpPr>
+        <p:spPr>
+          <a:xfrm>
+            <a:off x="628650" y="677848"/>
+            <a:ext cx="9234578" cy="724552"/>
+          </a:xfrm>
+          <a:prstGeom prst="rect">
+            <a:avLst/>
+          </a:prstGeom>
+        </p:spPr>
+        <p:txBody>
+          <a:bodyPr/>
+          <a:lstStyle>
+            <a:lvl1pPr>
+              <a:defRPr sz="3600">
+                <a:latin typeface="Cambria"/>
+                <a:ea typeface="Cambria"/>
+                <a:cs typeface="Cambria"/>
+                <a:sym typeface="Cambria"/>
+              </a:defRPr>
+            </a:lvl1pPr>
+          </a:lstStyle>
+          <a:p>
+            <a:r>
+              <a:rPr dirty="0"/>
+              <a:t>Providing wear application and can display search result.</a:t>
+            </a:r>
+          </a:p>
+        </p:txBody>
+      </p:sp>
+      <p:sp>
+        <p:nvSpPr>
+          <p:cNvPr id="157" name="Shape 157"/>
+          <p:cNvSpPr>
+            <a:spLocks noGrp="1"/>
+          </p:cNvSpPr>
+          <p:nvPr>
+            <p:ph type="body" sz="half" idx="1"/>
+          </p:nvPr>
+        </p:nvSpPr>
+        <p:spPr>
+          <a:xfrm>
+            <a:off x="628650" y="2226469"/>
+            <a:ext cx="7886700" cy="1373981"/>
+          </a:xfrm>
+          <a:prstGeom prst="rect">
+            <a:avLst/>
+          </a:prstGeom>
+        </p:spPr>
+        <p:txBody>
+          <a:bodyPr/>
+          <a:lstStyle/>
+          <a:p>
+            <a:pPr marL="342900" indent="-342900">
+              <a:buFont typeface="Wingdings" charset="2"/>
+              <a:buChar char="ü"/>
+              <a:defRPr>
+                <a:latin typeface="Cambria"/>
+                <a:ea typeface="Cambria"/>
+                <a:cs typeface="Cambria"/>
+                <a:sym typeface="Cambria"/>
+              </a:defRPr>
+            </a:pPr>
+            <a:r>
+              <a:rPr dirty="0"/>
+              <a:t>Display search result on wear’s google map.</a:t>
+            </a:r>
+          </a:p>
+          <a:p>
+            <a:pPr marL="342900" indent="-342900">
+              <a:buFont typeface="Wingdings" charset="2"/>
+              <a:buChar char="ü"/>
+              <a:defRPr>
+                <a:latin typeface="Cambria"/>
+                <a:ea typeface="Cambria"/>
+                <a:cs typeface="Cambria"/>
+                <a:sym typeface="Cambria"/>
+              </a:defRPr>
+            </a:pPr>
+            <a:r>
+              <a:rPr dirty="0"/>
+              <a:t>At every bus station customer should leave or at each motorbike’s turn, application will notify a message or vibrate device.</a:t>
+            </a:r>
+          </a:p>
+        </p:txBody>
+      </p:sp>
+      <p:sp>
+        <p:nvSpPr>
+          <p:cNvPr id="158" name="Shape 158"/>
+          <p:cNvSpPr/>
+          <p:nvPr/>
+        </p:nvSpPr>
+        <p:spPr>
+          <a:xfrm flipV="1">
+            <a:off x="0" y="1777693"/>
+            <a:ext cx="9144001" cy="24494"/>
+          </a:xfrm>
+          <a:prstGeom prst="line">
+            <a:avLst/>
+          </a:prstGeom>
+          <a:ln w="22225">
+            <a:solidFill>
+              <a:schemeClr val="accent1"/>
+            </a:solidFill>
+            <a:miter/>
+          </a:ln>
+        </p:spPr>
+        <p:txBody>
+          <a:bodyPr lIns="34289" rIns="34289"/>
+          <a:lstStyle/>
+          <a:p>
+            <a:endParaRPr sz="1350"/>
+          </a:p>
+        </p:txBody>
+      </p:sp>
+    </p:spTree>
+    <p:extLst>
+      <p:ext uri="{BB962C8B-B14F-4D97-AF65-F5344CB8AC3E}">
+        <p14:creationId xmlns:p14="http://schemas.microsoft.com/office/powerpoint/2010/main" val="1727386336"/>
+      </p:ext>
+    </p:extLst>
+  </p:cSld>
+  <p:clrMapOvr>
+    <a:masterClrMapping/>
+  </p:clrMapOvr>
+  <p:transition spd="slow"/>
+  <p:timing>
+    <p:tnLst>
+      <p:par>
+        <p:cTn id="1" dur="indefinite" restart="never" nodeType="tmRoot"/>
+      </p:par>
+    </p:tnLst>
+  </p:timing>
+</p:sld>
+</file>
+
+<file path=ppt/slides/slide13.xml><?xml version="1.0" encoding="utf-8"?>
+<p:sld xmlns:a="http://schemas.openxmlformats.org/drawingml/2006/main" xmlns:r="http://schemas.openxmlformats.org/officeDocument/2006/relationships" xmlns:p="http://schemas.openxmlformats.org/presentationml/2006/main">
+  <p:cSld>
+    <p:spTree>
+      <p:nvGrpSpPr>
+        <p:cNvPr id="1" name=""/>
+        <p:cNvGrpSpPr/>
+        <p:nvPr/>
+      </p:nvGrpSpPr>
+      <p:grpSpPr>
+        <a:xfrm>
+          <a:off x="0" y="0"/>
+          <a:ext cx="0" cy="0"/>
+          <a:chOff x="0" y="0"/>
+          <a:chExt cx="0" cy="0"/>
+        </a:xfrm>
+      </p:grpSpPr>
+      <p:sp>
+        <p:nvSpPr>
           <p:cNvPr id="160" name="Shape 160"/>
           <p:cNvSpPr>
             <a:spLocks noGrp="1"/>
@@ -13221,7 +16613,7 @@
 </p:sld>
 </file>
 
-<file path=ppt/slides/slide11.xml><?xml version="1.0" encoding="utf-8"?>
+<file path=ppt/slides/slide14.xml><?xml version="1.0" encoding="utf-8"?>
 <p:sld xmlns:a="http://schemas.openxmlformats.org/drawingml/2006/main" xmlns:r="http://schemas.openxmlformats.org/officeDocument/2006/relationships" xmlns:p="http://schemas.openxmlformats.org/presentationml/2006/main">
   <p:cSld>
     <p:spTree>
@@ -13834,7 +17226,7 @@
             </a:pPr>
             <a:fld id="{00000000-1234-1234-1234-123412341234}" type="slidenum">
               <a:rPr lang="en"/>
-              <a:t>11</a:t>
+              <a:t>14</a:t>
             </a:fld>
             <a:endParaRPr lang="en"/>
           </a:p>
@@ -13856,7 +17248,7 @@
 </p:sld>
 </file>
 
-<file path=ppt/slides/slide12.xml><?xml version="1.0" encoding="utf-8"?>
+<file path=ppt/slides/slide15.xml><?xml version="1.0" encoding="utf-8"?>
 <p:sld xmlns:a="http://schemas.openxmlformats.org/drawingml/2006/main" xmlns:r="http://schemas.openxmlformats.org/officeDocument/2006/relationships" xmlns:p="http://schemas.openxmlformats.org/presentationml/2006/main">
   <p:cSld>
     <p:spTree>
@@ -14002,7 +17394,7 @@
 </p:sld>
 </file>
 
-<file path=ppt/slides/slide13.xml><?xml version="1.0" encoding="utf-8"?>
+<file path=ppt/slides/slide16.xml><?xml version="1.0" encoding="utf-8"?>
 <p:sld xmlns:a="http://schemas.openxmlformats.org/drawingml/2006/main" xmlns:r="http://schemas.openxmlformats.org/officeDocument/2006/relationships" xmlns:p="http://schemas.openxmlformats.org/presentationml/2006/main">
   <p:cSld>
     <p:spTree>
@@ -14138,1001 +17530,6 @@
     <a:masterClrMapping/>
   </p:clrMapOvr>
   <p:transition spd="slow"/>
-  <p:timing>
-    <p:tnLst>
-      <p:par>
-        <p:cTn id="1" dur="indefinite" restart="never" nodeType="tmRoot"/>
-      </p:par>
-    </p:tnLst>
-  </p:timing>
-</p:sld>
-</file>
-
-<file path=ppt/slides/slide14.xml><?xml version="1.0" encoding="utf-8"?>
-<p:sld xmlns:a="http://schemas.openxmlformats.org/drawingml/2006/main" xmlns:r="http://schemas.openxmlformats.org/officeDocument/2006/relationships" xmlns:p="http://schemas.openxmlformats.org/presentationml/2006/main">
-  <p:cSld>
-    <p:spTree>
-      <p:nvGrpSpPr>
-        <p:cNvPr id="1" name=""/>
-        <p:cNvGrpSpPr/>
-        <p:nvPr/>
-      </p:nvGrpSpPr>
-      <p:grpSpPr>
-        <a:xfrm>
-          <a:off x="0" y="0"/>
-          <a:ext cx="0" cy="0"/>
-          <a:chOff x="0" y="0"/>
-          <a:chExt cx="0" cy="0"/>
-        </a:xfrm>
-      </p:grpSpPr>
-      <p:sp>
-        <p:nvSpPr>
-          <p:cNvPr id="164" name="Shape 164"/>
-          <p:cNvSpPr>
-            <a:spLocks noGrp="1"/>
-          </p:cNvSpPr>
-          <p:nvPr>
-            <p:ph type="title"/>
-          </p:nvPr>
-        </p:nvSpPr>
-        <p:spPr>
-          <a:xfrm>
-            <a:off x="543465" y="427694"/>
-            <a:ext cx="8499023" cy="994172"/>
-          </a:xfrm>
-          <a:prstGeom prst="rect">
-            <a:avLst/>
-          </a:prstGeom>
-        </p:spPr>
-        <p:txBody>
-          <a:bodyPr/>
-          <a:lstStyle>
-            <a:lvl1pPr>
-              <a:defRPr sz="3600">
-                <a:latin typeface="Cambria"/>
-                <a:ea typeface="Cambria"/>
-                <a:cs typeface="Cambria"/>
-                <a:sym typeface="Cambria"/>
-              </a:defRPr>
-            </a:lvl1pPr>
-          </a:lstStyle>
-          <a:p>
-            <a:r>
-              <a:t>Demo 1: Search motorbike route</a:t>
-            </a:r>
-          </a:p>
-        </p:txBody>
-      </p:sp>
-      <p:sp>
-        <p:nvSpPr>
-          <p:cNvPr id="165" name="Shape 165"/>
-          <p:cNvSpPr>
-            <a:spLocks noGrp="1"/>
-          </p:cNvSpPr>
-          <p:nvPr>
-            <p:ph type="body" idx="1"/>
-          </p:nvPr>
-        </p:nvSpPr>
-        <p:spPr>
-          <a:xfrm>
-            <a:off x="543465" y="2074417"/>
-            <a:ext cx="7971886" cy="3632370"/>
-          </a:xfrm>
-          <a:prstGeom prst="rect">
-            <a:avLst/>
-          </a:prstGeom>
-        </p:spPr>
-        <p:txBody>
-          <a:bodyPr/>
-          <a:lstStyle/>
-          <a:p>
-            <a:pPr>
-              <a:defRPr sz="2600">
-                <a:latin typeface="Cambria"/>
-                <a:ea typeface="Cambria"/>
-                <a:cs typeface="Cambria"/>
-                <a:sym typeface="Cambria"/>
-              </a:defRPr>
-            </a:pPr>
-            <a:r>
-              <a:rPr sz="2100" dirty="0"/>
-              <a:t>Step 1: search motorbike route using voice control:</a:t>
-            </a:r>
-          </a:p>
-          <a:p>
-            <a:pPr marL="514350" lvl="1" indent="-171450">
-              <a:spcBef>
-                <a:spcPts val="375"/>
-              </a:spcBef>
-              <a:defRPr sz="2600">
-                <a:solidFill>
-                  <a:srgbClr val="C00000"/>
-                </a:solidFill>
-                <a:latin typeface="Cambria"/>
-                <a:ea typeface="Cambria"/>
-                <a:cs typeface="Cambria"/>
-                <a:sym typeface="Cambria"/>
-              </a:defRPr>
-            </a:pPr>
-            <a:r>
-              <a:rPr sz="2100" dirty="0"/>
-              <a:t>Start location:</a:t>
-            </a:r>
-            <a:r>
-              <a:rPr sz="2100" dirty="0">
-                <a:solidFill>
-                  <a:srgbClr val="000000"/>
-                </a:solidFill>
-              </a:rPr>
-              <a:t>  Bến xe quận 8</a:t>
-            </a:r>
-            <a:endParaRPr sz="2100" dirty="0"/>
-          </a:p>
-          <a:p>
-            <a:pPr marL="514350" lvl="1" indent="-171450">
-              <a:spcBef>
-                <a:spcPts val="375"/>
-              </a:spcBef>
-              <a:defRPr sz="2600">
-                <a:solidFill>
-                  <a:srgbClr val="C00000"/>
-                </a:solidFill>
-                <a:latin typeface="Cambria"/>
-                <a:ea typeface="Cambria"/>
-                <a:cs typeface="Cambria"/>
-                <a:sym typeface="Cambria"/>
-              </a:defRPr>
-            </a:pPr>
-            <a:r>
-              <a:rPr sz="2100" dirty="0"/>
-              <a:t>First middle location: </a:t>
-            </a:r>
-            <a:r>
-              <a:rPr sz="2100" dirty="0">
-                <a:solidFill>
-                  <a:srgbClr val="000000"/>
-                </a:solidFill>
-              </a:rPr>
-              <a:t>280 Nguyễn Đình Chiểu</a:t>
-            </a:r>
-          </a:p>
-          <a:p>
-            <a:pPr marL="514350" lvl="1" indent="-171450">
-              <a:spcBef>
-                <a:spcPts val="375"/>
-              </a:spcBef>
-              <a:defRPr sz="2600">
-                <a:solidFill>
-                  <a:srgbClr val="C00000"/>
-                </a:solidFill>
-                <a:latin typeface="Cambria"/>
-                <a:ea typeface="Cambria"/>
-                <a:cs typeface="Cambria"/>
-                <a:sym typeface="Cambria"/>
-              </a:defRPr>
-            </a:pPr>
-            <a:r>
-              <a:rPr sz="2100" dirty="0"/>
-              <a:t>Second middle location: </a:t>
-            </a:r>
-            <a:r>
-              <a:rPr sz="2100" dirty="0">
-                <a:solidFill>
-                  <a:srgbClr val="000000"/>
-                </a:solidFill>
-              </a:rPr>
-              <a:t>VinCom Lê Thánh Tôn</a:t>
-            </a:r>
-            <a:r>
-              <a:rPr sz="2100" dirty="0"/>
-              <a:t> </a:t>
-            </a:r>
-          </a:p>
-          <a:p>
-            <a:pPr marL="514350" lvl="1" indent="-171450">
-              <a:spcBef>
-                <a:spcPts val="375"/>
-              </a:spcBef>
-              <a:defRPr sz="2600">
-                <a:solidFill>
-                  <a:srgbClr val="C00000"/>
-                </a:solidFill>
-                <a:latin typeface="Cambria"/>
-                <a:ea typeface="Cambria"/>
-                <a:cs typeface="Cambria"/>
-                <a:sym typeface="Cambria"/>
-              </a:defRPr>
-            </a:pPr>
-            <a:r>
-              <a:rPr sz="2100" dirty="0"/>
-              <a:t>End location: </a:t>
-            </a:r>
-            <a:r>
-              <a:rPr sz="2100" dirty="0">
-                <a:solidFill>
-                  <a:srgbClr val="000000"/>
-                </a:solidFill>
-              </a:rPr>
-              <a:t>Công Viên Tao Đàn </a:t>
-            </a:r>
-            <a:r>
-              <a:rPr sz="2100" dirty="0"/>
-              <a:t> </a:t>
-            </a:r>
-            <a:endParaRPr sz="2100" dirty="0">
-              <a:solidFill>
-                <a:srgbClr val="000000"/>
-              </a:solidFill>
-            </a:endParaRPr>
-          </a:p>
-          <a:p>
-            <a:pPr>
-              <a:defRPr sz="2600">
-                <a:latin typeface="Cambria"/>
-                <a:ea typeface="Cambria"/>
-                <a:cs typeface="Cambria"/>
-                <a:sym typeface="Cambria"/>
-              </a:defRPr>
-            </a:pPr>
-            <a:r>
-              <a:rPr sz="2100" dirty="0"/>
-              <a:t>Step 2: view results:</a:t>
-            </a:r>
-          </a:p>
-          <a:p>
-            <a:pPr marL="514350" lvl="1" indent="-171450">
-              <a:spcBef>
-                <a:spcPts val="375"/>
-              </a:spcBef>
-              <a:defRPr sz="2600">
-                <a:latin typeface="Cambria"/>
-                <a:ea typeface="Cambria"/>
-                <a:cs typeface="Cambria"/>
-                <a:sym typeface="Cambria"/>
-              </a:defRPr>
-            </a:pPr>
-            <a:r>
-              <a:rPr sz="2100" dirty="0"/>
-              <a:t>download all audio files.</a:t>
-            </a:r>
-          </a:p>
-          <a:p>
-            <a:pPr marL="501161" lvl="1" indent="-158261">
-              <a:spcBef>
-                <a:spcPts val="375"/>
-              </a:spcBef>
-              <a:defRPr sz="2600">
-                <a:latin typeface="Cambria"/>
-                <a:ea typeface="Cambria"/>
-                <a:cs typeface="Cambria"/>
-                <a:sym typeface="Cambria"/>
-              </a:defRPr>
-            </a:pPr>
-            <a:r>
-              <a:rPr sz="2100" dirty="0"/>
-              <a:t>start GPS simulation.</a:t>
-            </a:r>
-          </a:p>
-          <a:p>
-            <a:pPr marL="501161" lvl="1" indent="-158261">
-              <a:spcBef>
-                <a:spcPts val="375"/>
-              </a:spcBef>
-              <a:defRPr sz="2600">
-                <a:latin typeface="Cambria"/>
-                <a:ea typeface="Cambria"/>
-                <a:cs typeface="Cambria"/>
-                <a:sym typeface="Cambria"/>
-              </a:defRPr>
-            </a:pPr>
-            <a:r>
-              <a:rPr sz="2100" dirty="0"/>
-              <a:t>see Toast and hear an assist sound when near a turn.</a:t>
-            </a:r>
-          </a:p>
-          <a:p>
-            <a:pPr>
-              <a:defRPr sz="2600">
-                <a:latin typeface="Cambria"/>
-                <a:ea typeface="Cambria"/>
-                <a:cs typeface="Cambria"/>
-                <a:sym typeface="Cambria"/>
-              </a:defRPr>
-            </a:pPr>
-            <a:r>
-              <a:rPr sz="2100" dirty="0"/>
-              <a:t>Step 3: view result on wear.</a:t>
-            </a:r>
-            <a:endParaRPr lang="en-US" sz="2100" dirty="0"/>
-          </a:p>
-          <a:p>
-            <a:pPr>
-              <a:defRPr sz="2600">
-                <a:latin typeface="Cambria"/>
-                <a:ea typeface="Cambria"/>
-                <a:cs typeface="Cambria"/>
-                <a:sym typeface="Cambria"/>
-              </a:defRPr>
-            </a:pPr>
-            <a:endParaRPr lang="en-US" sz="2100" dirty="0"/>
-          </a:p>
-          <a:p>
-            <a:pPr>
-              <a:defRPr sz="2600">
-                <a:latin typeface="Cambria"/>
-                <a:ea typeface="Cambria"/>
-                <a:cs typeface="Cambria"/>
-                <a:sym typeface="Cambria"/>
-              </a:defRPr>
-            </a:pPr>
-            <a:endParaRPr sz="2100" dirty="0"/>
-          </a:p>
-        </p:txBody>
-      </p:sp>
-      <p:sp>
-        <p:nvSpPr>
-          <p:cNvPr id="166" name="Shape 166"/>
-          <p:cNvSpPr/>
-          <p:nvPr/>
-        </p:nvSpPr>
-        <p:spPr>
-          <a:xfrm flipV="1">
-            <a:off x="0" y="1738992"/>
-            <a:ext cx="9144001" cy="24494"/>
-          </a:xfrm>
-          <a:prstGeom prst="line">
-            <a:avLst/>
-          </a:prstGeom>
-          <a:ln w="22225">
-            <a:solidFill>
-              <a:schemeClr val="accent1"/>
-            </a:solidFill>
-            <a:miter/>
-          </a:ln>
-        </p:spPr>
-        <p:txBody>
-          <a:bodyPr lIns="34289" rIns="34289"/>
-          <a:lstStyle/>
-          <a:p>
-            <a:endParaRPr sz="1350"/>
-          </a:p>
-        </p:txBody>
-      </p:sp>
-    </p:spTree>
-    <p:extLst>
-      <p:ext uri="{BB962C8B-B14F-4D97-AF65-F5344CB8AC3E}">
-        <p14:creationId xmlns:p14="http://schemas.microsoft.com/office/powerpoint/2010/main" val="1945981345"/>
-      </p:ext>
-    </p:extLst>
-  </p:cSld>
-  <p:clrMapOvr>
-    <a:masterClrMapping/>
-  </p:clrMapOvr>
-  <p:transition spd="slow"/>
-  <p:timing>
-    <p:tnLst>
-      <p:par>
-        <p:cTn id="1" dur="indefinite" restart="never" nodeType="tmRoot"/>
-      </p:par>
-    </p:tnLst>
-  </p:timing>
-</p:sld>
-</file>
-
-<file path=ppt/slides/slide15.xml><?xml version="1.0" encoding="utf-8"?>
-<p:sld xmlns:a="http://schemas.openxmlformats.org/drawingml/2006/main" xmlns:r="http://schemas.openxmlformats.org/officeDocument/2006/relationships" xmlns:p="http://schemas.openxmlformats.org/presentationml/2006/main">
-  <p:cSld>
-    <p:spTree>
-      <p:nvGrpSpPr>
-        <p:cNvPr id="1" name=""/>
-        <p:cNvGrpSpPr/>
-        <p:nvPr/>
-      </p:nvGrpSpPr>
-      <p:grpSpPr>
-        <a:xfrm>
-          <a:off x="0" y="0"/>
-          <a:ext cx="0" cy="0"/>
-          <a:chOff x="0" y="0"/>
-          <a:chExt cx="0" cy="0"/>
-        </a:xfrm>
-      </p:grpSpPr>
-      <p:sp>
-        <p:nvSpPr>
-          <p:cNvPr id="168" name="Shape 168"/>
-          <p:cNvSpPr>
-            <a:spLocks noGrp="1"/>
-          </p:cNvSpPr>
-          <p:nvPr>
-            <p:ph type="title"/>
-          </p:nvPr>
-        </p:nvSpPr>
-        <p:spPr>
-          <a:xfrm>
-            <a:off x="416377" y="899092"/>
-            <a:ext cx="8499023" cy="994172"/>
-          </a:xfrm>
-          <a:prstGeom prst="rect">
-            <a:avLst/>
-          </a:prstGeom>
-        </p:spPr>
-        <p:txBody>
-          <a:bodyPr/>
-          <a:lstStyle/>
-          <a:p>
-            <a:pPr lvl="1">
-              <a:defRPr sz="3600">
-                <a:latin typeface="Cambria"/>
-                <a:ea typeface="Cambria"/>
-                <a:cs typeface="Cambria"/>
-                <a:sym typeface="Cambria"/>
-              </a:defRPr>
-            </a:pPr>
-            <a:r>
-              <a:t>Demo 2: Search bus route</a:t>
-            </a:r>
-          </a:p>
-        </p:txBody>
-      </p:sp>
-      <p:sp>
-        <p:nvSpPr>
-          <p:cNvPr id="169" name="Shape 169"/>
-          <p:cNvSpPr>
-            <a:spLocks noGrp="1"/>
-          </p:cNvSpPr>
-          <p:nvPr>
-            <p:ph type="body" idx="1"/>
-          </p:nvPr>
-        </p:nvSpPr>
-        <p:spPr>
-          <a:xfrm>
-            <a:off x="266700" y="2238446"/>
-            <a:ext cx="8610600" cy="2510504"/>
-          </a:xfrm>
-          <a:prstGeom prst="rect">
-            <a:avLst/>
-          </a:prstGeom>
-        </p:spPr>
-        <p:txBody>
-          <a:bodyPr/>
-          <a:lstStyle/>
-          <a:p>
-            <a:pPr>
-              <a:defRPr sz="2600">
-                <a:latin typeface="Cambria"/>
-                <a:ea typeface="Cambria"/>
-                <a:cs typeface="Cambria"/>
-                <a:sym typeface="Cambria"/>
-              </a:defRPr>
-            </a:pPr>
-            <a:r>
-              <a:rPr sz="2100" dirty="0"/>
-              <a:t>Step 1: search motorbike route using voice control:</a:t>
-            </a:r>
-          </a:p>
-          <a:p>
-            <a:pPr marL="514350" lvl="1" indent="-171450">
-              <a:spcBef>
-                <a:spcPts val="375"/>
-              </a:spcBef>
-              <a:defRPr sz="2600">
-                <a:solidFill>
-                  <a:srgbClr val="C00000"/>
-                </a:solidFill>
-                <a:latin typeface="Cambria"/>
-                <a:ea typeface="Cambria"/>
-                <a:cs typeface="Cambria"/>
-                <a:sym typeface="Cambria"/>
-              </a:defRPr>
-            </a:pPr>
-            <a:r>
-              <a:rPr sz="2100" dirty="0"/>
-              <a:t>Start location:</a:t>
-            </a:r>
-            <a:r>
-              <a:rPr sz="2100" dirty="0">
-                <a:solidFill>
-                  <a:srgbClr val="000000"/>
-                </a:solidFill>
-              </a:rPr>
-              <a:t>  Bến xe quận 8</a:t>
-            </a:r>
-            <a:endParaRPr sz="2100" dirty="0"/>
-          </a:p>
-          <a:p>
-            <a:pPr marL="514350" lvl="1" indent="-171450">
-              <a:spcBef>
-                <a:spcPts val="375"/>
-              </a:spcBef>
-              <a:defRPr sz="2600">
-                <a:solidFill>
-                  <a:srgbClr val="C00000"/>
-                </a:solidFill>
-                <a:latin typeface="Cambria"/>
-                <a:ea typeface="Cambria"/>
-                <a:cs typeface="Cambria"/>
-                <a:sym typeface="Cambria"/>
-              </a:defRPr>
-            </a:pPr>
-            <a:r>
-              <a:rPr sz="2100" dirty="0"/>
-              <a:t>First middle location: </a:t>
-            </a:r>
-            <a:r>
-              <a:rPr sz="2100" dirty="0">
-                <a:solidFill>
-                  <a:srgbClr val="000000"/>
-                </a:solidFill>
-              </a:rPr>
-              <a:t>280 Nguyễn Đình Chiểu</a:t>
-            </a:r>
-          </a:p>
-          <a:p>
-            <a:pPr marL="514350" lvl="1" indent="-171450">
-              <a:spcBef>
-                <a:spcPts val="375"/>
-              </a:spcBef>
-              <a:defRPr sz="2600">
-                <a:solidFill>
-                  <a:srgbClr val="C00000"/>
-                </a:solidFill>
-                <a:latin typeface="Cambria"/>
-                <a:ea typeface="Cambria"/>
-                <a:cs typeface="Cambria"/>
-                <a:sym typeface="Cambria"/>
-              </a:defRPr>
-            </a:pPr>
-            <a:r>
-              <a:rPr sz="2100" dirty="0"/>
-              <a:t>Second middle location: </a:t>
-            </a:r>
-            <a:r>
-              <a:rPr sz="2100" dirty="0">
-                <a:solidFill>
-                  <a:srgbClr val="000000"/>
-                </a:solidFill>
-              </a:rPr>
-              <a:t>VinCom Lê Thánh Tôn</a:t>
-            </a:r>
-            <a:r>
-              <a:rPr sz="2100" dirty="0"/>
-              <a:t> </a:t>
-            </a:r>
-          </a:p>
-          <a:p>
-            <a:pPr marL="514350" lvl="1" indent="-171450">
-              <a:spcBef>
-                <a:spcPts val="375"/>
-              </a:spcBef>
-              <a:defRPr sz="2600">
-                <a:solidFill>
-                  <a:srgbClr val="C00000"/>
-                </a:solidFill>
-                <a:latin typeface="Cambria"/>
-                <a:ea typeface="Cambria"/>
-                <a:cs typeface="Cambria"/>
-                <a:sym typeface="Cambria"/>
-              </a:defRPr>
-            </a:pPr>
-            <a:r>
-              <a:rPr sz="2100" dirty="0"/>
-              <a:t>End location: </a:t>
-            </a:r>
-            <a:r>
-              <a:rPr sz="2100" dirty="0">
-                <a:solidFill>
-                  <a:srgbClr val="000000"/>
-                </a:solidFill>
-              </a:rPr>
-              <a:t>Công Viên Tao Đàn </a:t>
-            </a:r>
-            <a:r>
-              <a:rPr sz="2100" dirty="0"/>
-              <a:t> </a:t>
-            </a:r>
-            <a:endParaRPr sz="2100" dirty="0">
-              <a:solidFill>
-                <a:srgbClr val="000000"/>
-              </a:solidFill>
-            </a:endParaRPr>
-          </a:p>
-          <a:p>
-            <a:pPr>
-              <a:defRPr sz="2600">
-                <a:latin typeface="Cambria"/>
-                <a:ea typeface="Cambria"/>
-                <a:cs typeface="Cambria"/>
-                <a:sym typeface="Cambria"/>
-              </a:defRPr>
-            </a:pPr>
-            <a:r>
-              <a:rPr sz="2100" dirty="0"/>
-              <a:t>Step 2: view result: see Toast and hear an assist sound when near a turn.</a:t>
-            </a:r>
-          </a:p>
-        </p:txBody>
-      </p:sp>
-      <p:sp>
-        <p:nvSpPr>
-          <p:cNvPr id="170" name="Shape 170"/>
-          <p:cNvSpPr/>
-          <p:nvPr/>
-        </p:nvSpPr>
-        <p:spPr>
-          <a:xfrm flipV="1">
-            <a:off x="0" y="1738992"/>
-            <a:ext cx="9144001" cy="24494"/>
-          </a:xfrm>
-          <a:prstGeom prst="line">
-            <a:avLst/>
-          </a:prstGeom>
-          <a:ln w="22225">
-            <a:solidFill>
-              <a:schemeClr val="accent1"/>
-            </a:solidFill>
-            <a:miter/>
-          </a:ln>
-        </p:spPr>
-        <p:txBody>
-          <a:bodyPr lIns="34289" rIns="34289"/>
-          <a:lstStyle/>
-          <a:p>
-            <a:endParaRPr sz="1350"/>
-          </a:p>
-        </p:txBody>
-      </p:sp>
-    </p:spTree>
-    <p:extLst>
-      <p:ext uri="{BB962C8B-B14F-4D97-AF65-F5344CB8AC3E}">
-        <p14:creationId xmlns:p14="http://schemas.microsoft.com/office/powerpoint/2010/main" val="2080005252"/>
-      </p:ext>
-    </p:extLst>
-  </p:cSld>
-  <p:clrMapOvr>
-    <a:masterClrMapping/>
-  </p:clrMapOvr>
-  <p:transition spd="slow"/>
-  <p:timing>
-    <p:tnLst>
-      <p:par>
-        <p:cTn id="1" dur="indefinite" restart="never" nodeType="tmRoot"/>
-      </p:par>
-    </p:tnLst>
-  </p:timing>
-</p:sld>
-</file>
-
-<file path=ppt/slides/slide16.xml><?xml version="1.0" encoding="utf-8"?>
-<p:sld xmlns:a="http://schemas.openxmlformats.org/drawingml/2006/main" xmlns:r="http://schemas.openxmlformats.org/officeDocument/2006/relationships" xmlns:p="http://schemas.openxmlformats.org/presentationml/2006/main">
-  <p:cSld>
-    <p:spTree>
-      <p:nvGrpSpPr>
-        <p:cNvPr id="1" name="Shape 2098"/>
-        <p:cNvGrpSpPr/>
-        <p:nvPr/>
-      </p:nvGrpSpPr>
-      <p:grpSpPr>
-        <a:xfrm>
-          <a:off x="0" y="0"/>
-          <a:ext cx="0" cy="0"/>
-          <a:chOff x="0" y="0"/>
-          <a:chExt cx="0" cy="0"/>
-        </a:xfrm>
-      </p:grpSpPr>
-      <p:sp>
-        <p:nvSpPr>
-          <p:cNvPr id="2101" name="Shape 2101"/>
-          <p:cNvSpPr txBox="1">
-            <a:spLocks noGrp="1"/>
-          </p:cNvSpPr>
-          <p:nvPr>
-            <p:ph type="sldNum" idx="12"/>
-          </p:nvPr>
-        </p:nvSpPr>
-        <p:spPr>
-          <a:xfrm>
-            <a:off x="7560595" y="5607102"/>
-            <a:ext cx="411524" cy="393524"/>
-          </a:xfrm>
-          <a:prstGeom prst="rect">
-            <a:avLst/>
-          </a:prstGeom>
-        </p:spPr>
-        <p:txBody>
-          <a:bodyPr lIns="68569" tIns="68569" rIns="68569" bIns="68569" anchor="ctr" anchorCtr="0">
-            <a:noAutofit/>
-          </a:bodyPr>
-          <a:lstStyle/>
-          <a:p>
-            <a:fld id="{00000000-1234-1234-1234-123412341234}" type="slidenum">
-              <a:rPr lang="en"/>
-              <a:pPr/>
-              <a:t>16</a:t>
-            </a:fld>
-            <a:endParaRPr lang="en"/>
-          </a:p>
-        </p:txBody>
-      </p:sp>
-      <p:sp>
-        <p:nvSpPr>
-          <p:cNvPr id="2103" name="Shape 2103"/>
-          <p:cNvSpPr/>
-          <p:nvPr/>
-        </p:nvSpPr>
-        <p:spPr>
-          <a:xfrm>
-            <a:off x="5866126" y="2538789"/>
-            <a:ext cx="803699" cy="333899"/>
-          </a:xfrm>
-          <a:prstGeom prst="rect">
-            <a:avLst/>
-          </a:prstGeom>
-          <a:solidFill>
-            <a:srgbClr val="FFFFFF"/>
-          </a:solidFill>
-          <a:ln w="19050" cap="flat" cmpd="sng">
-            <a:solidFill>
-              <a:srgbClr val="FFFFFF"/>
-            </a:solidFill>
-            <a:prstDash val="solid"/>
-            <a:round/>
-            <a:headEnd type="none" w="med" len="med"/>
-            <a:tailEnd type="none" w="med" len="med"/>
-          </a:ln>
-        </p:spPr>
-        <p:txBody>
-          <a:bodyPr lIns="68569" tIns="68569" rIns="68569" bIns="68569" anchor="ctr" anchorCtr="0">
-            <a:noAutofit/>
-          </a:bodyPr>
-          <a:lstStyle/>
-          <a:p>
-            <a:endParaRPr sz="1350"/>
-          </a:p>
-        </p:txBody>
-      </p:sp>
-      <p:sp>
-        <p:nvSpPr>
-          <p:cNvPr id="2105" name="Shape 2105"/>
-          <p:cNvSpPr/>
-          <p:nvPr/>
-        </p:nvSpPr>
-        <p:spPr>
-          <a:xfrm>
-            <a:off x="7687858" y="2567814"/>
-            <a:ext cx="251099" cy="333899"/>
-          </a:xfrm>
-          <a:prstGeom prst="rect">
-            <a:avLst/>
-          </a:prstGeom>
-          <a:solidFill>
-            <a:srgbClr val="FFFFFF"/>
-          </a:solidFill>
-          <a:ln>
-            <a:noFill/>
-          </a:ln>
-        </p:spPr>
-        <p:txBody>
-          <a:bodyPr lIns="68569" tIns="68569" rIns="68569" bIns="68569" anchor="ctr" anchorCtr="0">
-            <a:noAutofit/>
-          </a:bodyPr>
-          <a:lstStyle/>
-          <a:p>
-            <a:endParaRPr sz="1350"/>
-          </a:p>
-        </p:txBody>
-      </p:sp>
-      <p:sp>
-        <p:nvSpPr>
-          <p:cNvPr id="2106" name="Shape 2106"/>
-          <p:cNvSpPr/>
-          <p:nvPr/>
-        </p:nvSpPr>
-        <p:spPr>
-          <a:xfrm>
-            <a:off x="7597519" y="3127914"/>
-            <a:ext cx="341550" cy="333899"/>
-          </a:xfrm>
-          <a:prstGeom prst="rect">
-            <a:avLst/>
-          </a:prstGeom>
-          <a:solidFill>
-            <a:srgbClr val="FFFFFF"/>
-          </a:solidFill>
-          <a:ln>
-            <a:noFill/>
-          </a:ln>
-        </p:spPr>
-        <p:txBody>
-          <a:bodyPr lIns="68569" tIns="68569" rIns="68569" bIns="68569" anchor="ctr" anchorCtr="0">
-            <a:noAutofit/>
-          </a:bodyPr>
-          <a:lstStyle/>
-          <a:p>
-            <a:endParaRPr sz="1350"/>
-          </a:p>
-        </p:txBody>
-      </p:sp>
-      <p:sp>
-        <p:nvSpPr>
-          <p:cNvPr id="2107" name="Shape 2107"/>
-          <p:cNvSpPr/>
-          <p:nvPr/>
-        </p:nvSpPr>
-        <p:spPr>
-          <a:xfrm>
-            <a:off x="7560600" y="3741188"/>
-            <a:ext cx="341550" cy="165600"/>
-          </a:xfrm>
-          <a:prstGeom prst="rect">
-            <a:avLst/>
-          </a:prstGeom>
-          <a:solidFill>
-            <a:srgbClr val="FFFFFF"/>
-          </a:solidFill>
-          <a:ln>
-            <a:noFill/>
-          </a:ln>
-        </p:spPr>
-        <p:txBody>
-          <a:bodyPr lIns="68569" tIns="68569" rIns="68569" bIns="68569" anchor="ctr" anchorCtr="0">
-            <a:noAutofit/>
-          </a:bodyPr>
-          <a:lstStyle/>
-          <a:p>
-            <a:endParaRPr sz="1350"/>
-          </a:p>
-        </p:txBody>
-      </p:sp>
-      <p:pic>
-        <p:nvPicPr>
-          <p:cNvPr id="4" name="Picture 3"/>
-          <p:cNvPicPr>
-            <a:picLocks noChangeAspect="1"/>
-          </p:cNvPicPr>
-          <p:nvPr/>
-        </p:nvPicPr>
-        <p:blipFill>
-          <a:blip r:embed="rId3">
-            <a:extLst>
-              <a:ext uri="{28A0092B-C50C-407E-A947-70E740481C1C}">
-                <a14:useLocalDpi xmlns:a14="http://schemas.microsoft.com/office/drawing/2010/main" val="0"/>
-              </a:ext>
-            </a:extLst>
-          </a:blip>
-          <a:stretch>
-            <a:fillRect/>
-          </a:stretch>
-        </p:blipFill>
-        <p:spPr>
-          <a:xfrm>
-            <a:off x="5300134" y="2157957"/>
-            <a:ext cx="3623734" cy="3831214"/>
-          </a:xfrm>
-          <a:prstGeom prst="rect">
-            <a:avLst/>
-          </a:prstGeom>
-        </p:spPr>
-      </p:pic>
-      <p:sp>
-        <p:nvSpPr>
-          <p:cNvPr id="5" name="TextBox 4"/>
-          <p:cNvSpPr txBox="1"/>
-          <p:nvPr/>
-        </p:nvSpPr>
-        <p:spPr>
-          <a:xfrm>
-            <a:off x="355601" y="3562378"/>
-            <a:ext cx="4944534" cy="954107"/>
-          </a:xfrm>
-          <a:prstGeom prst="rect">
-            <a:avLst/>
-          </a:prstGeom>
-          <a:noFill/>
-        </p:spPr>
-        <p:txBody>
-          <a:bodyPr wrap="square" rtlCol="0">
-            <a:spAutoFit/>
-          </a:bodyPr>
-          <a:lstStyle/>
-          <a:p>
-            <a:pPr algn="ctr"/>
-            <a:r>
-              <a:rPr lang="en-US" sz="2800" dirty="0">
-                <a:latin typeface="Cambria" charset="0"/>
-                <a:ea typeface="Cambria" charset="0"/>
-                <a:cs typeface="Cambria" charset="0"/>
-              </a:rPr>
-              <a:t>Support collecting data from bus driver</a:t>
-            </a:r>
-          </a:p>
-        </p:txBody>
-      </p:sp>
-      <p:sp>
-        <p:nvSpPr>
-          <p:cNvPr id="16" name="Shape 2099"/>
-          <p:cNvSpPr txBox="1">
-            <a:spLocks noGrp="1"/>
-          </p:cNvSpPr>
-          <p:nvPr>
-            <p:ph type="title"/>
-          </p:nvPr>
-        </p:nvSpPr>
-        <p:spPr>
-          <a:xfrm>
-            <a:off x="1515658" y="463201"/>
-            <a:ext cx="6172200" cy="687979"/>
-          </a:xfrm>
-          <a:prstGeom prst="rect">
-            <a:avLst/>
-          </a:prstGeom>
-        </p:spPr>
-        <p:txBody>
-          <a:bodyPr lIns="68569" tIns="68569" rIns="68569" bIns="68569" anchor="b" anchorCtr="0">
-            <a:noAutofit/>
-          </a:bodyPr>
-          <a:lstStyle/>
-          <a:p>
-            <a:r>
-              <a:rPr lang="en" sz="4800" dirty="0"/>
-              <a:t>Future plans</a:t>
-            </a:r>
-          </a:p>
-        </p:txBody>
-      </p:sp>
-      <p:sp>
-        <p:nvSpPr>
-          <p:cNvPr id="10" name="Shape 81"/>
-          <p:cNvSpPr/>
-          <p:nvPr/>
-        </p:nvSpPr>
-        <p:spPr>
-          <a:xfrm>
-            <a:off x="252129" y="1747686"/>
-            <a:ext cx="666900" cy="666900"/>
-          </a:xfrm>
-          <a:prstGeom prst="ellipse">
-            <a:avLst/>
-          </a:prstGeom>
-          <a:solidFill>
-            <a:schemeClr val="lt2"/>
-          </a:solidFill>
-          <a:ln w="19050" cap="flat" cmpd="sng">
-            <a:solidFill>
-              <a:schemeClr val="dk2"/>
-            </a:solidFill>
-            <a:prstDash val="solid"/>
-            <a:round/>
-            <a:headEnd type="none" w="med" len="med"/>
-            <a:tailEnd type="none" w="med" len="med"/>
-          </a:ln>
-        </p:spPr>
-        <p:txBody>
-          <a:bodyPr lIns="68569" tIns="68569" rIns="68569" bIns="68569" anchor="ctr" anchorCtr="0">
-            <a:noAutofit/>
-          </a:bodyPr>
-          <a:lstStyle/>
-          <a:p>
-            <a:pPr algn="ctr"/>
-            <a:r>
-              <a:rPr lang="en-US" sz="2250" b="1" dirty="0" smtClean="0"/>
-              <a:t>1</a:t>
-            </a:r>
-            <a:endParaRPr lang="en" sz="2250" b="1" dirty="0"/>
-          </a:p>
-        </p:txBody>
-      </p:sp>
-    </p:spTree>
-    <p:extLst>
-      <p:ext uri="{BB962C8B-B14F-4D97-AF65-F5344CB8AC3E}">
-        <p14:creationId xmlns:p14="http://schemas.microsoft.com/office/powerpoint/2010/main" val="2091357403"/>
-      </p:ext>
-    </p:extLst>
-  </p:cSld>
-  <p:clrMapOvr>
-    <a:masterClrMapping/>
-  </p:clrMapOvr>
-  <p:transition spd="slow">
-    <p:cut/>
-  </p:transition>
   <p:timing>
     <p:tnLst>
       <p:par>
@@ -15162,7 +17559,45 @@
       </p:grpSpPr>
       <p:sp>
         <p:nvSpPr>
-          <p:cNvPr id="3" name="Text Placeholder 2"/>
+          <p:cNvPr id="164" name="Shape 164"/>
+          <p:cNvSpPr>
+            <a:spLocks noGrp="1"/>
+          </p:cNvSpPr>
+          <p:nvPr>
+            <p:ph type="title"/>
+          </p:nvPr>
+        </p:nvSpPr>
+        <p:spPr>
+          <a:xfrm>
+            <a:off x="543465" y="427694"/>
+            <a:ext cx="8499023" cy="994172"/>
+          </a:xfrm>
+          <a:prstGeom prst="rect">
+            <a:avLst/>
+          </a:prstGeom>
+        </p:spPr>
+        <p:txBody>
+          <a:bodyPr/>
+          <a:lstStyle>
+            <a:lvl1pPr>
+              <a:defRPr sz="3600">
+                <a:latin typeface="Cambria"/>
+                <a:ea typeface="Cambria"/>
+                <a:cs typeface="Cambria"/>
+                <a:sym typeface="Cambria"/>
+              </a:defRPr>
+            </a:lvl1pPr>
+          </a:lstStyle>
+          <a:p>
+            <a:r>
+              <a:t>Demo 1: Search motorbike route</a:t>
+            </a:r>
+          </a:p>
+        </p:txBody>
+      </p:sp>
+      <p:sp>
+        <p:nvSpPr>
+          <p:cNvPr id="165" name="Shape 165"/>
           <p:cNvSpPr>
             <a:spLocks noGrp="1"/>
           </p:cNvSpPr>
@@ -15172,241 +17607,300 @@
         </p:nvSpPr>
         <p:spPr>
           <a:xfrm>
-            <a:off x="486958" y="2562484"/>
-            <a:ext cx="8229600" cy="938256"/>
-          </a:xfrm>
+            <a:off x="543465" y="2074417"/>
+            <a:ext cx="7971886" cy="3632370"/>
+          </a:xfrm>
+          <a:prstGeom prst="rect">
+            <a:avLst/>
+          </a:prstGeom>
         </p:spPr>
         <p:txBody>
           <a:bodyPr/>
           <a:lstStyle/>
           <a:p>
-            <a:r>
-              <a:rPr lang="vi-VN" sz="2800" dirty="0">
-                <a:latin typeface="Cambria" charset="0"/>
-                <a:ea typeface="Cambria" charset="0"/>
-                <a:cs typeface="Cambria" charset="0"/>
+            <a:pPr>
+              <a:defRPr sz="2600">
+                <a:latin typeface="Cambria"/>
+                <a:ea typeface="Cambria"/>
+                <a:cs typeface="Cambria"/>
+                <a:sym typeface="Cambria"/>
+              </a:defRPr>
+            </a:pPr>
+            <a:r>
+              <a:rPr sz="2100" dirty="0"/>
+              <a:t>Step 1: search motorbike route using voice control:</a:t>
+            </a:r>
+          </a:p>
+          <a:p>
+            <a:pPr marL="514350" lvl="1" indent="-171450">
+              <a:spcBef>
+                <a:spcPts val="375"/>
+              </a:spcBef>
+              <a:defRPr sz="2600">
+                <a:solidFill>
+                  <a:srgbClr val="C00000"/>
+                </a:solidFill>
+                <a:latin typeface="Cambria"/>
+                <a:ea typeface="Cambria"/>
+                <a:cs typeface="Cambria"/>
+                <a:sym typeface="Cambria"/>
+              </a:defRPr>
+            </a:pPr>
+            <a:r>
+              <a:rPr sz="2100" dirty="0"/>
+              <a:t>Start location:</a:t>
+            </a:r>
+            <a:r>
+              <a:rPr sz="2100" dirty="0">
+                <a:solidFill>
+                  <a:srgbClr val="000000"/>
+                </a:solidFill>
               </a:rPr>
-              <a:t>Supporting blind people fully use application.</a:t>
-            </a:r>
-            <a:endParaRPr lang="en-US" sz="2800" dirty="0">
-              <a:latin typeface="Cambria" charset="0"/>
-              <a:ea typeface="Cambria" charset="0"/>
-              <a:cs typeface="Cambria" charset="0"/>
+              <a:t>  Bến xe quận 8</a:t>
+            </a:r>
+            <a:endParaRPr sz="2100" dirty="0"/>
+          </a:p>
+          <a:p>
+            <a:pPr marL="514350" lvl="1" indent="-171450">
+              <a:spcBef>
+                <a:spcPts val="375"/>
+              </a:spcBef>
+              <a:defRPr sz="2600">
+                <a:solidFill>
+                  <a:srgbClr val="C00000"/>
+                </a:solidFill>
+                <a:latin typeface="Cambria"/>
+                <a:ea typeface="Cambria"/>
+                <a:cs typeface="Cambria"/>
+                <a:sym typeface="Cambria"/>
+              </a:defRPr>
+            </a:pPr>
+            <a:r>
+              <a:rPr sz="2100" dirty="0"/>
+              <a:t>First middle location: </a:t>
+            </a:r>
+            <a:r>
+              <a:rPr sz="2100" dirty="0">
+                <a:solidFill>
+                  <a:srgbClr val="000000"/>
+                </a:solidFill>
+              </a:rPr>
+              <a:t>280 Nguyễn Đình Chiểu</a:t>
+            </a:r>
+          </a:p>
+          <a:p>
+            <a:pPr marL="514350" lvl="1" indent="-171450">
+              <a:spcBef>
+                <a:spcPts val="375"/>
+              </a:spcBef>
+              <a:defRPr sz="2600">
+                <a:solidFill>
+                  <a:srgbClr val="C00000"/>
+                </a:solidFill>
+                <a:latin typeface="Cambria"/>
+                <a:ea typeface="Cambria"/>
+                <a:cs typeface="Cambria"/>
+                <a:sym typeface="Cambria"/>
+              </a:defRPr>
+            </a:pPr>
+            <a:r>
+              <a:rPr sz="2100" dirty="0"/>
+              <a:t>Second middle location: </a:t>
+            </a:r>
+            <a:r>
+              <a:rPr sz="2100" dirty="0">
+                <a:solidFill>
+                  <a:srgbClr val="000000"/>
+                </a:solidFill>
+              </a:rPr>
+              <a:t>VinCom Lê Thánh Tôn</a:t>
+            </a:r>
+            <a:r>
+              <a:rPr sz="2100" dirty="0"/>
+              <a:t> </a:t>
+            </a:r>
+          </a:p>
+          <a:p>
+            <a:pPr marL="514350" lvl="1" indent="-171450">
+              <a:spcBef>
+                <a:spcPts val="375"/>
+              </a:spcBef>
+              <a:defRPr sz="2600">
+                <a:solidFill>
+                  <a:srgbClr val="C00000"/>
+                </a:solidFill>
+                <a:latin typeface="Cambria"/>
+                <a:ea typeface="Cambria"/>
+                <a:cs typeface="Cambria"/>
+                <a:sym typeface="Cambria"/>
+              </a:defRPr>
+            </a:pPr>
+            <a:r>
+              <a:rPr sz="2100" dirty="0"/>
+              <a:t>End location: </a:t>
+            </a:r>
+            <a:r>
+              <a:rPr sz="2100" dirty="0">
+                <a:solidFill>
+                  <a:srgbClr val="000000"/>
+                </a:solidFill>
+              </a:rPr>
+              <a:t>Công Viên Tao Đàn </a:t>
+            </a:r>
+            <a:r>
+              <a:rPr sz="2100" dirty="0"/>
+              <a:t> </a:t>
+            </a:r>
+            <a:endParaRPr sz="2100" dirty="0">
+              <a:solidFill>
+                <a:srgbClr val="000000"/>
+              </a:solidFill>
             </a:endParaRPr>
           </a:p>
           <a:p>
-            <a:endParaRPr lang="en-US" dirty="0"/>
-          </a:p>
-        </p:txBody>
-      </p:sp>
-      <p:sp>
-        <p:nvSpPr>
-          <p:cNvPr id="4" name="Slide Number Placeholder 3"/>
-          <p:cNvSpPr>
-            <a:spLocks noGrp="1"/>
-          </p:cNvSpPr>
-          <p:nvPr>
-            <p:ph type="sldNum" idx="12"/>
-          </p:nvPr>
-        </p:nvSpPr>
-        <p:spPr/>
-        <p:txBody>
-          <a:bodyPr/>
-          <a:lstStyle/>
-          <a:p>
-            <a:fld id="{00000000-1234-1234-1234-123412341234}" type="slidenum">
-              <a:rPr lang="en" smtClean="0"/>
-              <a:pPr/>
-              <a:t>17</a:t>
-            </a:fld>
-            <a:endParaRPr lang="en"/>
-          </a:p>
-        </p:txBody>
-      </p:sp>
-      <p:pic>
-        <p:nvPicPr>
-          <p:cNvPr id="6" name="Picture 5"/>
-          <p:cNvPicPr>
-            <a:picLocks noChangeAspect="1"/>
-          </p:cNvPicPr>
-          <p:nvPr/>
-        </p:nvPicPr>
-        <p:blipFill rotWithShape="1">
-          <a:blip r:embed="rId2">
-            <a:extLst>
-              <a:ext uri="{28A0092B-C50C-407E-A947-70E740481C1C}">
-                <a14:useLocalDpi xmlns:a14="http://schemas.microsoft.com/office/drawing/2010/main" val="0"/>
-              </a:ext>
-            </a:extLst>
-          </a:blip>
-          <a:srcRect l="29340" t="9882" r="30967" b="13703"/>
-          <a:stretch/>
-        </p:blipFill>
-        <p:spPr>
-          <a:xfrm>
-            <a:off x="1369729" y="3500740"/>
-            <a:ext cx="2271752" cy="3280070"/>
-          </a:xfrm>
-          <a:prstGeom prst="rect">
-            <a:avLst/>
-          </a:prstGeom>
-        </p:spPr>
-      </p:pic>
-      <p:pic>
-        <p:nvPicPr>
-          <p:cNvPr id="7" name="Picture 6"/>
-          <p:cNvPicPr>
-            <a:picLocks noChangeAspect="1"/>
-          </p:cNvPicPr>
-          <p:nvPr/>
-        </p:nvPicPr>
-        <p:blipFill rotWithShape="1">
-          <a:blip r:embed="rId3">
-            <a:extLst>
-              <a:ext uri="{28A0092B-C50C-407E-A947-70E740481C1C}">
-                <a14:useLocalDpi xmlns:a14="http://schemas.microsoft.com/office/drawing/2010/main" val="0"/>
-              </a:ext>
-            </a:extLst>
-          </a:blip>
-          <a:srcRect t="16533" b="42516"/>
-          <a:stretch/>
-        </p:blipFill>
-        <p:spPr>
-          <a:xfrm>
-            <a:off x="4245202" y="4261744"/>
-            <a:ext cx="4311590" cy="2451221"/>
-          </a:xfrm>
-          <a:prstGeom prst="rect">
-            <a:avLst/>
-          </a:prstGeom>
-        </p:spPr>
-      </p:pic>
-      <p:sp>
-        <p:nvSpPr>
-          <p:cNvPr id="8" name="Shape 2099"/>
-          <p:cNvSpPr txBox="1">
-            <a:spLocks noGrp="1"/>
-          </p:cNvSpPr>
-          <p:nvPr>
-            <p:ph type="title"/>
-          </p:nvPr>
-        </p:nvSpPr>
-        <p:spPr>
-          <a:xfrm>
-            <a:off x="1515658" y="463201"/>
-            <a:ext cx="6172200" cy="687979"/>
-          </a:xfrm>
-          <a:prstGeom prst="rect">
-            <a:avLst/>
-          </a:prstGeom>
-        </p:spPr>
-        <p:txBody>
-          <a:bodyPr lIns="68569" tIns="68569" rIns="68569" bIns="68569" anchor="b" anchorCtr="0">
-            <a:noAutofit/>
-          </a:bodyPr>
-          <a:lstStyle/>
-          <a:p>
-            <a:r>
-              <a:rPr lang="en" sz="4800" dirty="0"/>
-              <a:t>Future plans</a:t>
-            </a:r>
-          </a:p>
-        </p:txBody>
-      </p:sp>
-      <p:sp>
-        <p:nvSpPr>
-          <p:cNvPr id="9" name="Shape 81"/>
+            <a:pPr>
+              <a:defRPr sz="2600">
+                <a:latin typeface="Cambria"/>
+                <a:ea typeface="Cambria"/>
+                <a:cs typeface="Cambria"/>
+                <a:sym typeface="Cambria"/>
+              </a:defRPr>
+            </a:pPr>
+            <a:r>
+              <a:rPr sz="2100" dirty="0"/>
+              <a:t>Step 2: view results:</a:t>
+            </a:r>
+          </a:p>
+          <a:p>
+            <a:pPr marL="514350" lvl="1" indent="-171450">
+              <a:spcBef>
+                <a:spcPts val="375"/>
+              </a:spcBef>
+              <a:defRPr sz="2600">
+                <a:latin typeface="Cambria"/>
+                <a:ea typeface="Cambria"/>
+                <a:cs typeface="Cambria"/>
+                <a:sym typeface="Cambria"/>
+              </a:defRPr>
+            </a:pPr>
+            <a:r>
+              <a:rPr sz="2100" dirty="0"/>
+              <a:t>download all audio files.</a:t>
+            </a:r>
+          </a:p>
+          <a:p>
+            <a:pPr marL="501161" lvl="1" indent="-158261">
+              <a:spcBef>
+                <a:spcPts val="375"/>
+              </a:spcBef>
+              <a:defRPr sz="2600">
+                <a:latin typeface="Cambria"/>
+                <a:ea typeface="Cambria"/>
+                <a:cs typeface="Cambria"/>
+                <a:sym typeface="Cambria"/>
+              </a:defRPr>
+            </a:pPr>
+            <a:r>
+              <a:rPr sz="2100" dirty="0"/>
+              <a:t>start GPS simulation.</a:t>
+            </a:r>
+          </a:p>
+          <a:p>
+            <a:pPr marL="501161" lvl="1" indent="-158261">
+              <a:spcBef>
+                <a:spcPts val="375"/>
+              </a:spcBef>
+              <a:defRPr sz="2600">
+                <a:latin typeface="Cambria"/>
+                <a:ea typeface="Cambria"/>
+                <a:cs typeface="Cambria"/>
+                <a:sym typeface="Cambria"/>
+              </a:defRPr>
+            </a:pPr>
+            <a:r>
+              <a:rPr sz="2100" dirty="0"/>
+              <a:t>see Toast and hear an assist sound when near a turn.</a:t>
+            </a:r>
+          </a:p>
+          <a:p>
+            <a:pPr>
+              <a:defRPr sz="2600">
+                <a:latin typeface="Cambria"/>
+                <a:ea typeface="Cambria"/>
+                <a:cs typeface="Cambria"/>
+                <a:sym typeface="Cambria"/>
+              </a:defRPr>
+            </a:pPr>
+            <a:r>
+              <a:rPr sz="2100" dirty="0"/>
+              <a:t>Step 3: view result on wear.</a:t>
+            </a:r>
+            <a:endParaRPr lang="en-US" sz="2100" dirty="0"/>
+          </a:p>
+          <a:p>
+            <a:pPr>
+              <a:defRPr sz="2600">
+                <a:latin typeface="Cambria"/>
+                <a:ea typeface="Cambria"/>
+                <a:cs typeface="Cambria"/>
+                <a:sym typeface="Cambria"/>
+              </a:defRPr>
+            </a:pPr>
+            <a:endParaRPr lang="en-US" sz="2100" dirty="0"/>
+          </a:p>
+          <a:p>
+            <a:pPr>
+              <a:defRPr sz="2600">
+                <a:latin typeface="Cambria"/>
+                <a:ea typeface="Cambria"/>
+                <a:cs typeface="Cambria"/>
+                <a:sym typeface="Cambria"/>
+              </a:defRPr>
+            </a:pPr>
+            <a:endParaRPr sz="2100" dirty="0"/>
+          </a:p>
+        </p:txBody>
+      </p:sp>
+      <p:sp>
+        <p:nvSpPr>
+          <p:cNvPr id="166" name="Shape 166"/>
           <p:cNvSpPr/>
           <p:nvPr/>
         </p:nvSpPr>
         <p:spPr>
-          <a:xfrm>
-            <a:off x="252129" y="1747686"/>
-            <a:ext cx="666900" cy="666900"/>
-          </a:xfrm>
-          <a:prstGeom prst="ellipse">
-            <a:avLst/>
-          </a:prstGeom>
-          <a:solidFill>
-            <a:schemeClr val="lt2"/>
-          </a:solidFill>
-          <a:ln w="19050" cap="flat" cmpd="sng">
+          <a:xfrm flipV="1">
+            <a:off x="0" y="1738992"/>
+            <a:ext cx="9144001" cy="24494"/>
+          </a:xfrm>
+          <a:prstGeom prst="line">
+            <a:avLst/>
+          </a:prstGeom>
+          <a:ln w="22225">
             <a:solidFill>
-              <a:schemeClr val="dk2"/>
+              <a:schemeClr val="accent1"/>
             </a:solidFill>
-            <a:prstDash val="solid"/>
-            <a:round/>
-            <a:headEnd type="none" w="med" len="med"/>
-            <a:tailEnd type="none" w="med" len="med"/>
+            <a:miter/>
           </a:ln>
         </p:spPr>
         <p:txBody>
-          <a:bodyPr lIns="68569" tIns="68569" rIns="68569" bIns="68569" anchor="ctr" anchorCtr="0">
-            <a:noAutofit/>
-          </a:bodyPr>
+          <a:bodyPr lIns="34289" rIns="34289"/>
           <a:lstStyle/>
           <a:p>
-            <a:pPr algn="ctr"/>
-            <a:r>
-              <a:rPr lang="en-US" sz="2250" b="1" dirty="0" smtClean="0"/>
-              <a:t>1</a:t>
-            </a:r>
-            <a:endParaRPr lang="en" sz="2250" b="1" dirty="0"/>
-          </a:p>
-        </p:txBody>
-      </p:sp>
-      <p:sp>
-        <p:nvSpPr>
-          <p:cNvPr id="10" name="Shape 81"/>
-          <p:cNvSpPr/>
-          <p:nvPr/>
-        </p:nvSpPr>
-        <p:spPr>
-          <a:xfrm>
-            <a:off x="1369729" y="1747686"/>
-            <a:ext cx="666900" cy="666900"/>
-          </a:xfrm>
-          <a:prstGeom prst="ellipse">
-            <a:avLst/>
-          </a:prstGeom>
-          <a:solidFill>
-            <a:schemeClr val="lt2"/>
-          </a:solidFill>
-          <a:ln w="19050" cap="flat" cmpd="sng">
-            <a:solidFill>
-              <a:schemeClr val="dk2"/>
-            </a:solidFill>
-            <a:prstDash val="solid"/>
-            <a:round/>
-            <a:headEnd type="none" w="med" len="med"/>
-            <a:tailEnd type="none" w="med" len="med"/>
-          </a:ln>
-        </p:spPr>
-        <p:txBody>
-          <a:bodyPr lIns="68569" tIns="68569" rIns="68569" bIns="68569" anchor="ctr" anchorCtr="0">
-            <a:noAutofit/>
-          </a:bodyPr>
-          <a:lstStyle/>
-          <a:p>
-            <a:pPr algn="ctr"/>
-            <a:r>
-              <a:rPr lang="en-US" sz="2250" b="1" dirty="0" smtClean="0"/>
-              <a:t>2</a:t>
-            </a:r>
-            <a:endParaRPr lang="en" sz="2250" b="1" dirty="0"/>
+            <a:endParaRPr sz="1350"/>
           </a:p>
         </p:txBody>
       </p:sp>
     </p:spTree>
     <p:extLst>
       <p:ext uri="{BB962C8B-B14F-4D97-AF65-F5344CB8AC3E}">
-        <p14:creationId xmlns:p14="http://schemas.microsoft.com/office/powerpoint/2010/main" val="2087792164"/>
+        <p14:creationId xmlns:p14="http://schemas.microsoft.com/office/powerpoint/2010/main" val="1945981345"/>
       </p:ext>
     </p:extLst>
   </p:cSld>
   <p:clrMapOvr>
     <a:masterClrMapping/>
   </p:clrMapOvr>
+  <p:transition spd="slow"/>
   <p:timing>
     <p:tnLst>
       <p:par>
@@ -15418,6 +17912,288 @@
 </file>
 
 <file path=ppt/slides/slide18.xml><?xml version="1.0" encoding="utf-8"?>
+<p:sld xmlns:a="http://schemas.openxmlformats.org/drawingml/2006/main" xmlns:r="http://schemas.openxmlformats.org/officeDocument/2006/relationships" xmlns:p="http://schemas.openxmlformats.org/presentationml/2006/main">
+  <p:cSld>
+    <p:spTree>
+      <p:nvGrpSpPr>
+        <p:cNvPr id="1" name=""/>
+        <p:cNvGrpSpPr/>
+        <p:nvPr/>
+      </p:nvGrpSpPr>
+      <p:grpSpPr>
+        <a:xfrm>
+          <a:off x="0" y="0"/>
+          <a:ext cx="0" cy="0"/>
+          <a:chOff x="0" y="0"/>
+          <a:chExt cx="0" cy="0"/>
+        </a:xfrm>
+      </p:grpSpPr>
+      <p:sp>
+        <p:nvSpPr>
+          <p:cNvPr id="168" name="Shape 168"/>
+          <p:cNvSpPr>
+            <a:spLocks noGrp="1"/>
+          </p:cNvSpPr>
+          <p:nvPr>
+            <p:ph type="title"/>
+          </p:nvPr>
+        </p:nvSpPr>
+        <p:spPr>
+          <a:xfrm>
+            <a:off x="416377" y="899092"/>
+            <a:ext cx="8499023" cy="994172"/>
+          </a:xfrm>
+          <a:prstGeom prst="rect">
+            <a:avLst/>
+          </a:prstGeom>
+        </p:spPr>
+        <p:txBody>
+          <a:bodyPr/>
+          <a:lstStyle/>
+          <a:p>
+            <a:pPr lvl="1">
+              <a:defRPr sz="3600">
+                <a:latin typeface="Cambria"/>
+                <a:ea typeface="Cambria"/>
+                <a:cs typeface="Cambria"/>
+                <a:sym typeface="Cambria"/>
+              </a:defRPr>
+            </a:pPr>
+            <a:r>
+              <a:t>Demo 2: Search bus route</a:t>
+            </a:r>
+          </a:p>
+        </p:txBody>
+      </p:sp>
+      <p:sp>
+        <p:nvSpPr>
+          <p:cNvPr id="169" name="Shape 169"/>
+          <p:cNvSpPr>
+            <a:spLocks noGrp="1"/>
+          </p:cNvSpPr>
+          <p:nvPr>
+            <p:ph type="body" idx="1"/>
+          </p:nvPr>
+        </p:nvSpPr>
+        <p:spPr>
+          <a:xfrm>
+            <a:off x="266700" y="2238446"/>
+            <a:ext cx="8610600" cy="2510504"/>
+          </a:xfrm>
+          <a:prstGeom prst="rect">
+            <a:avLst/>
+          </a:prstGeom>
+        </p:spPr>
+        <p:txBody>
+          <a:bodyPr/>
+          <a:lstStyle/>
+          <a:p>
+            <a:pPr>
+              <a:defRPr sz="2600">
+                <a:latin typeface="Cambria"/>
+                <a:ea typeface="Cambria"/>
+                <a:cs typeface="Cambria"/>
+                <a:sym typeface="Cambria"/>
+              </a:defRPr>
+            </a:pPr>
+            <a:r>
+              <a:rPr sz="2100" dirty="0"/>
+              <a:t>Step 1: search motorbike route using voice control:</a:t>
+            </a:r>
+          </a:p>
+          <a:p>
+            <a:pPr marL="514350" lvl="1" indent="-171450">
+              <a:spcBef>
+                <a:spcPts val="375"/>
+              </a:spcBef>
+              <a:defRPr sz="2600">
+                <a:solidFill>
+                  <a:srgbClr val="C00000"/>
+                </a:solidFill>
+                <a:latin typeface="Cambria"/>
+                <a:ea typeface="Cambria"/>
+                <a:cs typeface="Cambria"/>
+                <a:sym typeface="Cambria"/>
+              </a:defRPr>
+            </a:pPr>
+            <a:r>
+              <a:rPr sz="2100" dirty="0"/>
+              <a:t>Start location:</a:t>
+            </a:r>
+            <a:r>
+              <a:rPr sz="2100" dirty="0">
+                <a:solidFill>
+                  <a:srgbClr val="000000"/>
+                </a:solidFill>
+              </a:rPr>
+              <a:t>  Bến xe quận 8</a:t>
+            </a:r>
+            <a:endParaRPr sz="2100" dirty="0"/>
+          </a:p>
+          <a:p>
+            <a:pPr marL="514350" lvl="1" indent="-171450">
+              <a:spcBef>
+                <a:spcPts val="375"/>
+              </a:spcBef>
+              <a:defRPr sz="2600">
+                <a:solidFill>
+                  <a:srgbClr val="C00000"/>
+                </a:solidFill>
+                <a:latin typeface="Cambria"/>
+                <a:ea typeface="Cambria"/>
+                <a:cs typeface="Cambria"/>
+                <a:sym typeface="Cambria"/>
+              </a:defRPr>
+            </a:pPr>
+            <a:r>
+              <a:rPr sz="2100" dirty="0"/>
+              <a:t>First middle location: </a:t>
+            </a:r>
+            <a:r>
+              <a:rPr sz="2100" dirty="0">
+                <a:solidFill>
+                  <a:srgbClr val="000000"/>
+                </a:solidFill>
+              </a:rPr>
+              <a:t>280 Nguyễn Đình Chiểu</a:t>
+            </a:r>
+          </a:p>
+          <a:p>
+            <a:pPr marL="514350" lvl="1" indent="-171450">
+              <a:spcBef>
+                <a:spcPts val="375"/>
+              </a:spcBef>
+              <a:defRPr sz="2600">
+                <a:solidFill>
+                  <a:srgbClr val="C00000"/>
+                </a:solidFill>
+                <a:latin typeface="Cambria"/>
+                <a:ea typeface="Cambria"/>
+                <a:cs typeface="Cambria"/>
+                <a:sym typeface="Cambria"/>
+              </a:defRPr>
+            </a:pPr>
+            <a:r>
+              <a:rPr sz="2100" dirty="0"/>
+              <a:t>Second middle location: </a:t>
+            </a:r>
+            <a:r>
+              <a:rPr sz="2100" dirty="0">
+                <a:solidFill>
+                  <a:srgbClr val="000000"/>
+                </a:solidFill>
+              </a:rPr>
+              <a:t>VinCom Lê Thánh Tôn</a:t>
+            </a:r>
+            <a:r>
+              <a:rPr sz="2100" dirty="0"/>
+              <a:t> </a:t>
+            </a:r>
+          </a:p>
+          <a:p>
+            <a:pPr marL="514350" lvl="1" indent="-171450">
+              <a:spcBef>
+                <a:spcPts val="375"/>
+              </a:spcBef>
+              <a:defRPr sz="2600">
+                <a:solidFill>
+                  <a:srgbClr val="C00000"/>
+                </a:solidFill>
+                <a:latin typeface="Cambria"/>
+                <a:ea typeface="Cambria"/>
+                <a:cs typeface="Cambria"/>
+                <a:sym typeface="Cambria"/>
+              </a:defRPr>
+            </a:pPr>
+            <a:r>
+              <a:rPr sz="2100" dirty="0"/>
+              <a:t>End location: </a:t>
+            </a:r>
+            <a:r>
+              <a:rPr sz="2100" dirty="0">
+                <a:solidFill>
+                  <a:srgbClr val="000000"/>
+                </a:solidFill>
+              </a:rPr>
+              <a:t>Công Viên Tao Đàn </a:t>
+            </a:r>
+            <a:r>
+              <a:rPr sz="2100" dirty="0"/>
+              <a:t> </a:t>
+            </a:r>
+            <a:endParaRPr sz="2100" dirty="0">
+              <a:solidFill>
+                <a:srgbClr val="000000"/>
+              </a:solidFill>
+            </a:endParaRPr>
+          </a:p>
+          <a:p>
+            <a:pPr>
+              <a:defRPr sz="2600">
+                <a:latin typeface="Cambria"/>
+                <a:ea typeface="Cambria"/>
+                <a:cs typeface="Cambria"/>
+                <a:sym typeface="Cambria"/>
+              </a:defRPr>
+            </a:pPr>
+            <a:r>
+              <a:rPr sz="2100" dirty="0"/>
+              <a:t>Step 2: view result: see Toast and hear an assist sound when near a turn.</a:t>
+            </a:r>
+          </a:p>
+        </p:txBody>
+      </p:sp>
+      <p:sp>
+        <p:nvSpPr>
+          <p:cNvPr id="170" name="Shape 170"/>
+          <p:cNvSpPr/>
+          <p:nvPr/>
+        </p:nvSpPr>
+        <p:spPr>
+          <a:xfrm flipV="1">
+            <a:off x="0" y="1738992"/>
+            <a:ext cx="9144001" cy="24494"/>
+          </a:xfrm>
+          <a:prstGeom prst="line">
+            <a:avLst/>
+          </a:prstGeom>
+          <a:ln w="22225">
+            <a:solidFill>
+              <a:schemeClr val="accent1"/>
+            </a:solidFill>
+            <a:miter/>
+          </a:ln>
+        </p:spPr>
+        <p:txBody>
+          <a:bodyPr lIns="34289" rIns="34289"/>
+          <a:lstStyle/>
+          <a:p>
+            <a:endParaRPr sz="1350"/>
+          </a:p>
+        </p:txBody>
+      </p:sp>
+    </p:spTree>
+    <p:extLst>
+      <p:ext uri="{BB962C8B-B14F-4D97-AF65-F5344CB8AC3E}">
+        <p14:creationId xmlns:p14="http://schemas.microsoft.com/office/powerpoint/2010/main" val="2080005252"/>
+      </p:ext>
+    </p:extLst>
+  </p:cSld>
+  <p:clrMapOvr>
+    <a:masterClrMapping/>
+  </p:clrMapOvr>
+  <p:transition spd="slow"/>
+  <p:timing>
+    <p:tnLst>
+      <p:par>
+        <p:cTn id="1" dur="indefinite" restart="never" nodeType="tmRoot"/>
+      </p:par>
+    </p:tnLst>
+  </p:timing>
+</p:sld>
+</file>
+
+<file path=ppt/slides/slide19.xml><?xml version="1.0" encoding="utf-8"?>
 <p:sld xmlns:a="http://schemas.openxmlformats.org/drawingml/2006/main" xmlns:r="http://schemas.openxmlformats.org/officeDocument/2006/relationships" xmlns:p="http://schemas.openxmlformats.org/presentationml/2006/main">
   <p:cSld>
     <p:spTree>
@@ -15462,7 +18238,7 @@
             <a:fld id="{00000000-1234-1234-1234-123412341234}" type="slidenum">
               <a:rPr lang="en"/>
               <a:pPr/>
-              <a:t>18</a:t>
+              <a:t>19</a:t>
             </a:fld>
             <a:endParaRPr lang="en"/>
           </a:p>
@@ -15598,42 +18374,9 @@
           </a:p>
         </p:txBody>
       </p:sp>
-      <p:sp>
-        <p:nvSpPr>
-          <p:cNvPr id="2" name="TextBox 1"/>
-          <p:cNvSpPr txBox="1"/>
-          <p:nvPr/>
-        </p:nvSpPr>
-        <p:spPr>
-          <a:xfrm>
-            <a:off x="424358" y="3468793"/>
-            <a:ext cx="3724309" cy="954107"/>
-          </a:xfrm>
-          <a:prstGeom prst="rect">
-            <a:avLst/>
-          </a:prstGeom>
-          <a:noFill/>
-        </p:spPr>
-        <p:txBody>
-          <a:bodyPr wrap="square" rtlCol="0">
-            <a:spAutoFit/>
-          </a:bodyPr>
-          <a:lstStyle/>
-          <a:p>
-            <a:r>
-              <a:rPr lang="en-US" sz="2800" dirty="0">
-                <a:latin typeface="Cambria" charset="0"/>
-                <a:ea typeface="Cambria" charset="0"/>
-                <a:cs typeface="Cambria" charset="0"/>
-              </a:rPr>
-              <a:t>Traffic jam notification system service</a:t>
-            </a:r>
-          </a:p>
-        </p:txBody>
-      </p:sp>
       <p:pic>
         <p:nvPicPr>
-          <p:cNvPr id="3" name="Picture 2"/>
+          <p:cNvPr id="4" name="Picture 3"/>
           <p:cNvPicPr>
             <a:picLocks noChangeAspect="1"/>
           </p:cNvPicPr>
@@ -15653,8 +18396,8 @@
         </p:blipFill>
         <p:spPr>
           <a:xfrm>
-            <a:off x="5279365" y="2642374"/>
-            <a:ext cx="3505973" cy="2626096"/>
+            <a:off x="5300134" y="2157957"/>
+            <a:ext cx="3623734" cy="3831214"/>
           </a:xfrm>
           <a:prstGeom prst="rect">
             <a:avLst/>
@@ -15663,7 +18406,41 @@
       </p:pic>
       <p:sp>
         <p:nvSpPr>
-          <p:cNvPr id="11" name="Shape 2099"/>
+          <p:cNvPr id="5" name="TextBox 4"/>
+          <p:cNvSpPr txBox="1"/>
+          <p:nvPr/>
+        </p:nvSpPr>
+        <p:spPr>
+          <a:xfrm>
+            <a:off x="355601" y="3562378"/>
+            <a:ext cx="4944534" cy="954107"/>
+          </a:xfrm>
+          <a:prstGeom prst="rect">
+            <a:avLst/>
+          </a:prstGeom>
+          <a:noFill/>
+        </p:spPr>
+        <p:txBody>
+          <a:bodyPr wrap="square" rtlCol="0">
+            <a:spAutoFit/>
+          </a:bodyPr>
+          <a:lstStyle/>
+          <a:p>
+            <a:pPr algn="ctr"/>
+            <a:r>
+              <a:rPr lang="en-US" sz="2800" dirty="0">
+                <a:latin typeface="Cambria" charset="0"/>
+                <a:ea typeface="Cambria" charset="0"/>
+                <a:cs typeface="Cambria" charset="0"/>
+              </a:rPr>
+              <a:t>Support collecting data from bus driver</a:t>
+            </a:r>
+          </a:p>
+        </p:txBody>
+      </p:sp>
+      <p:sp>
+        <p:nvSpPr>
+          <p:cNvPr id="16" name="Shape 2099"/>
           <p:cNvSpPr txBox="1">
             <a:spLocks noGrp="1"/>
           </p:cNvSpPr>
@@ -15695,7 +18472,7 @@
       </p:sp>
       <p:sp>
         <p:nvSpPr>
-          <p:cNvPr id="12" name="Shape 81"/>
+          <p:cNvPr id="10" name="Shape 81"/>
           <p:cNvSpPr/>
           <p:nvPr/>
         </p:nvSpPr>
@@ -15735,363 +18512,10 @@
           </a:p>
         </p:txBody>
       </p:sp>
-      <p:sp>
-        <p:nvSpPr>
-          <p:cNvPr id="13" name="Shape 81"/>
-          <p:cNvSpPr/>
-          <p:nvPr/>
-        </p:nvSpPr>
-        <p:spPr>
-          <a:xfrm>
-            <a:off x="1369729" y="1747686"/>
-            <a:ext cx="666900" cy="666900"/>
-          </a:xfrm>
-          <a:prstGeom prst="ellipse">
-            <a:avLst/>
-          </a:prstGeom>
-          <a:solidFill>
-            <a:schemeClr val="lt2"/>
-          </a:solidFill>
-          <a:ln w="19050" cap="flat" cmpd="sng">
-            <a:solidFill>
-              <a:schemeClr val="dk2"/>
-            </a:solidFill>
-            <a:prstDash val="solid"/>
-            <a:round/>
-            <a:headEnd type="none" w="med" len="med"/>
-            <a:tailEnd type="none" w="med" len="med"/>
-          </a:ln>
-        </p:spPr>
-        <p:txBody>
-          <a:bodyPr lIns="68569" tIns="68569" rIns="68569" bIns="68569" anchor="ctr" anchorCtr="0">
-            <a:noAutofit/>
-          </a:bodyPr>
-          <a:lstStyle/>
-          <a:p>
-            <a:pPr algn="ctr"/>
-            <a:r>
-              <a:rPr lang="en-US" sz="2250" b="1" dirty="0" smtClean="0"/>
-              <a:t>2</a:t>
-            </a:r>
-            <a:endParaRPr lang="en" sz="2250" b="1" dirty="0"/>
-          </a:p>
-        </p:txBody>
-      </p:sp>
-      <p:sp>
-        <p:nvSpPr>
-          <p:cNvPr id="16" name="Shape 81"/>
-          <p:cNvSpPr/>
-          <p:nvPr/>
-        </p:nvSpPr>
-        <p:spPr>
-          <a:xfrm>
-            <a:off x="2487329" y="1747686"/>
-            <a:ext cx="666900" cy="666900"/>
-          </a:xfrm>
-          <a:prstGeom prst="ellipse">
-            <a:avLst/>
-          </a:prstGeom>
-          <a:solidFill>
-            <a:schemeClr val="lt2"/>
-          </a:solidFill>
-          <a:ln w="19050" cap="flat" cmpd="sng">
-            <a:solidFill>
-              <a:schemeClr val="dk2"/>
-            </a:solidFill>
-            <a:prstDash val="solid"/>
-            <a:round/>
-            <a:headEnd type="none" w="med" len="med"/>
-            <a:tailEnd type="none" w="med" len="med"/>
-          </a:ln>
-        </p:spPr>
-        <p:txBody>
-          <a:bodyPr lIns="68569" tIns="68569" rIns="68569" bIns="68569" anchor="ctr" anchorCtr="0">
-            <a:noAutofit/>
-          </a:bodyPr>
-          <a:lstStyle/>
-          <a:p>
-            <a:pPr algn="ctr"/>
-            <a:r>
-              <a:rPr lang="en-US" sz="2250" b="1" dirty="0" smtClean="0"/>
-              <a:t>3</a:t>
-            </a:r>
-            <a:endParaRPr lang="en" sz="2250" b="1" dirty="0"/>
-          </a:p>
-        </p:txBody>
-      </p:sp>
     </p:spTree>
     <p:extLst>
       <p:ext uri="{BB962C8B-B14F-4D97-AF65-F5344CB8AC3E}">
-        <p14:creationId xmlns:p14="http://schemas.microsoft.com/office/powerpoint/2010/main" val="988649069"/>
-      </p:ext>
-    </p:extLst>
-  </p:cSld>
-  <p:clrMapOvr>
-    <a:masterClrMapping/>
-  </p:clrMapOvr>
-  <p:transition spd="slow">
-    <p:cut/>
-  </p:transition>
-  <p:timing>
-    <p:tnLst>
-      <p:par>
-        <p:cTn id="1" dur="indefinite" restart="never" nodeType="tmRoot"/>
-      </p:par>
-    </p:tnLst>
-  </p:timing>
-</p:sld>
-</file>
-
-<file path=ppt/slides/slide19.xml><?xml version="1.0" encoding="utf-8"?>
-<p:sld xmlns:a="http://schemas.openxmlformats.org/drawingml/2006/main" xmlns:r="http://schemas.openxmlformats.org/officeDocument/2006/relationships" xmlns:p="http://schemas.openxmlformats.org/presentationml/2006/main">
-  <p:cSld>
-    <p:spTree>
-      <p:nvGrpSpPr>
-        <p:cNvPr id="1" name="Shape 50"/>
-        <p:cNvGrpSpPr/>
-        <p:nvPr/>
-      </p:nvGrpSpPr>
-      <p:grpSpPr>
-        <a:xfrm>
-          <a:off x="0" y="0"/>
-          <a:ext cx="0" cy="0"/>
-          <a:chOff x="0" y="0"/>
-          <a:chExt cx="0" cy="0"/>
-        </a:xfrm>
-      </p:grpSpPr>
-      <p:sp>
-        <p:nvSpPr>
-          <p:cNvPr id="51" name="Shape 51"/>
-          <p:cNvSpPr txBox="1">
-            <a:spLocks noGrp="1"/>
-          </p:cNvSpPr>
-          <p:nvPr>
-            <p:ph type="body" idx="1"/>
-          </p:nvPr>
-        </p:nvSpPr>
-        <p:spPr>
-          <a:xfrm>
-            <a:off x="905774" y="2101501"/>
-            <a:ext cx="6752420" cy="3630149"/>
-          </a:xfrm>
-          <a:prstGeom prst="rect">
-            <a:avLst/>
-          </a:prstGeom>
-        </p:spPr>
-        <p:txBody>
-          <a:bodyPr lIns="68569" tIns="68569" rIns="68569" bIns="68569" anchor="t" anchorCtr="0">
-            <a:noAutofit/>
-          </a:bodyPr>
-          <a:lstStyle/>
-          <a:p>
-            <a:pPr marL="342900" indent="-171450">
-              <a:buAutoNum type="arabicPeriod"/>
-            </a:pPr>
-            <a:r>
-              <a:rPr lang="en" sz="2800" dirty="0">
-                <a:latin typeface="Cambria" charset="0"/>
-                <a:ea typeface="Cambria" charset="0"/>
-                <a:cs typeface="Cambria" charset="0"/>
-              </a:rPr>
-              <a:t>Problems</a:t>
-            </a:r>
-          </a:p>
-          <a:p>
-            <a:pPr marL="342900" indent="-171450">
-              <a:buAutoNum type="arabicPeriod"/>
-            </a:pPr>
-            <a:r>
-              <a:rPr lang="en" sz="2800" dirty="0">
-                <a:latin typeface="Cambria" charset="0"/>
-                <a:ea typeface="Cambria" charset="0"/>
-                <a:cs typeface="Cambria" charset="0"/>
-              </a:rPr>
-              <a:t>Solution</a:t>
-            </a:r>
-          </a:p>
-          <a:p>
-            <a:pPr marL="342900" indent="-171450">
-              <a:buAutoNum type="arabicPeriod"/>
-            </a:pPr>
-            <a:r>
-              <a:rPr lang="en" sz="2800" dirty="0">
-                <a:latin typeface="Cambria" charset="0"/>
-                <a:ea typeface="Cambria" charset="0"/>
-                <a:cs typeface="Cambria" charset="0"/>
-              </a:rPr>
-              <a:t>Feature explanation and demo</a:t>
-            </a:r>
-          </a:p>
-          <a:p>
-            <a:pPr marL="685800" lvl="1" indent="-171450">
-              <a:buAutoNum type="alphaLcPeriod"/>
-            </a:pPr>
-            <a:r>
-              <a:rPr lang="vi-VN" sz="2800" dirty="0">
-                <a:latin typeface="Cambria" charset="0"/>
-                <a:ea typeface="Cambria" charset="0"/>
-                <a:cs typeface="Cambria" charset="0"/>
-              </a:rPr>
-              <a:t>Search motorbike four points</a:t>
-            </a:r>
-            <a:endParaRPr lang="en" sz="2800" dirty="0">
-              <a:latin typeface="Cambria" charset="0"/>
-              <a:ea typeface="Cambria" charset="0"/>
-              <a:cs typeface="Cambria" charset="0"/>
-            </a:endParaRPr>
-          </a:p>
-          <a:p>
-            <a:pPr marL="685800" lvl="1" indent="-171450">
-              <a:buAutoNum type="alphaLcPeriod"/>
-            </a:pPr>
-            <a:r>
-              <a:rPr lang="vi-VN" sz="2800" dirty="0">
-                <a:latin typeface="Cambria" charset="0"/>
-                <a:ea typeface="Cambria" charset="0"/>
-                <a:cs typeface="Cambria" charset="0"/>
-              </a:rPr>
-              <a:t>Tracking motorbike’s route and notify</a:t>
-            </a:r>
-            <a:endParaRPr lang="en" sz="2800" dirty="0">
-              <a:latin typeface="Cambria" charset="0"/>
-              <a:ea typeface="Cambria" charset="0"/>
-              <a:cs typeface="Cambria" charset="0"/>
-            </a:endParaRPr>
-          </a:p>
-          <a:p>
-            <a:pPr marL="685800" lvl="1" indent="-171450">
-              <a:buAutoNum type="alphaLcPeriod"/>
-            </a:pPr>
-            <a:r>
-              <a:rPr lang="vi-VN" sz="2800" dirty="0">
-                <a:latin typeface="Cambria" charset="0"/>
-                <a:ea typeface="Cambria" charset="0"/>
-                <a:cs typeface="Cambria" charset="0"/>
-              </a:rPr>
-              <a:t>View notification on wear</a:t>
-            </a:r>
-          </a:p>
-          <a:p>
-            <a:pPr marL="685800" lvl="1" indent="-171450">
-              <a:buAutoNum type="alphaLcPeriod"/>
-            </a:pPr>
-            <a:r>
-              <a:rPr lang="vi-VN" sz="2800" dirty="0">
-                <a:latin typeface="Cambria" charset="0"/>
-                <a:ea typeface="Cambria" charset="0"/>
-                <a:cs typeface="Cambria" charset="0"/>
-              </a:rPr>
-              <a:t>Detect wrong route and recommend another route.</a:t>
-            </a:r>
-            <a:endParaRPr lang="en" sz="2800" dirty="0">
-              <a:latin typeface="Cambria" charset="0"/>
-              <a:ea typeface="Cambria" charset="0"/>
-              <a:cs typeface="Cambria" charset="0"/>
-            </a:endParaRPr>
-          </a:p>
-          <a:p>
-            <a:pPr marL="685800" lvl="1" indent="-171450">
-              <a:buAutoNum type="alphaLcPeriod"/>
-            </a:pPr>
-            <a:r>
-              <a:rPr lang="vi-VN" sz="2800" dirty="0">
-                <a:latin typeface="Cambria" charset="0"/>
-                <a:ea typeface="Cambria" charset="0"/>
-                <a:cs typeface="Cambria" charset="0"/>
-              </a:rPr>
-              <a:t>Search bus four points by using voice</a:t>
-            </a:r>
-            <a:endParaRPr lang="en" sz="2800" dirty="0">
-              <a:latin typeface="Cambria" charset="0"/>
-              <a:ea typeface="Cambria" charset="0"/>
-              <a:cs typeface="Cambria" charset="0"/>
-            </a:endParaRPr>
-          </a:p>
-          <a:p>
-            <a:pPr marL="342900" indent="-171450">
-              <a:buAutoNum type="arabicPeriod"/>
-            </a:pPr>
-            <a:r>
-              <a:rPr lang="en" sz="2800" dirty="0">
-                <a:latin typeface="Cambria" charset="0"/>
-                <a:ea typeface="Cambria" charset="0"/>
-                <a:cs typeface="Cambria" charset="0"/>
-              </a:rPr>
-              <a:t>Future plan</a:t>
-            </a:r>
-          </a:p>
-        </p:txBody>
-      </p:sp>
-      <p:sp>
-        <p:nvSpPr>
-          <p:cNvPr id="52" name="Shape 52"/>
-          <p:cNvSpPr txBox="1">
-            <a:spLocks noGrp="1"/>
-          </p:cNvSpPr>
-          <p:nvPr>
-            <p:ph type="title"/>
-          </p:nvPr>
-        </p:nvSpPr>
-        <p:spPr>
-          <a:xfrm>
-            <a:off x="1485994" y="352028"/>
-            <a:ext cx="6172200" cy="857250"/>
-          </a:xfrm>
-          <a:prstGeom prst="rect">
-            <a:avLst/>
-          </a:prstGeom>
-        </p:spPr>
-        <p:txBody>
-          <a:bodyPr lIns="68569" tIns="68569" rIns="68569" bIns="68569" anchor="b" anchorCtr="0">
-            <a:noAutofit/>
-          </a:bodyPr>
-          <a:lstStyle/>
-          <a:p>
-            <a:r>
-              <a:rPr lang="en" sz="4800" dirty="0"/>
-              <a:t>Overview</a:t>
-            </a:r>
-          </a:p>
-        </p:txBody>
-      </p:sp>
-      <p:sp>
-        <p:nvSpPr>
-          <p:cNvPr id="53" name="Shape 53"/>
-          <p:cNvSpPr txBox="1">
-            <a:spLocks noGrp="1"/>
-          </p:cNvSpPr>
-          <p:nvPr>
-            <p:ph type="sldNum" idx="12"/>
-          </p:nvPr>
-        </p:nvSpPr>
-        <p:spPr>
-          <a:xfrm>
-            <a:off x="7560595" y="5607102"/>
-            <a:ext cx="411524" cy="393524"/>
-          </a:xfrm>
-          <a:prstGeom prst="rect">
-            <a:avLst/>
-          </a:prstGeom>
-        </p:spPr>
-        <p:txBody>
-          <a:bodyPr lIns="68569" tIns="68569" rIns="68569" bIns="68569" anchor="ctr" anchorCtr="0">
-            <a:noAutofit/>
-          </a:bodyPr>
-          <a:lstStyle/>
-          <a:p>
-            <a:fld id="{00000000-1234-1234-1234-123412341234}" type="slidenum">
-              <a:rPr lang="en"/>
-              <a:pPr/>
-              <a:t>19</a:t>
-            </a:fld>
-            <a:endParaRPr lang="en"/>
-          </a:p>
-        </p:txBody>
-      </p:sp>
-    </p:spTree>
-    <p:extLst>
-      <p:ext uri="{BB962C8B-B14F-4D97-AF65-F5344CB8AC3E}">
-        <p14:creationId xmlns:p14="http://schemas.microsoft.com/office/powerpoint/2010/main" val="1224110326"/>
+        <p14:creationId xmlns:p14="http://schemas.microsoft.com/office/powerpoint/2010/main" val="2091357403"/>
       </p:ext>
     </p:extLst>
   </p:cSld>
@@ -16385,6 +18809,974 @@
   <p:cSld>
     <p:spTree>
       <p:nvGrpSpPr>
+        <p:cNvPr id="1" name=""/>
+        <p:cNvGrpSpPr/>
+        <p:nvPr/>
+      </p:nvGrpSpPr>
+      <p:grpSpPr>
+        <a:xfrm>
+          <a:off x="0" y="0"/>
+          <a:ext cx="0" cy="0"/>
+          <a:chOff x="0" y="0"/>
+          <a:chExt cx="0" cy="0"/>
+        </a:xfrm>
+      </p:grpSpPr>
+      <p:sp>
+        <p:nvSpPr>
+          <p:cNvPr id="3" name="Text Placeholder 2"/>
+          <p:cNvSpPr>
+            <a:spLocks noGrp="1"/>
+          </p:cNvSpPr>
+          <p:nvPr>
+            <p:ph type="body" idx="1"/>
+          </p:nvPr>
+        </p:nvSpPr>
+        <p:spPr>
+          <a:xfrm>
+            <a:off x="486958" y="2562484"/>
+            <a:ext cx="8229600" cy="938256"/>
+          </a:xfrm>
+        </p:spPr>
+        <p:txBody>
+          <a:bodyPr/>
+          <a:lstStyle/>
+          <a:p>
+            <a:r>
+              <a:rPr lang="vi-VN" sz="2800" dirty="0">
+                <a:latin typeface="Cambria" charset="0"/>
+                <a:ea typeface="Cambria" charset="0"/>
+                <a:cs typeface="Cambria" charset="0"/>
+              </a:rPr>
+              <a:t>Supporting blind people fully use application.</a:t>
+            </a:r>
+            <a:endParaRPr lang="en-US" sz="2800" dirty="0">
+              <a:latin typeface="Cambria" charset="0"/>
+              <a:ea typeface="Cambria" charset="0"/>
+              <a:cs typeface="Cambria" charset="0"/>
+            </a:endParaRPr>
+          </a:p>
+          <a:p>
+            <a:endParaRPr lang="en-US" dirty="0"/>
+          </a:p>
+        </p:txBody>
+      </p:sp>
+      <p:sp>
+        <p:nvSpPr>
+          <p:cNvPr id="4" name="Slide Number Placeholder 3"/>
+          <p:cNvSpPr>
+            <a:spLocks noGrp="1"/>
+          </p:cNvSpPr>
+          <p:nvPr>
+            <p:ph type="sldNum" idx="12"/>
+          </p:nvPr>
+        </p:nvSpPr>
+        <p:spPr/>
+        <p:txBody>
+          <a:bodyPr/>
+          <a:lstStyle/>
+          <a:p>
+            <a:fld id="{00000000-1234-1234-1234-123412341234}" type="slidenum">
+              <a:rPr lang="en" smtClean="0"/>
+              <a:pPr/>
+              <a:t>20</a:t>
+            </a:fld>
+            <a:endParaRPr lang="en"/>
+          </a:p>
+        </p:txBody>
+      </p:sp>
+      <p:pic>
+        <p:nvPicPr>
+          <p:cNvPr id="6" name="Picture 5"/>
+          <p:cNvPicPr>
+            <a:picLocks noChangeAspect="1"/>
+          </p:cNvPicPr>
+          <p:nvPr/>
+        </p:nvPicPr>
+        <p:blipFill rotWithShape="1">
+          <a:blip r:embed="rId2">
+            <a:extLst>
+              <a:ext uri="{28A0092B-C50C-407E-A947-70E740481C1C}">
+                <a14:useLocalDpi xmlns:a14="http://schemas.microsoft.com/office/drawing/2010/main" val="0"/>
+              </a:ext>
+            </a:extLst>
+          </a:blip>
+          <a:srcRect l="29340" t="9882" r="30967" b="13703"/>
+          <a:stretch/>
+        </p:blipFill>
+        <p:spPr>
+          <a:xfrm>
+            <a:off x="1369729" y="3500740"/>
+            <a:ext cx="2271752" cy="3280070"/>
+          </a:xfrm>
+          <a:prstGeom prst="rect">
+            <a:avLst/>
+          </a:prstGeom>
+        </p:spPr>
+      </p:pic>
+      <p:pic>
+        <p:nvPicPr>
+          <p:cNvPr id="7" name="Picture 6"/>
+          <p:cNvPicPr>
+            <a:picLocks noChangeAspect="1"/>
+          </p:cNvPicPr>
+          <p:nvPr/>
+        </p:nvPicPr>
+        <p:blipFill rotWithShape="1">
+          <a:blip r:embed="rId3">
+            <a:extLst>
+              <a:ext uri="{28A0092B-C50C-407E-A947-70E740481C1C}">
+                <a14:useLocalDpi xmlns:a14="http://schemas.microsoft.com/office/drawing/2010/main" val="0"/>
+              </a:ext>
+            </a:extLst>
+          </a:blip>
+          <a:srcRect t="16533" b="42516"/>
+          <a:stretch/>
+        </p:blipFill>
+        <p:spPr>
+          <a:xfrm>
+            <a:off x="4245202" y="4261744"/>
+            <a:ext cx="4311590" cy="2451221"/>
+          </a:xfrm>
+          <a:prstGeom prst="rect">
+            <a:avLst/>
+          </a:prstGeom>
+        </p:spPr>
+      </p:pic>
+      <p:sp>
+        <p:nvSpPr>
+          <p:cNvPr id="8" name="Shape 2099"/>
+          <p:cNvSpPr txBox="1">
+            <a:spLocks noGrp="1"/>
+          </p:cNvSpPr>
+          <p:nvPr>
+            <p:ph type="title"/>
+          </p:nvPr>
+        </p:nvSpPr>
+        <p:spPr>
+          <a:xfrm>
+            <a:off x="1515658" y="463201"/>
+            <a:ext cx="6172200" cy="687979"/>
+          </a:xfrm>
+          <a:prstGeom prst="rect">
+            <a:avLst/>
+          </a:prstGeom>
+        </p:spPr>
+        <p:txBody>
+          <a:bodyPr lIns="68569" tIns="68569" rIns="68569" bIns="68569" anchor="b" anchorCtr="0">
+            <a:noAutofit/>
+          </a:bodyPr>
+          <a:lstStyle/>
+          <a:p>
+            <a:r>
+              <a:rPr lang="en" sz="4800" dirty="0"/>
+              <a:t>Future plans</a:t>
+            </a:r>
+          </a:p>
+        </p:txBody>
+      </p:sp>
+      <p:sp>
+        <p:nvSpPr>
+          <p:cNvPr id="9" name="Shape 81"/>
+          <p:cNvSpPr/>
+          <p:nvPr/>
+        </p:nvSpPr>
+        <p:spPr>
+          <a:xfrm>
+            <a:off x="252129" y="1747686"/>
+            <a:ext cx="666900" cy="666900"/>
+          </a:xfrm>
+          <a:prstGeom prst="ellipse">
+            <a:avLst/>
+          </a:prstGeom>
+          <a:solidFill>
+            <a:schemeClr val="lt2"/>
+          </a:solidFill>
+          <a:ln w="19050" cap="flat" cmpd="sng">
+            <a:solidFill>
+              <a:schemeClr val="dk2"/>
+            </a:solidFill>
+            <a:prstDash val="solid"/>
+            <a:round/>
+            <a:headEnd type="none" w="med" len="med"/>
+            <a:tailEnd type="none" w="med" len="med"/>
+          </a:ln>
+        </p:spPr>
+        <p:txBody>
+          <a:bodyPr lIns="68569" tIns="68569" rIns="68569" bIns="68569" anchor="ctr" anchorCtr="0">
+            <a:noAutofit/>
+          </a:bodyPr>
+          <a:lstStyle/>
+          <a:p>
+            <a:pPr algn="ctr"/>
+            <a:r>
+              <a:rPr lang="en-US" sz="2250" b="1" dirty="0" smtClean="0"/>
+              <a:t>1</a:t>
+            </a:r>
+            <a:endParaRPr lang="en" sz="2250" b="1" dirty="0"/>
+          </a:p>
+        </p:txBody>
+      </p:sp>
+      <p:sp>
+        <p:nvSpPr>
+          <p:cNvPr id="10" name="Shape 81"/>
+          <p:cNvSpPr/>
+          <p:nvPr/>
+        </p:nvSpPr>
+        <p:spPr>
+          <a:xfrm>
+            <a:off x="1369729" y="1747686"/>
+            <a:ext cx="666900" cy="666900"/>
+          </a:xfrm>
+          <a:prstGeom prst="ellipse">
+            <a:avLst/>
+          </a:prstGeom>
+          <a:solidFill>
+            <a:schemeClr val="lt2"/>
+          </a:solidFill>
+          <a:ln w="19050" cap="flat" cmpd="sng">
+            <a:solidFill>
+              <a:schemeClr val="dk2"/>
+            </a:solidFill>
+            <a:prstDash val="solid"/>
+            <a:round/>
+            <a:headEnd type="none" w="med" len="med"/>
+            <a:tailEnd type="none" w="med" len="med"/>
+          </a:ln>
+        </p:spPr>
+        <p:txBody>
+          <a:bodyPr lIns="68569" tIns="68569" rIns="68569" bIns="68569" anchor="ctr" anchorCtr="0">
+            <a:noAutofit/>
+          </a:bodyPr>
+          <a:lstStyle/>
+          <a:p>
+            <a:pPr algn="ctr"/>
+            <a:r>
+              <a:rPr lang="en-US" sz="2250" b="1" dirty="0" smtClean="0"/>
+              <a:t>2</a:t>
+            </a:r>
+            <a:endParaRPr lang="en" sz="2250" b="1" dirty="0"/>
+          </a:p>
+        </p:txBody>
+      </p:sp>
+    </p:spTree>
+    <p:extLst>
+      <p:ext uri="{BB962C8B-B14F-4D97-AF65-F5344CB8AC3E}">
+        <p14:creationId xmlns:p14="http://schemas.microsoft.com/office/powerpoint/2010/main" val="2087792164"/>
+      </p:ext>
+    </p:extLst>
+  </p:cSld>
+  <p:clrMapOvr>
+    <a:masterClrMapping/>
+  </p:clrMapOvr>
+  <p:timing>
+    <p:tnLst>
+      <p:par>
+        <p:cTn id="1" dur="indefinite" restart="never" nodeType="tmRoot"/>
+      </p:par>
+    </p:tnLst>
+  </p:timing>
+</p:sld>
+</file>
+
+<file path=ppt/slides/slide21.xml><?xml version="1.0" encoding="utf-8"?>
+<p:sld xmlns:a="http://schemas.openxmlformats.org/drawingml/2006/main" xmlns:r="http://schemas.openxmlformats.org/officeDocument/2006/relationships" xmlns:p="http://schemas.openxmlformats.org/presentationml/2006/main">
+  <p:cSld>
+    <p:spTree>
+      <p:nvGrpSpPr>
+        <p:cNvPr id="1" name="Shape 2098"/>
+        <p:cNvGrpSpPr/>
+        <p:nvPr/>
+      </p:nvGrpSpPr>
+      <p:grpSpPr>
+        <a:xfrm>
+          <a:off x="0" y="0"/>
+          <a:ext cx="0" cy="0"/>
+          <a:chOff x="0" y="0"/>
+          <a:chExt cx="0" cy="0"/>
+        </a:xfrm>
+      </p:grpSpPr>
+      <p:sp>
+        <p:nvSpPr>
+          <p:cNvPr id="2101" name="Shape 2101"/>
+          <p:cNvSpPr txBox="1">
+            <a:spLocks noGrp="1"/>
+          </p:cNvSpPr>
+          <p:nvPr>
+            <p:ph type="sldNum" idx="12"/>
+          </p:nvPr>
+        </p:nvSpPr>
+        <p:spPr>
+          <a:xfrm>
+            <a:off x="7560595" y="5607102"/>
+            <a:ext cx="411524" cy="393524"/>
+          </a:xfrm>
+          <a:prstGeom prst="rect">
+            <a:avLst/>
+          </a:prstGeom>
+        </p:spPr>
+        <p:txBody>
+          <a:bodyPr lIns="68569" tIns="68569" rIns="68569" bIns="68569" anchor="ctr" anchorCtr="0">
+            <a:noAutofit/>
+          </a:bodyPr>
+          <a:lstStyle/>
+          <a:p>
+            <a:fld id="{00000000-1234-1234-1234-123412341234}" type="slidenum">
+              <a:rPr lang="en"/>
+              <a:pPr/>
+              <a:t>21</a:t>
+            </a:fld>
+            <a:endParaRPr lang="en"/>
+          </a:p>
+        </p:txBody>
+      </p:sp>
+      <p:sp>
+        <p:nvSpPr>
+          <p:cNvPr id="2103" name="Shape 2103"/>
+          <p:cNvSpPr/>
+          <p:nvPr/>
+        </p:nvSpPr>
+        <p:spPr>
+          <a:xfrm>
+            <a:off x="5866126" y="2538789"/>
+            <a:ext cx="803699" cy="333899"/>
+          </a:xfrm>
+          <a:prstGeom prst="rect">
+            <a:avLst/>
+          </a:prstGeom>
+          <a:solidFill>
+            <a:srgbClr val="FFFFFF"/>
+          </a:solidFill>
+          <a:ln w="19050" cap="flat" cmpd="sng">
+            <a:solidFill>
+              <a:srgbClr val="FFFFFF"/>
+            </a:solidFill>
+            <a:prstDash val="solid"/>
+            <a:round/>
+            <a:headEnd type="none" w="med" len="med"/>
+            <a:tailEnd type="none" w="med" len="med"/>
+          </a:ln>
+        </p:spPr>
+        <p:txBody>
+          <a:bodyPr lIns="68569" tIns="68569" rIns="68569" bIns="68569" anchor="ctr" anchorCtr="0">
+            <a:noAutofit/>
+          </a:bodyPr>
+          <a:lstStyle/>
+          <a:p>
+            <a:endParaRPr sz="1350"/>
+          </a:p>
+        </p:txBody>
+      </p:sp>
+      <p:sp>
+        <p:nvSpPr>
+          <p:cNvPr id="2105" name="Shape 2105"/>
+          <p:cNvSpPr/>
+          <p:nvPr/>
+        </p:nvSpPr>
+        <p:spPr>
+          <a:xfrm>
+            <a:off x="7687858" y="2567814"/>
+            <a:ext cx="251099" cy="333899"/>
+          </a:xfrm>
+          <a:prstGeom prst="rect">
+            <a:avLst/>
+          </a:prstGeom>
+          <a:solidFill>
+            <a:srgbClr val="FFFFFF"/>
+          </a:solidFill>
+          <a:ln>
+            <a:noFill/>
+          </a:ln>
+        </p:spPr>
+        <p:txBody>
+          <a:bodyPr lIns="68569" tIns="68569" rIns="68569" bIns="68569" anchor="ctr" anchorCtr="0">
+            <a:noAutofit/>
+          </a:bodyPr>
+          <a:lstStyle/>
+          <a:p>
+            <a:endParaRPr sz="1350"/>
+          </a:p>
+        </p:txBody>
+      </p:sp>
+      <p:sp>
+        <p:nvSpPr>
+          <p:cNvPr id="2106" name="Shape 2106"/>
+          <p:cNvSpPr/>
+          <p:nvPr/>
+        </p:nvSpPr>
+        <p:spPr>
+          <a:xfrm>
+            <a:off x="7597519" y="3127914"/>
+            <a:ext cx="341550" cy="333899"/>
+          </a:xfrm>
+          <a:prstGeom prst="rect">
+            <a:avLst/>
+          </a:prstGeom>
+          <a:solidFill>
+            <a:srgbClr val="FFFFFF"/>
+          </a:solidFill>
+          <a:ln>
+            <a:noFill/>
+          </a:ln>
+        </p:spPr>
+        <p:txBody>
+          <a:bodyPr lIns="68569" tIns="68569" rIns="68569" bIns="68569" anchor="ctr" anchorCtr="0">
+            <a:noAutofit/>
+          </a:bodyPr>
+          <a:lstStyle/>
+          <a:p>
+            <a:endParaRPr sz="1350"/>
+          </a:p>
+        </p:txBody>
+      </p:sp>
+      <p:sp>
+        <p:nvSpPr>
+          <p:cNvPr id="2107" name="Shape 2107"/>
+          <p:cNvSpPr/>
+          <p:nvPr/>
+        </p:nvSpPr>
+        <p:spPr>
+          <a:xfrm>
+            <a:off x="7560600" y="3741188"/>
+            <a:ext cx="341550" cy="165600"/>
+          </a:xfrm>
+          <a:prstGeom prst="rect">
+            <a:avLst/>
+          </a:prstGeom>
+          <a:solidFill>
+            <a:srgbClr val="FFFFFF"/>
+          </a:solidFill>
+          <a:ln>
+            <a:noFill/>
+          </a:ln>
+        </p:spPr>
+        <p:txBody>
+          <a:bodyPr lIns="68569" tIns="68569" rIns="68569" bIns="68569" anchor="ctr" anchorCtr="0">
+            <a:noAutofit/>
+          </a:bodyPr>
+          <a:lstStyle/>
+          <a:p>
+            <a:endParaRPr sz="1350"/>
+          </a:p>
+        </p:txBody>
+      </p:sp>
+      <p:sp>
+        <p:nvSpPr>
+          <p:cNvPr id="2" name="TextBox 1"/>
+          <p:cNvSpPr txBox="1"/>
+          <p:nvPr/>
+        </p:nvSpPr>
+        <p:spPr>
+          <a:xfrm>
+            <a:off x="424358" y="3468793"/>
+            <a:ext cx="3724309" cy="954107"/>
+          </a:xfrm>
+          <a:prstGeom prst="rect">
+            <a:avLst/>
+          </a:prstGeom>
+          <a:noFill/>
+        </p:spPr>
+        <p:txBody>
+          <a:bodyPr wrap="square" rtlCol="0">
+            <a:spAutoFit/>
+          </a:bodyPr>
+          <a:lstStyle/>
+          <a:p>
+            <a:r>
+              <a:rPr lang="en-US" sz="2800" dirty="0">
+                <a:latin typeface="Cambria" charset="0"/>
+                <a:ea typeface="Cambria" charset="0"/>
+                <a:cs typeface="Cambria" charset="0"/>
+              </a:rPr>
+              <a:t>Traffic jam notification system service</a:t>
+            </a:r>
+          </a:p>
+        </p:txBody>
+      </p:sp>
+      <p:pic>
+        <p:nvPicPr>
+          <p:cNvPr id="3" name="Picture 2"/>
+          <p:cNvPicPr>
+            <a:picLocks noChangeAspect="1"/>
+          </p:cNvPicPr>
+          <p:nvPr/>
+        </p:nvPicPr>
+        <p:blipFill>
+          <a:blip r:embed="rId3">
+            <a:extLst>
+              <a:ext uri="{28A0092B-C50C-407E-A947-70E740481C1C}">
+                <a14:useLocalDpi xmlns:a14="http://schemas.microsoft.com/office/drawing/2010/main" val="0"/>
+              </a:ext>
+            </a:extLst>
+          </a:blip>
+          <a:stretch>
+            <a:fillRect/>
+          </a:stretch>
+        </p:blipFill>
+        <p:spPr>
+          <a:xfrm>
+            <a:off x="5279365" y="2642374"/>
+            <a:ext cx="3505973" cy="2626096"/>
+          </a:xfrm>
+          <a:prstGeom prst="rect">
+            <a:avLst/>
+          </a:prstGeom>
+        </p:spPr>
+      </p:pic>
+      <p:sp>
+        <p:nvSpPr>
+          <p:cNvPr id="11" name="Shape 2099"/>
+          <p:cNvSpPr txBox="1">
+            <a:spLocks noGrp="1"/>
+          </p:cNvSpPr>
+          <p:nvPr>
+            <p:ph type="title"/>
+          </p:nvPr>
+        </p:nvSpPr>
+        <p:spPr>
+          <a:xfrm>
+            <a:off x="1515658" y="463201"/>
+            <a:ext cx="6172200" cy="687979"/>
+          </a:xfrm>
+          <a:prstGeom prst="rect">
+            <a:avLst/>
+          </a:prstGeom>
+        </p:spPr>
+        <p:txBody>
+          <a:bodyPr lIns="68569" tIns="68569" rIns="68569" bIns="68569" anchor="b" anchorCtr="0">
+            <a:noAutofit/>
+          </a:bodyPr>
+          <a:lstStyle/>
+          <a:p>
+            <a:r>
+              <a:rPr lang="en" sz="4800" dirty="0"/>
+              <a:t>Future plans</a:t>
+            </a:r>
+          </a:p>
+        </p:txBody>
+      </p:sp>
+      <p:sp>
+        <p:nvSpPr>
+          <p:cNvPr id="12" name="Shape 81"/>
+          <p:cNvSpPr/>
+          <p:nvPr/>
+        </p:nvSpPr>
+        <p:spPr>
+          <a:xfrm>
+            <a:off x="252129" y="1747686"/>
+            <a:ext cx="666900" cy="666900"/>
+          </a:xfrm>
+          <a:prstGeom prst="ellipse">
+            <a:avLst/>
+          </a:prstGeom>
+          <a:solidFill>
+            <a:schemeClr val="lt2"/>
+          </a:solidFill>
+          <a:ln w="19050" cap="flat" cmpd="sng">
+            <a:solidFill>
+              <a:schemeClr val="dk2"/>
+            </a:solidFill>
+            <a:prstDash val="solid"/>
+            <a:round/>
+            <a:headEnd type="none" w="med" len="med"/>
+            <a:tailEnd type="none" w="med" len="med"/>
+          </a:ln>
+        </p:spPr>
+        <p:txBody>
+          <a:bodyPr lIns="68569" tIns="68569" rIns="68569" bIns="68569" anchor="ctr" anchorCtr="0">
+            <a:noAutofit/>
+          </a:bodyPr>
+          <a:lstStyle/>
+          <a:p>
+            <a:pPr algn="ctr"/>
+            <a:r>
+              <a:rPr lang="en-US" sz="2250" b="1" dirty="0" smtClean="0"/>
+              <a:t>1</a:t>
+            </a:r>
+            <a:endParaRPr lang="en" sz="2250" b="1" dirty="0"/>
+          </a:p>
+        </p:txBody>
+      </p:sp>
+      <p:sp>
+        <p:nvSpPr>
+          <p:cNvPr id="13" name="Shape 81"/>
+          <p:cNvSpPr/>
+          <p:nvPr/>
+        </p:nvSpPr>
+        <p:spPr>
+          <a:xfrm>
+            <a:off x="1369729" y="1747686"/>
+            <a:ext cx="666900" cy="666900"/>
+          </a:xfrm>
+          <a:prstGeom prst="ellipse">
+            <a:avLst/>
+          </a:prstGeom>
+          <a:solidFill>
+            <a:schemeClr val="lt2"/>
+          </a:solidFill>
+          <a:ln w="19050" cap="flat" cmpd="sng">
+            <a:solidFill>
+              <a:schemeClr val="dk2"/>
+            </a:solidFill>
+            <a:prstDash val="solid"/>
+            <a:round/>
+            <a:headEnd type="none" w="med" len="med"/>
+            <a:tailEnd type="none" w="med" len="med"/>
+          </a:ln>
+        </p:spPr>
+        <p:txBody>
+          <a:bodyPr lIns="68569" tIns="68569" rIns="68569" bIns="68569" anchor="ctr" anchorCtr="0">
+            <a:noAutofit/>
+          </a:bodyPr>
+          <a:lstStyle/>
+          <a:p>
+            <a:pPr algn="ctr"/>
+            <a:r>
+              <a:rPr lang="en-US" sz="2250" b="1" dirty="0" smtClean="0"/>
+              <a:t>2</a:t>
+            </a:r>
+            <a:endParaRPr lang="en" sz="2250" b="1" dirty="0"/>
+          </a:p>
+        </p:txBody>
+      </p:sp>
+      <p:sp>
+        <p:nvSpPr>
+          <p:cNvPr id="16" name="Shape 81"/>
+          <p:cNvSpPr/>
+          <p:nvPr/>
+        </p:nvSpPr>
+        <p:spPr>
+          <a:xfrm>
+            <a:off x="2487329" y="1747686"/>
+            <a:ext cx="666900" cy="666900"/>
+          </a:xfrm>
+          <a:prstGeom prst="ellipse">
+            <a:avLst/>
+          </a:prstGeom>
+          <a:solidFill>
+            <a:schemeClr val="lt2"/>
+          </a:solidFill>
+          <a:ln w="19050" cap="flat" cmpd="sng">
+            <a:solidFill>
+              <a:schemeClr val="dk2"/>
+            </a:solidFill>
+            <a:prstDash val="solid"/>
+            <a:round/>
+            <a:headEnd type="none" w="med" len="med"/>
+            <a:tailEnd type="none" w="med" len="med"/>
+          </a:ln>
+        </p:spPr>
+        <p:txBody>
+          <a:bodyPr lIns="68569" tIns="68569" rIns="68569" bIns="68569" anchor="ctr" anchorCtr="0">
+            <a:noAutofit/>
+          </a:bodyPr>
+          <a:lstStyle/>
+          <a:p>
+            <a:pPr algn="ctr"/>
+            <a:r>
+              <a:rPr lang="en-US" sz="2250" b="1" dirty="0" smtClean="0"/>
+              <a:t>3</a:t>
+            </a:r>
+            <a:endParaRPr lang="en" sz="2250" b="1" dirty="0"/>
+          </a:p>
+        </p:txBody>
+      </p:sp>
+    </p:spTree>
+    <p:extLst>
+      <p:ext uri="{BB962C8B-B14F-4D97-AF65-F5344CB8AC3E}">
+        <p14:creationId xmlns:p14="http://schemas.microsoft.com/office/powerpoint/2010/main" val="988649069"/>
+      </p:ext>
+    </p:extLst>
+  </p:cSld>
+  <p:clrMapOvr>
+    <a:masterClrMapping/>
+  </p:clrMapOvr>
+  <p:transition spd="slow">
+    <p:cut/>
+  </p:transition>
+  <p:timing>
+    <p:tnLst>
+      <p:par>
+        <p:cTn id="1" dur="indefinite" restart="never" nodeType="tmRoot"/>
+      </p:par>
+    </p:tnLst>
+  </p:timing>
+</p:sld>
+</file>
+
+<file path=ppt/slides/slide22.xml><?xml version="1.0" encoding="utf-8"?>
+<p:sld xmlns:a="http://schemas.openxmlformats.org/drawingml/2006/main" xmlns:r="http://schemas.openxmlformats.org/officeDocument/2006/relationships" xmlns:p="http://schemas.openxmlformats.org/presentationml/2006/main">
+  <p:cSld>
+    <p:spTree>
+      <p:nvGrpSpPr>
+        <p:cNvPr id="1" name="Shape 50"/>
+        <p:cNvGrpSpPr/>
+        <p:nvPr/>
+      </p:nvGrpSpPr>
+      <p:grpSpPr>
+        <a:xfrm>
+          <a:off x="0" y="0"/>
+          <a:ext cx="0" cy="0"/>
+          <a:chOff x="0" y="0"/>
+          <a:chExt cx="0" cy="0"/>
+        </a:xfrm>
+      </p:grpSpPr>
+      <p:sp>
+        <p:nvSpPr>
+          <p:cNvPr id="51" name="Shape 51"/>
+          <p:cNvSpPr txBox="1">
+            <a:spLocks noGrp="1"/>
+          </p:cNvSpPr>
+          <p:nvPr>
+            <p:ph type="body" idx="1"/>
+          </p:nvPr>
+        </p:nvSpPr>
+        <p:spPr>
+          <a:xfrm>
+            <a:off x="905774" y="2101501"/>
+            <a:ext cx="6752420" cy="3630149"/>
+          </a:xfrm>
+          <a:prstGeom prst="rect">
+            <a:avLst/>
+          </a:prstGeom>
+        </p:spPr>
+        <p:txBody>
+          <a:bodyPr lIns="68569" tIns="68569" rIns="68569" bIns="68569" anchor="t" anchorCtr="0">
+            <a:noAutofit/>
+          </a:bodyPr>
+          <a:lstStyle/>
+          <a:p>
+            <a:pPr marL="342900" indent="-171450">
+              <a:buAutoNum type="arabicPeriod"/>
+            </a:pPr>
+            <a:r>
+              <a:rPr lang="en" sz="2800" dirty="0">
+                <a:latin typeface="Cambria" charset="0"/>
+                <a:ea typeface="Cambria" charset="0"/>
+                <a:cs typeface="Cambria" charset="0"/>
+              </a:rPr>
+              <a:t>Problems</a:t>
+            </a:r>
+          </a:p>
+          <a:p>
+            <a:pPr marL="342900" indent="-171450">
+              <a:buAutoNum type="arabicPeriod"/>
+            </a:pPr>
+            <a:r>
+              <a:rPr lang="en" sz="2800" dirty="0">
+                <a:latin typeface="Cambria" charset="0"/>
+                <a:ea typeface="Cambria" charset="0"/>
+                <a:cs typeface="Cambria" charset="0"/>
+              </a:rPr>
+              <a:t>Solution</a:t>
+            </a:r>
+          </a:p>
+          <a:p>
+            <a:pPr marL="342900" indent="-171450">
+              <a:buAutoNum type="arabicPeriod"/>
+            </a:pPr>
+            <a:r>
+              <a:rPr lang="en" sz="2800" dirty="0">
+                <a:latin typeface="Cambria" charset="0"/>
+                <a:ea typeface="Cambria" charset="0"/>
+                <a:cs typeface="Cambria" charset="0"/>
+              </a:rPr>
+              <a:t>Feature explanation and demo</a:t>
+            </a:r>
+          </a:p>
+          <a:p>
+            <a:pPr marL="685800" lvl="1" indent="-171450">
+              <a:buAutoNum type="alphaLcPeriod"/>
+            </a:pPr>
+            <a:r>
+              <a:rPr lang="vi-VN" sz="2800" dirty="0">
+                <a:latin typeface="Cambria" charset="0"/>
+                <a:ea typeface="Cambria" charset="0"/>
+                <a:cs typeface="Cambria" charset="0"/>
+              </a:rPr>
+              <a:t>Search motorbike four points</a:t>
+            </a:r>
+            <a:endParaRPr lang="en" sz="2800" dirty="0">
+              <a:latin typeface="Cambria" charset="0"/>
+              <a:ea typeface="Cambria" charset="0"/>
+              <a:cs typeface="Cambria" charset="0"/>
+            </a:endParaRPr>
+          </a:p>
+          <a:p>
+            <a:pPr marL="685800" lvl="1" indent="-171450">
+              <a:buAutoNum type="alphaLcPeriod"/>
+            </a:pPr>
+            <a:r>
+              <a:rPr lang="vi-VN" sz="2800" dirty="0">
+                <a:latin typeface="Cambria" charset="0"/>
+                <a:ea typeface="Cambria" charset="0"/>
+                <a:cs typeface="Cambria" charset="0"/>
+              </a:rPr>
+              <a:t>Tracking motorbike’s route and notify</a:t>
+            </a:r>
+            <a:endParaRPr lang="en" sz="2800" dirty="0">
+              <a:latin typeface="Cambria" charset="0"/>
+              <a:ea typeface="Cambria" charset="0"/>
+              <a:cs typeface="Cambria" charset="0"/>
+            </a:endParaRPr>
+          </a:p>
+          <a:p>
+            <a:pPr marL="685800" lvl="1" indent="-171450">
+              <a:buAutoNum type="alphaLcPeriod"/>
+            </a:pPr>
+            <a:r>
+              <a:rPr lang="vi-VN" sz="2800" dirty="0">
+                <a:latin typeface="Cambria" charset="0"/>
+                <a:ea typeface="Cambria" charset="0"/>
+                <a:cs typeface="Cambria" charset="0"/>
+              </a:rPr>
+              <a:t>View notification on wear</a:t>
+            </a:r>
+          </a:p>
+          <a:p>
+            <a:pPr marL="685800" lvl="1" indent="-171450">
+              <a:buAutoNum type="alphaLcPeriod"/>
+            </a:pPr>
+            <a:r>
+              <a:rPr lang="vi-VN" sz="2800" dirty="0">
+                <a:latin typeface="Cambria" charset="0"/>
+                <a:ea typeface="Cambria" charset="0"/>
+                <a:cs typeface="Cambria" charset="0"/>
+              </a:rPr>
+              <a:t>Detect wrong route and recommend another route.</a:t>
+            </a:r>
+            <a:endParaRPr lang="en" sz="2800" dirty="0">
+              <a:latin typeface="Cambria" charset="0"/>
+              <a:ea typeface="Cambria" charset="0"/>
+              <a:cs typeface="Cambria" charset="0"/>
+            </a:endParaRPr>
+          </a:p>
+          <a:p>
+            <a:pPr marL="685800" lvl="1" indent="-171450">
+              <a:buAutoNum type="alphaLcPeriod"/>
+            </a:pPr>
+            <a:r>
+              <a:rPr lang="vi-VN" sz="2800" dirty="0">
+                <a:latin typeface="Cambria" charset="0"/>
+                <a:ea typeface="Cambria" charset="0"/>
+                <a:cs typeface="Cambria" charset="0"/>
+              </a:rPr>
+              <a:t>Search bus four points by using voice</a:t>
+            </a:r>
+            <a:endParaRPr lang="en" sz="2800" dirty="0">
+              <a:latin typeface="Cambria" charset="0"/>
+              <a:ea typeface="Cambria" charset="0"/>
+              <a:cs typeface="Cambria" charset="0"/>
+            </a:endParaRPr>
+          </a:p>
+          <a:p>
+            <a:pPr marL="342900" indent="-171450">
+              <a:buAutoNum type="arabicPeriod"/>
+            </a:pPr>
+            <a:r>
+              <a:rPr lang="en" sz="2800" dirty="0">
+                <a:latin typeface="Cambria" charset="0"/>
+                <a:ea typeface="Cambria" charset="0"/>
+                <a:cs typeface="Cambria" charset="0"/>
+              </a:rPr>
+              <a:t>Future plan</a:t>
+            </a:r>
+          </a:p>
+        </p:txBody>
+      </p:sp>
+      <p:sp>
+        <p:nvSpPr>
+          <p:cNvPr id="52" name="Shape 52"/>
+          <p:cNvSpPr txBox="1">
+            <a:spLocks noGrp="1"/>
+          </p:cNvSpPr>
+          <p:nvPr>
+            <p:ph type="title"/>
+          </p:nvPr>
+        </p:nvSpPr>
+        <p:spPr>
+          <a:xfrm>
+            <a:off x="1485994" y="352028"/>
+            <a:ext cx="6172200" cy="857250"/>
+          </a:xfrm>
+          <a:prstGeom prst="rect">
+            <a:avLst/>
+          </a:prstGeom>
+        </p:spPr>
+        <p:txBody>
+          <a:bodyPr lIns="68569" tIns="68569" rIns="68569" bIns="68569" anchor="b" anchorCtr="0">
+            <a:noAutofit/>
+          </a:bodyPr>
+          <a:lstStyle/>
+          <a:p>
+            <a:r>
+              <a:rPr lang="en" sz="4800" dirty="0"/>
+              <a:t>Overview</a:t>
+            </a:r>
+          </a:p>
+        </p:txBody>
+      </p:sp>
+      <p:sp>
+        <p:nvSpPr>
+          <p:cNvPr id="53" name="Shape 53"/>
+          <p:cNvSpPr txBox="1">
+            <a:spLocks noGrp="1"/>
+          </p:cNvSpPr>
+          <p:nvPr>
+            <p:ph type="sldNum" idx="12"/>
+          </p:nvPr>
+        </p:nvSpPr>
+        <p:spPr>
+          <a:xfrm>
+            <a:off x="7560595" y="5607102"/>
+            <a:ext cx="411524" cy="393524"/>
+          </a:xfrm>
+          <a:prstGeom prst="rect">
+            <a:avLst/>
+          </a:prstGeom>
+        </p:spPr>
+        <p:txBody>
+          <a:bodyPr lIns="68569" tIns="68569" rIns="68569" bIns="68569" anchor="ctr" anchorCtr="0">
+            <a:noAutofit/>
+          </a:bodyPr>
+          <a:lstStyle/>
+          <a:p>
+            <a:fld id="{00000000-1234-1234-1234-123412341234}" type="slidenum">
+              <a:rPr lang="en"/>
+              <a:pPr/>
+              <a:t>22</a:t>
+            </a:fld>
+            <a:endParaRPr lang="en"/>
+          </a:p>
+        </p:txBody>
+      </p:sp>
+    </p:spTree>
+    <p:extLst>
+      <p:ext uri="{BB962C8B-B14F-4D97-AF65-F5344CB8AC3E}">
+        <p14:creationId xmlns:p14="http://schemas.microsoft.com/office/powerpoint/2010/main" val="1224110326"/>
+      </p:ext>
+    </p:extLst>
+  </p:cSld>
+  <p:clrMapOvr>
+    <a:masterClrMapping/>
+  </p:clrMapOvr>
+  <p:transition spd="slow">
+    <p:cut/>
+  </p:transition>
+  <p:timing>
+    <p:tnLst>
+      <p:par>
+        <p:cTn id="1" dur="indefinite" restart="never" nodeType="tmRoot"/>
+      </p:par>
+    </p:tnLst>
+  </p:timing>
+</p:sld>
+</file>
+
+<file path=ppt/slides/slide23.xml><?xml version="1.0" encoding="utf-8"?>
+<p:sld xmlns:a="http://schemas.openxmlformats.org/drawingml/2006/main" xmlns:r="http://schemas.openxmlformats.org/officeDocument/2006/relationships" xmlns:p="http://schemas.openxmlformats.org/presentationml/2006/main">
+  <p:cSld>
+    <p:spTree>
+      <p:nvGrpSpPr>
         <p:cNvPr id="1" name="Shape 2118"/>
         <p:cNvGrpSpPr/>
         <p:nvPr/>
@@ -16481,7 +19873,7 @@
             <a:fld id="{00000000-1234-1234-1234-123412341234}" type="slidenum">
               <a:rPr lang="en"/>
               <a:pPr/>
-              <a:t>20</a:t>
+              <a:t>23</a:t>
             </a:fld>
             <a:endParaRPr lang="en"/>
           </a:p>
@@ -17479,18 +20871,18 @@
       </p:grpSpPr>
       <p:sp>
         <p:nvSpPr>
-          <p:cNvPr id="149" name="Shape 149"/>
+          <p:cNvPr id="135" name="Shape 135"/>
           <p:cNvSpPr>
             <a:spLocks noGrp="1"/>
           </p:cNvSpPr>
           <p:nvPr>
-            <p:ph type="body" sz="quarter" idx="1"/>
+            <p:ph type="title"/>
           </p:nvPr>
         </p:nvSpPr>
         <p:spPr>
           <a:xfrm>
-            <a:off x="861332" y="4506685"/>
-            <a:ext cx="7886701" cy="796019"/>
+            <a:off x="318408" y="1131094"/>
+            <a:ext cx="8425543" cy="994172"/>
           </a:xfrm>
           <a:prstGeom prst="rect">
             <a:avLst/>
@@ -17498,12 +20890,10 @@
         </p:spPr>
         <p:txBody>
           <a:bodyPr>
-            <a:normAutofit fontScale="92500" lnSpcReduction="20000"/>
+            <a:normAutofit fontScale="90000"/>
           </a:bodyPr>
           <a:lstStyle>
-            <a:lvl1pPr marL="0" indent="0">
-              <a:buSzTx/>
-              <a:buNone/>
+            <a:lvl1pPr>
               <a:defRPr sz="3600">
                 <a:latin typeface="Cambria"/>
                 <a:ea typeface="Cambria"/>
@@ -17514,46 +20904,294 @@
           </a:lstStyle>
           <a:p>
             <a:r>
-              <a:rPr dirty="0"/>
-              <a:t>Our team provides solutions to fix 3 above problems.</a:t>
-            </a:r>
-          </a:p>
-        </p:txBody>
-      </p:sp>
-      <p:pic>
-        <p:nvPicPr>
-          <p:cNvPr id="150" name="image4.jpg"/>
-          <p:cNvPicPr>
-            <a:picLocks noChangeAspect="1"/>
-          </p:cNvPicPr>
+              <a:t>Problem 1: Missing Routing assist mobile application</a:t>
+            </a:r>
+          </a:p>
+        </p:txBody>
+      </p:sp>
+      <p:sp>
+        <p:nvSpPr>
+          <p:cNvPr id="136" name="Shape 136"/>
+          <p:cNvSpPr/>
           <p:nvPr/>
-        </p:nvPicPr>
-        <p:blipFill>
-          <a:blip r:embed="rId2">
-            <a:extLst/>
-          </a:blip>
-          <a:srcRect b="21104"/>
-          <a:stretch>
-            <a:fillRect/>
-          </a:stretch>
-        </p:blipFill>
+        </p:nvSpPr>
+        <p:spPr>
+          <a:xfrm flipV="1">
+            <a:off x="0" y="1996167"/>
+            <a:ext cx="9144001" cy="24494"/>
+          </a:xfrm>
+          <a:prstGeom prst="line">
+            <a:avLst/>
+          </a:prstGeom>
+          <a:ln w="22225">
+            <a:solidFill>
+              <a:schemeClr val="accent1"/>
+            </a:solidFill>
+            <a:miter/>
+          </a:ln>
+        </p:spPr>
+        <p:txBody>
+          <a:bodyPr lIns="34289" rIns="34289"/>
+          <a:lstStyle/>
+          <a:p>
+            <a:pPr hangingPunct="0"/>
+            <a:endParaRPr sz="1350" kern="0">
+              <a:solidFill>
+                <a:srgbClr val="000000"/>
+              </a:solidFill>
+              <a:latin typeface="Calibri"/>
+              <a:ea typeface="Calibri"/>
+              <a:cs typeface="Calibri"/>
+              <a:sym typeface="Calibri"/>
+            </a:endParaRPr>
+          </a:p>
+        </p:txBody>
+      </p:sp>
+      <p:sp>
+        <p:nvSpPr>
+          <p:cNvPr id="137" name="Shape 137"/>
+          <p:cNvSpPr>
+            <a:spLocks noGrp="1"/>
+          </p:cNvSpPr>
+          <p:nvPr>
+            <p:ph type="body" idx="1"/>
+          </p:nvPr>
+        </p:nvSpPr>
         <p:spPr>
           <a:xfrm>
-            <a:off x="947057" y="857250"/>
-            <a:ext cx="7543801" cy="2975884"/>
+            <a:off x="224517" y="2238715"/>
+            <a:ext cx="8788856" cy="3651818"/>
           </a:xfrm>
           <a:prstGeom prst="rect">
             <a:avLst/>
           </a:prstGeom>
-          <a:ln w="12700">
-            <a:miter lim="400000"/>
-          </a:ln>
-        </p:spPr>
-      </p:pic>
+        </p:spPr>
+        <p:txBody>
+          <a:bodyPr>
+            <a:normAutofit fontScale="77500" lnSpcReduction="20000"/>
+          </a:bodyPr>
+          <a:lstStyle/>
+          <a:p>
+            <a:pPr marL="156020" indent="-156020" defTabSz="624078">
+              <a:spcBef>
+                <a:spcPts val="675"/>
+              </a:spcBef>
+              <a:defRPr sz="2366">
+                <a:solidFill>
+                  <a:srgbClr val="C00000"/>
+                </a:solidFill>
+                <a:latin typeface="Cambria"/>
+                <a:ea typeface="Cambria"/>
+                <a:cs typeface="Cambria"/>
+                <a:sym typeface="Cambria"/>
+              </a:defRPr>
+            </a:pPr>
+            <a:r>
+              <a:t>Currently mobile application on market:</a:t>
+            </a:r>
+          </a:p>
+          <a:p>
+            <a:pPr marL="468059" lvl="1" indent="-156020" defTabSz="624078">
+              <a:spcBef>
+                <a:spcPts val="300"/>
+              </a:spcBef>
+              <a:defRPr sz="2366">
+                <a:solidFill>
+                  <a:srgbClr val="0070C0"/>
+                </a:solidFill>
+                <a:latin typeface="Cambria"/>
+                <a:ea typeface="Cambria"/>
+                <a:cs typeface="Cambria"/>
+                <a:sym typeface="Cambria"/>
+              </a:defRPr>
+            </a:pPr>
+            <a:r>
+              <a:t>BusMap:</a:t>
+            </a:r>
+            <a:r>
+              <a:rPr>
+                <a:solidFill>
+                  <a:srgbClr val="000000"/>
+                </a:solidFill>
+              </a:rPr>
+              <a:t> offcial mobile application of Ho Chi Minh Ministry of Communications and Transport that support finding bus route.   </a:t>
+            </a:r>
+            <a:endParaRPr sz="1638"/>
+          </a:p>
+          <a:p>
+            <a:pPr marL="468059" lvl="1" indent="-156020" defTabSz="624078">
+              <a:spcBef>
+                <a:spcPts val="300"/>
+              </a:spcBef>
+              <a:defRPr sz="2366">
+                <a:solidFill>
+                  <a:srgbClr val="0070C0"/>
+                </a:solidFill>
+                <a:latin typeface="Cambria"/>
+                <a:ea typeface="Cambria"/>
+                <a:cs typeface="Cambria"/>
+                <a:sym typeface="Cambria"/>
+              </a:defRPr>
+            </a:pPr>
+            <a:r>
+              <a:t>Google Map:</a:t>
+            </a:r>
+            <a:r>
+              <a:rPr>
+                <a:solidFill>
+                  <a:srgbClr val="000000"/>
+                </a:solidFill>
+              </a:rPr>
+              <a:t> supporting finding bus route and motorbike route.</a:t>
+            </a:r>
+          </a:p>
+          <a:p>
+            <a:pPr marL="156020" indent="-156020" defTabSz="624078">
+              <a:spcBef>
+                <a:spcPts val="675"/>
+              </a:spcBef>
+              <a:defRPr sz="2366">
+                <a:solidFill>
+                  <a:srgbClr val="C00000"/>
+                </a:solidFill>
+                <a:latin typeface="Cambria"/>
+                <a:ea typeface="Cambria"/>
+                <a:cs typeface="Cambria"/>
+                <a:sym typeface="Cambria"/>
+              </a:defRPr>
+            </a:pPr>
+            <a:r>
+              <a:t>Limitation:</a:t>
+            </a:r>
+          </a:p>
+          <a:p>
+            <a:pPr marL="468059" lvl="1" indent="-156020" defTabSz="624078">
+              <a:spcBef>
+                <a:spcPts val="300"/>
+              </a:spcBef>
+              <a:defRPr sz="2366">
+                <a:solidFill>
+                  <a:srgbClr val="0070C0"/>
+                </a:solidFill>
+                <a:latin typeface="Cambria"/>
+                <a:ea typeface="Cambria"/>
+                <a:cs typeface="Cambria"/>
+                <a:sym typeface="Cambria"/>
+              </a:defRPr>
+            </a:pPr>
+            <a:r>
+              <a:t>BusMap:</a:t>
+            </a:r>
+            <a:r>
+              <a:rPr>
+                <a:solidFill>
+                  <a:srgbClr val="000000"/>
+                </a:solidFill>
+              </a:rPr>
+              <a:t> just support finding bus route. Algorithm isn't well and doesn’t have some useful search conditions such as number of transfers, departure time or arrival time.   </a:t>
+            </a:r>
+          </a:p>
+          <a:p>
+            <a:pPr marL="468059" lvl="1" indent="-156020" defTabSz="624078">
+              <a:spcBef>
+                <a:spcPts val="300"/>
+              </a:spcBef>
+              <a:defRPr sz="2366">
+                <a:solidFill>
+                  <a:srgbClr val="0070C0"/>
+                </a:solidFill>
+                <a:latin typeface="Cambria"/>
+                <a:ea typeface="Cambria"/>
+                <a:cs typeface="Cambria"/>
+                <a:sym typeface="Cambria"/>
+              </a:defRPr>
+            </a:pPr>
+            <a:r>
+              <a:t>Google Map:</a:t>
+            </a:r>
+            <a:r>
+              <a:rPr>
+                <a:solidFill>
+                  <a:srgbClr val="000000"/>
+                </a:solidFill>
+              </a:rPr>
+              <a:t> </a:t>
+            </a:r>
+          </a:p>
+          <a:p>
+            <a:pPr marL="780098" lvl="2" indent="-156020" defTabSz="624078">
+              <a:spcBef>
+                <a:spcPts val="300"/>
+              </a:spcBef>
+              <a:defRPr sz="2366">
+                <a:solidFill>
+                  <a:srgbClr val="0070C0"/>
+                </a:solidFill>
+                <a:latin typeface="Cambria"/>
+                <a:ea typeface="Cambria"/>
+                <a:cs typeface="Cambria"/>
+                <a:sym typeface="Cambria"/>
+              </a:defRPr>
+            </a:pPr>
+            <a:r>
+              <a:rPr>
+                <a:solidFill>
+                  <a:srgbClr val="000000"/>
+                </a:solidFill>
+              </a:rPr>
+              <a:t>Just support finding route. Google Map doesn't assist customer when participating traffic such as notify message when near next bus station, or near one motorbike turn. So customer must often look up to phone to know where they are on map.</a:t>
+            </a:r>
+          </a:p>
+          <a:p>
+            <a:pPr marL="780098" lvl="2" indent="-156020" defTabSz="624078">
+              <a:spcBef>
+                <a:spcPts val="300"/>
+              </a:spcBef>
+              <a:defRPr sz="2366">
+                <a:solidFill>
+                  <a:schemeClr val="accent2">
+                    <a:satOff val="-18194"/>
+                    <a:lumOff val="-11215"/>
+                  </a:schemeClr>
+                </a:solidFill>
+                <a:latin typeface="Cambria"/>
+                <a:ea typeface="Cambria"/>
+                <a:cs typeface="Cambria"/>
+                <a:sym typeface="Cambria"/>
+              </a:defRPr>
+            </a:pPr>
+            <a:r>
+              <a:t>Alert message when customer goes wrong way.  </a:t>
+            </a:r>
+          </a:p>
+          <a:p>
+            <a:pPr marL="780098" lvl="2" indent="-156020" defTabSz="624078">
+              <a:spcBef>
+                <a:spcPts val="300"/>
+              </a:spcBef>
+              <a:defRPr sz="2366">
+                <a:solidFill>
+                  <a:schemeClr val="accent2">
+                    <a:satOff val="-18194"/>
+                    <a:lumOff val="-11215"/>
+                  </a:schemeClr>
+                </a:solidFill>
+                <a:latin typeface="Cambria"/>
+                <a:ea typeface="Cambria"/>
+                <a:cs typeface="Cambria"/>
+                <a:sym typeface="Cambria"/>
+              </a:defRPr>
+            </a:pPr>
+            <a:r>
+              <a:t>Not support map offline. Customer must have 3G when participating traffic.</a:t>
+            </a:r>
+          </a:p>
+        </p:txBody>
+      </p:sp>
     </p:spTree>
     <p:extLst>
       <p:ext uri="{BB962C8B-B14F-4D97-AF65-F5344CB8AC3E}">
-        <p14:creationId xmlns:p14="http://schemas.microsoft.com/office/powerpoint/2010/main" val="121073408"/>
+        <p14:creationId xmlns:p14="http://schemas.microsoft.com/office/powerpoint/2010/main" val="2126414617"/>
       </p:ext>
     </p:extLst>
   </p:cSld>
@@ -17583,7 +21221,7 @@
       </p:grpSpPr>
       <p:sp>
         <p:nvSpPr>
-          <p:cNvPr id="152" name="Shape 152"/>
+          <p:cNvPr id="139" name="Shape 139"/>
           <p:cNvSpPr>
             <a:spLocks noGrp="1"/>
           </p:cNvSpPr>
@@ -17592,12 +21230,18 @@
           </p:nvPr>
         </p:nvSpPr>
         <p:spPr>
+          <a:xfrm>
+            <a:off x="628650" y="1001996"/>
+            <a:ext cx="7886700" cy="994172"/>
+          </a:xfrm>
           <a:prstGeom prst="rect">
             <a:avLst/>
           </a:prstGeom>
         </p:spPr>
         <p:txBody>
-          <a:bodyPr/>
+          <a:bodyPr>
+            <a:normAutofit fontScale="90000"/>
+          </a:bodyPr>
           <a:lstStyle>
             <a:lvl1pPr>
               <a:defRPr sz="3600">
@@ -17610,38 +21254,105 @@
           </a:lstStyle>
           <a:p>
             <a:r>
-              <a:t>Providing a routing assist mobile application</a:t>
-            </a:r>
-          </a:p>
-        </p:txBody>
-      </p:sp>
-      <p:sp>
-        <p:nvSpPr>
-          <p:cNvPr id="153" name="Shape 153"/>
+              <a:t>Problem 2: Supporting view result on wear device</a:t>
+            </a:r>
+          </a:p>
+        </p:txBody>
+      </p:sp>
+      <p:sp>
+        <p:nvSpPr>
+          <p:cNvPr id="140" name="Shape 140"/>
+          <p:cNvSpPr/>
+          <p:nvPr/>
+        </p:nvSpPr>
+        <p:spPr>
+          <a:xfrm flipV="1">
+            <a:off x="0" y="1812470"/>
+            <a:ext cx="9144001" cy="24494"/>
+          </a:xfrm>
+          <a:prstGeom prst="line">
+            <a:avLst/>
+          </a:prstGeom>
+          <a:ln w="22225">
+            <a:solidFill>
+              <a:schemeClr val="accent1"/>
+            </a:solidFill>
+            <a:miter/>
+          </a:ln>
+        </p:spPr>
+        <p:txBody>
+          <a:bodyPr lIns="34289" rIns="34289"/>
+          <a:lstStyle/>
+          <a:p>
+            <a:pPr hangingPunct="0"/>
+            <a:endParaRPr sz="1350" kern="0">
+              <a:solidFill>
+                <a:srgbClr val="000000"/>
+              </a:solidFill>
+              <a:latin typeface="Calibri"/>
+              <a:ea typeface="Calibri"/>
+              <a:cs typeface="Calibri"/>
+              <a:sym typeface="Calibri"/>
+            </a:endParaRPr>
+          </a:p>
+        </p:txBody>
+      </p:sp>
+      <p:pic>
+        <p:nvPicPr>
+          <p:cNvPr id="141" name="image2.jpg"/>
+          <p:cNvPicPr>
+            <a:picLocks noChangeAspect="1"/>
+          </p:cNvPicPr>
+          <p:nvPr/>
+        </p:nvPicPr>
+        <p:blipFill>
+          <a:blip r:embed="rId2">
+            <a:extLst/>
+          </a:blip>
+          <a:stretch>
+            <a:fillRect/>
+          </a:stretch>
+        </p:blipFill>
+        <p:spPr>
+          <a:xfrm>
+            <a:off x="6207272" y="4122595"/>
+            <a:ext cx="1692121" cy="1692121"/>
+          </a:xfrm>
+          <a:prstGeom prst="rect">
+            <a:avLst/>
+          </a:prstGeom>
+          <a:ln w="12700">
+            <a:miter lim="400000"/>
+          </a:ln>
+        </p:spPr>
+      </p:pic>
+      <p:sp>
+        <p:nvSpPr>
+          <p:cNvPr id="142" name="Shape 142"/>
           <p:cNvSpPr>
             <a:spLocks noGrp="1"/>
           </p:cNvSpPr>
           <p:nvPr>
-            <p:ph type="body" idx="1"/>
+            <p:ph type="body" sz="half" idx="1"/>
           </p:nvPr>
         </p:nvSpPr>
         <p:spPr>
           <a:xfrm>
-            <a:off x="142336" y="2057400"/>
-            <a:ext cx="8863642" cy="3725775"/>
+            <a:off x="542925" y="1996167"/>
+            <a:ext cx="7886700" cy="2130881"/>
           </a:xfrm>
           <a:prstGeom prst="rect">
             <a:avLst/>
           </a:prstGeom>
         </p:spPr>
         <p:txBody>
-          <a:bodyPr/>
+          <a:bodyPr>
+            <a:normAutofit fontScale="85000" lnSpcReduction="20000"/>
+          </a:bodyPr>
           <a:lstStyle/>
           <a:p>
-            <a:pPr marL="342900" indent="-342900">
-              <a:buFont typeface="Wingdings" charset="2"/>
-              <a:buChar char="ü"/>
-              <a:defRPr>
+            <a:pPr>
+              <a:defRPr sz="2600">
                 <a:latin typeface="Cambria"/>
                 <a:ea typeface="Cambria"/>
                 <a:cs typeface="Cambria"/>
@@ -17649,15 +21360,15 @@
               </a:defRPr>
             </a:pPr>
             <a:r>
-              <a:rPr dirty="0"/>
-              <a:t>Supporting search bus route and motorbike route from two points to four points.</a:t>
-            </a:r>
-          </a:p>
-          <a:p>
-            <a:pPr marL="342900" indent="-342900">
-              <a:buFont typeface="Wingdings" charset="2"/>
-              <a:buChar char="ü"/>
-              <a:defRPr>
+              <a:t>Currently market doesn’t have any routing assist mobile applications that supporting display result and notify message on wear. This function has some advantages:</a:t>
+            </a:r>
+          </a:p>
+          <a:p>
+            <a:pPr marL="514350" lvl="1" indent="-171450">
+              <a:spcBef>
+                <a:spcPts val="375"/>
+              </a:spcBef>
+              <a:defRPr sz="2600">
                 <a:latin typeface="Cambria"/>
                 <a:ea typeface="Cambria"/>
                 <a:cs typeface="Cambria"/>
@@ -17665,26 +21376,16 @@
               </a:defRPr>
             </a:pPr>
             <a:r>
-              <a:rPr lang="en-US" dirty="0" smtClean="0"/>
-              <a:t>Supporting routing by message at every bus station or motorbike turn</a:t>
-            </a:r>
-            <a:r>
-              <a:rPr dirty="0" smtClean="0"/>
-              <a:t>.</a:t>
-            </a:r>
-            <a:endParaRPr dirty="0"/>
-          </a:p>
-          <a:p>
-            <a:pPr marL="342900" indent="-342900">
-              <a:buFont typeface="Wingdings" charset="2"/>
-              <a:buChar char="ü"/>
-              <a:defRPr>
-                <a:solidFill>
-                  <a:schemeClr val="accent2">
-                    <a:satOff val="-18194"/>
-                    <a:lumOff val="-11215"/>
-                  </a:schemeClr>
-                </a:solidFill>
+              <a:t>Customers don’t need to open phone when they’re on street so they can eliminate accident when participating traffic.</a:t>
+            </a:r>
+            <a:endParaRPr sz="1800"/>
+          </a:p>
+          <a:p>
+            <a:pPr marL="514350" lvl="1" indent="-171450">
+              <a:spcBef>
+                <a:spcPts val="375"/>
+              </a:spcBef>
+              <a:defRPr sz="2600">
                 <a:latin typeface="Cambria"/>
                 <a:ea typeface="Cambria"/>
                 <a:cs typeface="Cambria"/>
@@ -17692,125 +21393,15 @@
               </a:defRPr>
             </a:pPr>
             <a:r>
-              <a:rPr dirty="0">
-                <a:solidFill>
-                  <a:schemeClr val="tx1"/>
-                </a:solidFill>
-              </a:rPr>
-              <a:t>Wrong-way </a:t>
-            </a:r>
-            <a:r>
-              <a:rPr lang="en-US" dirty="0" smtClean="0">
-                <a:solidFill>
-                  <a:schemeClr val="tx1"/>
-                </a:solidFill>
-              </a:rPr>
-              <a:t>detection </a:t>
-            </a:r>
-            <a:r>
-              <a:rPr dirty="0" smtClean="0">
-                <a:solidFill>
-                  <a:schemeClr val="tx1"/>
-                </a:solidFill>
-              </a:rPr>
-              <a:t>system</a:t>
-            </a:r>
-            <a:r>
-              <a:rPr lang="en-US" dirty="0" smtClean="0">
-                <a:solidFill>
-                  <a:schemeClr val="tx1"/>
-                </a:solidFill>
-              </a:rPr>
-              <a:t>.</a:t>
-            </a:r>
-            <a:endParaRPr dirty="0">
-              <a:solidFill>
-                <a:schemeClr val="tx1"/>
-              </a:solidFill>
-            </a:endParaRPr>
-          </a:p>
-          <a:p>
-            <a:pPr marL="342900" indent="-342900">
-              <a:buFont typeface="Wingdings" charset="2"/>
-              <a:buChar char="ü"/>
-              <a:defRPr>
-                <a:solidFill>
-                  <a:schemeClr val="accent2">
-                    <a:satOff val="-18194"/>
-                    <a:lumOff val="-11215"/>
-                  </a:schemeClr>
-                </a:solidFill>
-                <a:latin typeface="Cambria"/>
-                <a:ea typeface="Cambria"/>
-                <a:cs typeface="Cambria"/>
-                <a:sym typeface="Cambria"/>
-              </a:defRPr>
-            </a:pPr>
-            <a:r>
-              <a:rPr dirty="0">
-                <a:solidFill>
-                  <a:schemeClr val="tx1"/>
-                </a:solidFill>
-              </a:rPr>
-              <a:t>Supporting map </a:t>
-            </a:r>
-            <a:r>
-              <a:rPr dirty="0" smtClean="0">
-                <a:solidFill>
-                  <a:schemeClr val="tx1"/>
-                </a:solidFill>
-              </a:rPr>
-              <a:t>offline</a:t>
-            </a:r>
-            <a:r>
-              <a:rPr lang="en-US" dirty="0" smtClean="0">
-                <a:solidFill>
-                  <a:schemeClr val="tx1"/>
-                </a:solidFill>
-              </a:rPr>
-              <a:t>.</a:t>
-            </a:r>
-            <a:endParaRPr dirty="0">
-              <a:solidFill>
-                <a:schemeClr val="tx1"/>
-              </a:solidFill>
-            </a:endParaRPr>
-          </a:p>
-        </p:txBody>
-      </p:sp>
-      <p:sp>
-        <p:nvSpPr>
-          <p:cNvPr id="154" name="Shape 154"/>
-          <p:cNvSpPr/>
-          <p:nvPr/>
-        </p:nvSpPr>
-        <p:spPr>
-          <a:xfrm flipV="1">
-            <a:off x="0" y="1910442"/>
-            <a:ext cx="9144001" cy="24494"/>
-          </a:xfrm>
-          <a:prstGeom prst="line">
-            <a:avLst/>
-          </a:prstGeom>
-          <a:ln w="22225">
-            <a:solidFill>
-              <a:schemeClr val="accent1"/>
-            </a:solidFill>
-            <a:miter/>
-          </a:ln>
-        </p:spPr>
-        <p:txBody>
-          <a:bodyPr lIns="34289" rIns="34289"/>
-          <a:lstStyle/>
-          <a:p>
-            <a:endParaRPr sz="1350"/>
+              <a:t>When customers are near a bus station or a motorbike turn, wear will show message so customer easily understand how to do next.</a:t>
+            </a:r>
           </a:p>
         </p:txBody>
       </p:sp>
     </p:spTree>
     <p:extLst>
       <p:ext uri="{BB962C8B-B14F-4D97-AF65-F5344CB8AC3E}">
-        <p14:creationId xmlns:p14="http://schemas.microsoft.com/office/powerpoint/2010/main" val="413704525"/>
+        <p14:creationId xmlns:p14="http://schemas.microsoft.com/office/powerpoint/2010/main" val="227614545"/>
       </p:ext>
     </p:extLst>
   </p:cSld>
@@ -17818,13 +21409,6 @@
     <a:masterClrMapping/>
   </p:clrMapOvr>
   <p:transition spd="slow"/>
-  <p:timing>
-    <p:tnLst>
-      <p:par>
-        <p:cTn id="1" dur="indefinite" restart="never" nodeType="tmRoot"/>
-      </p:par>
-    </p:tnLst>
-  </p:timing>
 </p:sld>
 </file>
 
@@ -17847,7 +21431,7 @@
       </p:grpSpPr>
       <p:sp>
         <p:nvSpPr>
-          <p:cNvPr id="156" name="Shape 156"/>
+          <p:cNvPr id="144" name="Shape 144"/>
           <p:cNvSpPr>
             <a:spLocks noGrp="1"/>
           </p:cNvSpPr>
@@ -17857,15 +21441,17 @@
         </p:nvSpPr>
         <p:spPr>
           <a:xfrm>
-            <a:off x="628650" y="677848"/>
-            <a:ext cx="9234578" cy="724552"/>
+            <a:off x="416377" y="899092"/>
+            <a:ext cx="8499023" cy="994172"/>
           </a:xfrm>
           <a:prstGeom prst="rect">
             <a:avLst/>
           </a:prstGeom>
         </p:spPr>
         <p:txBody>
-          <a:bodyPr/>
+          <a:bodyPr>
+            <a:normAutofit fontScale="90000"/>
+          </a:bodyPr>
           <a:lstStyle>
             <a:lvl1pPr>
               <a:defRPr sz="3600">
@@ -17878,15 +21464,14 @@
           </a:lstStyle>
           <a:p>
             <a:r>
-              <a:rPr dirty="0"/>
-              <a:t>Providing wear application and can display search result.</a:t>
-            </a:r>
-          </a:p>
-        </p:txBody>
-      </p:sp>
-      <p:sp>
-        <p:nvSpPr>
-          <p:cNvPr id="157" name="Shape 157"/>
+              <a:t>Problem 3: voice integration for enhancing usability.</a:t>
+            </a:r>
+          </a:p>
+        </p:txBody>
+      </p:sp>
+      <p:sp>
+        <p:nvSpPr>
+          <p:cNvPr id="145" name="Shape 145"/>
           <p:cNvSpPr>
             <a:spLocks noGrp="1"/>
           </p:cNvSpPr>
@@ -17896,21 +21481,21 @@
         </p:nvSpPr>
         <p:spPr>
           <a:xfrm>
-            <a:off x="628650" y="2226469"/>
-            <a:ext cx="7886700" cy="1373981"/>
+            <a:off x="628650" y="1893263"/>
+            <a:ext cx="7886700" cy="2086827"/>
           </a:xfrm>
           <a:prstGeom prst="rect">
             <a:avLst/>
           </a:prstGeom>
         </p:spPr>
         <p:txBody>
-          <a:bodyPr/>
+          <a:bodyPr>
+            <a:normAutofit fontScale="85000" lnSpcReduction="10000"/>
+          </a:bodyPr>
           <a:lstStyle/>
           <a:p>
-            <a:pPr marL="342900" indent="-342900">
-              <a:buFont typeface="Wingdings" charset="2"/>
-              <a:buChar char="ü"/>
-              <a:defRPr>
+            <a:pPr>
+              <a:defRPr sz="2600">
                 <a:latin typeface="Cambria"/>
                 <a:ea typeface="Cambria"/>
                 <a:cs typeface="Cambria"/>
@@ -17918,15 +21503,18 @@
               </a:defRPr>
             </a:pPr>
             <a:r>
-              <a:rPr dirty="0"/>
-              <a:t>Display search result on wear’s google map.</a:t>
-            </a:r>
-          </a:p>
-          <a:p>
-            <a:pPr marL="342900" indent="-342900">
-              <a:buFont typeface="Wingdings" charset="2"/>
-              <a:buChar char="ü"/>
-              <a:defRPr>
+              <a:t>Currently market doesn’t have an applications that satisfied:</a:t>
+            </a:r>
+          </a:p>
+          <a:p>
+            <a:pPr marL="514350" lvl="1" indent="-171450">
+              <a:spcBef>
+                <a:spcPts val="375"/>
+              </a:spcBef>
+              <a:defRPr sz="2600">
+                <a:solidFill>
+                  <a:srgbClr val="C00000"/>
+                </a:solidFill>
                 <a:latin typeface="Cambria"/>
                 <a:ea typeface="Cambria"/>
                 <a:cs typeface="Cambria"/>
@@ -17934,21 +21522,56 @@
               </a:defRPr>
             </a:pPr>
             <a:r>
-              <a:rPr dirty="0"/>
-              <a:t>At every bus station customer should leave or at each motorbike’s turn, application will notify a message or vibrate device.</a:t>
-            </a:r>
-          </a:p>
-        </p:txBody>
-      </p:sp>
-      <p:sp>
-        <p:nvSpPr>
-          <p:cNvPr id="158" name="Shape 158"/>
+              <a:t>Voice search:</a:t>
+            </a:r>
+            <a:r>
+              <a:rPr>
+                <a:solidFill>
+                  <a:srgbClr val="000000"/>
+                </a:solidFill>
+              </a:rPr>
+              <a:t> help customers avoid typing on small keyboard, especially they’re on street.</a:t>
+            </a:r>
+            <a:endParaRPr sz="1800"/>
+          </a:p>
+          <a:p>
+            <a:pPr marL="514350" lvl="1" indent="-171450">
+              <a:spcBef>
+                <a:spcPts val="375"/>
+              </a:spcBef>
+              <a:defRPr sz="2600">
+                <a:solidFill>
+                  <a:srgbClr val="C00000"/>
+                </a:solidFill>
+                <a:latin typeface="Cambria"/>
+                <a:ea typeface="Cambria"/>
+                <a:cs typeface="Cambria"/>
+                <a:sym typeface="Cambria"/>
+              </a:defRPr>
+            </a:pPr>
+            <a:r>
+              <a:t>Notify at each turn or station by sound:</a:t>
+            </a:r>
+            <a:r>
+              <a:rPr>
+                <a:solidFill>
+                  <a:srgbClr val="000000"/>
+                </a:solidFill>
+              </a:rPr>
+              <a:t> (for example, say “xuống trạm tới”, “quẹo trái qua đường Nguyễn Thiện Thuật”, “đi qua ngã Tư”): eliminate customer must look up on wear or mobile to view result when participating traffic.</a:t>
+            </a:r>
+          </a:p>
+        </p:txBody>
+      </p:sp>
+      <p:sp>
+        <p:nvSpPr>
+          <p:cNvPr id="146" name="Shape 146"/>
           <p:cNvSpPr/>
           <p:nvPr/>
         </p:nvSpPr>
         <p:spPr>
           <a:xfrm flipV="1">
-            <a:off x="0" y="1777693"/>
+            <a:off x="0" y="1738992"/>
             <a:ext cx="9144001" cy="24494"/>
           </a:xfrm>
           <a:prstGeom prst="line">
@@ -17965,14 +21588,53 @@
           <a:bodyPr lIns="34289" rIns="34289"/>
           <a:lstStyle/>
           <a:p>
-            <a:endParaRPr sz="1350"/>
-          </a:p>
-        </p:txBody>
-      </p:sp>
+            <a:pPr hangingPunct="0"/>
+            <a:endParaRPr sz="1350" kern="0">
+              <a:solidFill>
+                <a:srgbClr val="000000"/>
+              </a:solidFill>
+              <a:latin typeface="Calibri"/>
+              <a:ea typeface="Calibri"/>
+              <a:cs typeface="Calibri"/>
+              <a:sym typeface="Calibri"/>
+            </a:endParaRPr>
+          </a:p>
+        </p:txBody>
+      </p:sp>
+      <p:pic>
+        <p:nvPicPr>
+          <p:cNvPr id="147" name="image3.png"/>
+          <p:cNvPicPr>
+            <a:picLocks noChangeAspect="1"/>
+          </p:cNvPicPr>
+          <p:nvPr/>
+        </p:nvPicPr>
+        <p:blipFill>
+          <a:blip r:embed="rId2">
+            <a:extLst/>
+          </a:blip>
+          <a:srcRect t="7785" b="9158"/>
+          <a:stretch>
+            <a:fillRect/>
+          </a:stretch>
+        </p:blipFill>
+        <p:spPr>
+          <a:xfrm>
+            <a:off x="3894736" y="3980089"/>
+            <a:ext cx="4620614" cy="1815243"/>
+          </a:xfrm>
+          <a:prstGeom prst="rect">
+            <a:avLst/>
+          </a:prstGeom>
+          <a:ln w="12700">
+            <a:miter lim="400000"/>
+          </a:ln>
+        </p:spPr>
+      </p:pic>
     </p:spTree>
     <p:extLst>
       <p:ext uri="{BB962C8B-B14F-4D97-AF65-F5344CB8AC3E}">
-        <p14:creationId xmlns:p14="http://schemas.microsoft.com/office/powerpoint/2010/main" val="1727386336"/>
+        <p14:creationId xmlns:p14="http://schemas.microsoft.com/office/powerpoint/2010/main" val="849282508"/>
       </p:ext>
     </p:extLst>
   </p:cSld>
@@ -17980,13 +21642,6 @@
     <a:masterClrMapping/>
   </p:clrMapOvr>
   <p:transition spd="slow"/>
-  <p:timing>
-    <p:tnLst>
-      <p:par>
-        <p:cTn id="1" dur="indefinite" restart="never" nodeType="tmRoot"/>
-      </p:par>
-    </p:tnLst>
-  </p:timing>
 </p:sld>
 </file>
 
@@ -21491,6 +25146,1079 @@
 </file>
 
 <file path=ppt/theme/theme5.xml><?xml version="1.0" encoding="utf-8"?>
+<a:theme xmlns:a="http://schemas.openxmlformats.org/drawingml/2006/main" name="3_Office Theme">
+  <a:themeElements>
+    <a:clrScheme name="Office Theme">
+      <a:dk1>
+        <a:srgbClr val="000000"/>
+      </a:dk1>
+      <a:lt1>
+        <a:srgbClr val="FFFFFF"/>
+      </a:lt1>
+      <a:dk2>
+        <a:srgbClr val="A7A7A7"/>
+      </a:dk2>
+      <a:lt2>
+        <a:srgbClr val="535353"/>
+      </a:lt2>
+      <a:accent1>
+        <a:srgbClr val="5B9BD5"/>
+      </a:accent1>
+      <a:accent2>
+        <a:srgbClr val="ED7D31"/>
+      </a:accent2>
+      <a:accent3>
+        <a:srgbClr val="A5A5A5"/>
+      </a:accent3>
+      <a:accent4>
+        <a:srgbClr val="FFC000"/>
+      </a:accent4>
+      <a:accent5>
+        <a:srgbClr val="4472C4"/>
+      </a:accent5>
+      <a:accent6>
+        <a:srgbClr val="70AD47"/>
+      </a:accent6>
+      <a:hlink>
+        <a:srgbClr val="0000FF"/>
+      </a:hlink>
+      <a:folHlink>
+        <a:srgbClr val="FF00FF"/>
+      </a:folHlink>
+    </a:clrScheme>
+    <a:fontScheme name="Office Theme">
+      <a:majorFont>
+        <a:latin typeface="Calibri"/>
+        <a:ea typeface="Calibri"/>
+        <a:cs typeface="Calibri"/>
+      </a:majorFont>
+      <a:minorFont>
+        <a:latin typeface="Helvetica"/>
+        <a:ea typeface="Helvetica"/>
+        <a:cs typeface="Helvetica"/>
+      </a:minorFont>
+    </a:fontScheme>
+    <a:fmtScheme name="Office Theme">
+      <a:fillStyleLst>
+        <a:solidFill>
+          <a:schemeClr val="phClr"/>
+        </a:solidFill>
+        <a:gradFill rotWithShape="1">
+          <a:gsLst>
+            <a:gs pos="0">
+              <a:schemeClr val="phClr">
+                <a:tint val="50000"/>
+                <a:satMod val="300000"/>
+              </a:schemeClr>
+            </a:gs>
+            <a:gs pos="35000">
+              <a:schemeClr val="phClr">
+                <a:tint val="37000"/>
+                <a:satMod val="300000"/>
+              </a:schemeClr>
+            </a:gs>
+            <a:gs pos="100000">
+              <a:schemeClr val="phClr">
+                <a:tint val="15000"/>
+                <a:satMod val="350000"/>
+              </a:schemeClr>
+            </a:gs>
+          </a:gsLst>
+          <a:lin ang="16200000" scaled="1"/>
+        </a:gradFill>
+        <a:gradFill rotWithShape="1">
+          <a:gsLst>
+            <a:gs pos="0">
+              <a:schemeClr val="phClr">
+                <a:tint val="100000"/>
+                <a:shade val="100000"/>
+                <a:satMod val="129999"/>
+              </a:schemeClr>
+            </a:gs>
+            <a:gs pos="100000">
+              <a:schemeClr val="phClr">
+                <a:tint val="50000"/>
+                <a:shade val="100000"/>
+                <a:satMod val="350000"/>
+              </a:schemeClr>
+            </a:gs>
+          </a:gsLst>
+          <a:lin ang="16200000" scaled="0"/>
+        </a:gradFill>
+      </a:fillStyleLst>
+      <a:lnStyleLst>
+        <a:ln w="9525" cap="flat" cmpd="sng" algn="ctr">
+          <a:solidFill>
+            <a:schemeClr val="phClr">
+              <a:shade val="95000"/>
+              <a:satMod val="104999"/>
+            </a:schemeClr>
+          </a:solidFill>
+          <a:prstDash val="solid"/>
+        </a:ln>
+        <a:ln w="25400" cap="flat" cmpd="sng" algn="ctr">
+          <a:solidFill>
+            <a:schemeClr val="phClr"/>
+          </a:solidFill>
+          <a:prstDash val="solid"/>
+        </a:ln>
+        <a:ln w="38100" cap="flat" cmpd="sng" algn="ctr">
+          <a:solidFill>
+            <a:schemeClr val="phClr"/>
+          </a:solidFill>
+          <a:prstDash val="solid"/>
+        </a:ln>
+      </a:lnStyleLst>
+      <a:effectStyleLst>
+        <a:effectStyle>
+          <a:effectLst/>
+        </a:effectStyle>
+        <a:effectStyle>
+          <a:effectLst/>
+        </a:effectStyle>
+        <a:effectStyle>
+          <a:effectLst/>
+        </a:effectStyle>
+      </a:effectStyleLst>
+      <a:bgFillStyleLst>
+        <a:solidFill>
+          <a:schemeClr val="phClr"/>
+        </a:solidFill>
+        <a:gradFill rotWithShape="1">
+          <a:gsLst>
+            <a:gs pos="0">
+              <a:schemeClr val="phClr">
+                <a:tint val="40000"/>
+                <a:satMod val="350000"/>
+              </a:schemeClr>
+            </a:gs>
+            <a:gs pos="40000">
+              <a:schemeClr val="phClr">
+                <a:tint val="45000"/>
+                <a:shade val="99000"/>
+                <a:satMod val="350000"/>
+              </a:schemeClr>
+            </a:gs>
+            <a:gs pos="100000">
+              <a:schemeClr val="phClr">
+                <a:shade val="20000"/>
+                <a:satMod val="255000"/>
+              </a:schemeClr>
+            </a:gs>
+          </a:gsLst>
+          <a:path path="circle">
+            <a:fillToRect l="50000" t="-80000" r="50000" b="180000"/>
+          </a:path>
+        </a:gradFill>
+        <a:gradFill rotWithShape="1">
+          <a:gsLst>
+            <a:gs pos="0">
+              <a:schemeClr val="phClr">
+                <a:tint val="80000"/>
+                <a:satMod val="300000"/>
+              </a:schemeClr>
+            </a:gs>
+            <a:gs pos="100000">
+              <a:schemeClr val="phClr">
+                <a:shade val="30000"/>
+                <a:satMod val="200000"/>
+              </a:schemeClr>
+            </a:gs>
+          </a:gsLst>
+          <a:path path="circle">
+            <a:fillToRect l="50000" t="50000" r="50000" b="50000"/>
+          </a:path>
+        </a:gradFill>
+      </a:bgFillStyleLst>
+    </a:fmtScheme>
+  </a:themeElements>
+  <a:objectDefaults>
+    <a:spDef>
+      <a:spPr>
+        <a:solidFill>
+          <a:srgbClr val="FFFFFF"/>
+        </a:solidFill>
+        <a:ln w="12700" cap="flat">
+          <a:solidFill>
+            <a:schemeClr val="accent1"/>
+          </a:solidFill>
+          <a:prstDash val="solid"/>
+          <a:miter lim="800000"/>
+        </a:ln>
+        <a:effectLst/>
+        <a:sp3d/>
+      </a:spPr>
+      <a:bodyPr rot="0" spcFirstLastPara="1" vertOverflow="overflow" horzOverflow="overflow" vert="horz" wrap="square" lIns="45719" tIns="45719" rIns="45719" bIns="45719" numCol="1" spcCol="38100" rtlCol="0" anchor="ctr">
+        <a:spAutoFit/>
+      </a:bodyPr>
+      <a:lstStyle>
+        <a:defPPr marL="0" marR="0" indent="0" algn="l" defTabSz="914400" rtl="0" fontAlgn="auto" latinLnBrk="0" hangingPunct="0">
+          <a:lnSpc>
+            <a:spcPct val="100000"/>
+          </a:lnSpc>
+          <a:spcBef>
+            <a:spcPts val="0"/>
+          </a:spcBef>
+          <a:spcAft>
+            <a:spcPts val="0"/>
+          </a:spcAft>
+          <a:buClrTx/>
+          <a:buSzTx/>
+          <a:buFontTx/>
+          <a:buNone/>
+          <a:tabLst/>
+          <a:defRPr kumimoji="0" sz="1800" b="0" i="0" u="none" strike="noStrike" cap="none" spc="0" normalizeH="0" baseline="0">
+            <a:ln>
+              <a:noFill/>
+            </a:ln>
+            <a:solidFill>
+              <a:srgbClr val="000000"/>
+            </a:solidFill>
+            <a:effectLst/>
+            <a:uFillTx/>
+            <a:latin typeface="+mj-lt"/>
+            <a:ea typeface="+mj-ea"/>
+            <a:cs typeface="+mj-cs"/>
+            <a:sym typeface="Calibri"/>
+          </a:defRPr>
+        </a:defPPr>
+        <a:lvl1pPr marL="0" marR="0" indent="0" algn="l" defTabSz="914400" rtl="0" fontAlgn="auto" latinLnBrk="1" hangingPunct="0">
+          <a:lnSpc>
+            <a:spcPct val="100000"/>
+          </a:lnSpc>
+          <a:spcBef>
+            <a:spcPts val="0"/>
+          </a:spcBef>
+          <a:spcAft>
+            <a:spcPts val="0"/>
+          </a:spcAft>
+          <a:buClrTx/>
+          <a:buSzTx/>
+          <a:buFontTx/>
+          <a:buNone/>
+          <a:tabLst/>
+          <a:defRPr kumimoji="0" sz="1800" b="0" i="0" u="none" strike="noStrike" cap="none" spc="0" normalizeH="0" baseline="0">
+            <a:ln>
+              <a:noFill/>
+            </a:ln>
+            <a:solidFill>
+              <a:srgbClr val="000000"/>
+            </a:solidFill>
+            <a:effectLst/>
+            <a:uFillTx/>
+          </a:defRPr>
+        </a:lvl1pPr>
+        <a:lvl2pPr marL="0" marR="0" indent="0" algn="l" defTabSz="914400" rtl="0" fontAlgn="auto" latinLnBrk="1" hangingPunct="0">
+          <a:lnSpc>
+            <a:spcPct val="100000"/>
+          </a:lnSpc>
+          <a:spcBef>
+            <a:spcPts val="0"/>
+          </a:spcBef>
+          <a:spcAft>
+            <a:spcPts val="0"/>
+          </a:spcAft>
+          <a:buClrTx/>
+          <a:buSzTx/>
+          <a:buFontTx/>
+          <a:buNone/>
+          <a:tabLst/>
+          <a:defRPr kumimoji="0" sz="1800" b="0" i="0" u="none" strike="noStrike" cap="none" spc="0" normalizeH="0" baseline="0">
+            <a:ln>
+              <a:noFill/>
+            </a:ln>
+            <a:solidFill>
+              <a:srgbClr val="000000"/>
+            </a:solidFill>
+            <a:effectLst/>
+            <a:uFillTx/>
+          </a:defRPr>
+        </a:lvl2pPr>
+        <a:lvl3pPr marL="0" marR="0" indent="0" algn="l" defTabSz="914400" rtl="0" fontAlgn="auto" latinLnBrk="1" hangingPunct="0">
+          <a:lnSpc>
+            <a:spcPct val="100000"/>
+          </a:lnSpc>
+          <a:spcBef>
+            <a:spcPts val="0"/>
+          </a:spcBef>
+          <a:spcAft>
+            <a:spcPts val="0"/>
+          </a:spcAft>
+          <a:buClrTx/>
+          <a:buSzTx/>
+          <a:buFontTx/>
+          <a:buNone/>
+          <a:tabLst/>
+          <a:defRPr kumimoji="0" sz="1800" b="0" i="0" u="none" strike="noStrike" cap="none" spc="0" normalizeH="0" baseline="0">
+            <a:ln>
+              <a:noFill/>
+            </a:ln>
+            <a:solidFill>
+              <a:srgbClr val="000000"/>
+            </a:solidFill>
+            <a:effectLst/>
+            <a:uFillTx/>
+          </a:defRPr>
+        </a:lvl3pPr>
+        <a:lvl4pPr marL="0" marR="0" indent="0" algn="l" defTabSz="914400" rtl="0" fontAlgn="auto" latinLnBrk="1" hangingPunct="0">
+          <a:lnSpc>
+            <a:spcPct val="100000"/>
+          </a:lnSpc>
+          <a:spcBef>
+            <a:spcPts val="0"/>
+          </a:spcBef>
+          <a:spcAft>
+            <a:spcPts val="0"/>
+          </a:spcAft>
+          <a:buClrTx/>
+          <a:buSzTx/>
+          <a:buFontTx/>
+          <a:buNone/>
+          <a:tabLst/>
+          <a:defRPr kumimoji="0" sz="1800" b="0" i="0" u="none" strike="noStrike" cap="none" spc="0" normalizeH="0" baseline="0">
+            <a:ln>
+              <a:noFill/>
+            </a:ln>
+            <a:solidFill>
+              <a:srgbClr val="000000"/>
+            </a:solidFill>
+            <a:effectLst/>
+            <a:uFillTx/>
+          </a:defRPr>
+        </a:lvl4pPr>
+        <a:lvl5pPr marL="0" marR="0" indent="0" algn="l" defTabSz="914400" rtl="0" fontAlgn="auto" latinLnBrk="1" hangingPunct="0">
+          <a:lnSpc>
+            <a:spcPct val="100000"/>
+          </a:lnSpc>
+          <a:spcBef>
+            <a:spcPts val="0"/>
+          </a:spcBef>
+          <a:spcAft>
+            <a:spcPts val="0"/>
+          </a:spcAft>
+          <a:buClrTx/>
+          <a:buSzTx/>
+          <a:buFontTx/>
+          <a:buNone/>
+          <a:tabLst/>
+          <a:defRPr kumimoji="0" sz="1800" b="0" i="0" u="none" strike="noStrike" cap="none" spc="0" normalizeH="0" baseline="0">
+            <a:ln>
+              <a:noFill/>
+            </a:ln>
+            <a:solidFill>
+              <a:srgbClr val="000000"/>
+            </a:solidFill>
+            <a:effectLst/>
+            <a:uFillTx/>
+          </a:defRPr>
+        </a:lvl5pPr>
+        <a:lvl6pPr marL="0" marR="0" indent="0" algn="l" defTabSz="914400" rtl="0" fontAlgn="auto" latinLnBrk="1" hangingPunct="0">
+          <a:lnSpc>
+            <a:spcPct val="100000"/>
+          </a:lnSpc>
+          <a:spcBef>
+            <a:spcPts val="0"/>
+          </a:spcBef>
+          <a:spcAft>
+            <a:spcPts val="0"/>
+          </a:spcAft>
+          <a:buClrTx/>
+          <a:buSzTx/>
+          <a:buFontTx/>
+          <a:buNone/>
+          <a:tabLst/>
+          <a:defRPr kumimoji="0" sz="1800" b="0" i="0" u="none" strike="noStrike" cap="none" spc="0" normalizeH="0" baseline="0">
+            <a:ln>
+              <a:noFill/>
+            </a:ln>
+            <a:solidFill>
+              <a:srgbClr val="000000"/>
+            </a:solidFill>
+            <a:effectLst/>
+            <a:uFillTx/>
+          </a:defRPr>
+        </a:lvl6pPr>
+        <a:lvl7pPr marL="0" marR="0" indent="0" algn="l" defTabSz="914400" rtl="0" fontAlgn="auto" latinLnBrk="1" hangingPunct="0">
+          <a:lnSpc>
+            <a:spcPct val="100000"/>
+          </a:lnSpc>
+          <a:spcBef>
+            <a:spcPts val="0"/>
+          </a:spcBef>
+          <a:spcAft>
+            <a:spcPts val="0"/>
+          </a:spcAft>
+          <a:buClrTx/>
+          <a:buSzTx/>
+          <a:buFontTx/>
+          <a:buNone/>
+          <a:tabLst/>
+          <a:defRPr kumimoji="0" sz="1800" b="0" i="0" u="none" strike="noStrike" cap="none" spc="0" normalizeH="0" baseline="0">
+            <a:ln>
+              <a:noFill/>
+            </a:ln>
+            <a:solidFill>
+              <a:srgbClr val="000000"/>
+            </a:solidFill>
+            <a:effectLst/>
+            <a:uFillTx/>
+          </a:defRPr>
+        </a:lvl7pPr>
+        <a:lvl8pPr marL="0" marR="0" indent="0" algn="l" defTabSz="914400" rtl="0" fontAlgn="auto" latinLnBrk="1" hangingPunct="0">
+          <a:lnSpc>
+            <a:spcPct val="100000"/>
+          </a:lnSpc>
+          <a:spcBef>
+            <a:spcPts val="0"/>
+          </a:spcBef>
+          <a:spcAft>
+            <a:spcPts val="0"/>
+          </a:spcAft>
+          <a:buClrTx/>
+          <a:buSzTx/>
+          <a:buFontTx/>
+          <a:buNone/>
+          <a:tabLst/>
+          <a:defRPr kumimoji="0" sz="1800" b="0" i="0" u="none" strike="noStrike" cap="none" spc="0" normalizeH="0" baseline="0">
+            <a:ln>
+              <a:noFill/>
+            </a:ln>
+            <a:solidFill>
+              <a:srgbClr val="000000"/>
+            </a:solidFill>
+            <a:effectLst/>
+            <a:uFillTx/>
+          </a:defRPr>
+        </a:lvl8pPr>
+        <a:lvl9pPr marL="0" marR="0" indent="0" algn="l" defTabSz="914400" rtl="0" fontAlgn="auto" latinLnBrk="1" hangingPunct="0">
+          <a:lnSpc>
+            <a:spcPct val="100000"/>
+          </a:lnSpc>
+          <a:spcBef>
+            <a:spcPts val="0"/>
+          </a:spcBef>
+          <a:spcAft>
+            <a:spcPts val="0"/>
+          </a:spcAft>
+          <a:buClrTx/>
+          <a:buSzTx/>
+          <a:buFontTx/>
+          <a:buNone/>
+          <a:tabLst/>
+          <a:defRPr kumimoji="0" sz="1800" b="0" i="0" u="none" strike="noStrike" cap="none" spc="0" normalizeH="0" baseline="0">
+            <a:ln>
+              <a:noFill/>
+            </a:ln>
+            <a:solidFill>
+              <a:srgbClr val="000000"/>
+            </a:solidFill>
+            <a:effectLst/>
+            <a:uFillTx/>
+          </a:defRPr>
+        </a:lvl9pPr>
+      </a:lstStyle>
+      <a:style>
+        <a:lnRef idx="0">
+          <a:scrgbClr r="0" g="0" b="0"/>
+        </a:lnRef>
+        <a:fillRef idx="0">
+          <a:scrgbClr r="0" g="0" b="0"/>
+        </a:fillRef>
+        <a:effectRef idx="0">
+          <a:scrgbClr r="0" g="0" b="0"/>
+        </a:effectRef>
+        <a:fontRef idx="none"/>
+      </a:style>
+    </a:spDef>
+    <a:lnDef>
+      <a:spPr>
+        <a:noFill/>
+        <a:ln w="12700" cap="flat">
+          <a:solidFill>
+            <a:schemeClr val="accent1"/>
+          </a:solidFill>
+          <a:prstDash val="solid"/>
+          <a:miter lim="800000"/>
+        </a:ln>
+        <a:effectLst/>
+        <a:sp3d/>
+      </a:spPr>
+      <a:bodyPr rot="0" spcFirstLastPara="1" vertOverflow="overflow" horzOverflow="overflow" vert="horz" wrap="square" lIns="91439" tIns="45719" rIns="91439" bIns="45719" numCol="1" spcCol="38100" rtlCol="0" anchor="t">
+        <a:noAutofit/>
+      </a:bodyPr>
+      <a:lstStyle>
+        <a:defPPr marL="0" marR="0" indent="0" algn="l" defTabSz="914400" rtl="0" fontAlgn="auto" latinLnBrk="1" hangingPunct="0">
+          <a:lnSpc>
+            <a:spcPct val="100000"/>
+          </a:lnSpc>
+          <a:spcBef>
+            <a:spcPts val="0"/>
+          </a:spcBef>
+          <a:spcAft>
+            <a:spcPts val="0"/>
+          </a:spcAft>
+          <a:buClrTx/>
+          <a:buSzTx/>
+          <a:buFontTx/>
+          <a:buNone/>
+          <a:tabLst/>
+          <a:defRPr kumimoji="0" sz="1800" b="0" i="0" u="none" strike="noStrike" cap="none" spc="0" normalizeH="0" baseline="0">
+            <a:ln>
+              <a:noFill/>
+            </a:ln>
+            <a:solidFill>
+              <a:srgbClr val="000000"/>
+            </a:solidFill>
+            <a:effectLst/>
+            <a:uFillTx/>
+          </a:defRPr>
+        </a:defPPr>
+        <a:lvl1pPr marL="0" marR="0" indent="0" algn="l" defTabSz="914400" rtl="0" fontAlgn="auto" latinLnBrk="1" hangingPunct="0">
+          <a:lnSpc>
+            <a:spcPct val="100000"/>
+          </a:lnSpc>
+          <a:spcBef>
+            <a:spcPts val="0"/>
+          </a:spcBef>
+          <a:spcAft>
+            <a:spcPts val="0"/>
+          </a:spcAft>
+          <a:buClrTx/>
+          <a:buSzTx/>
+          <a:buFontTx/>
+          <a:buNone/>
+          <a:tabLst/>
+          <a:defRPr kumimoji="0" sz="1800" b="0" i="0" u="none" strike="noStrike" cap="none" spc="0" normalizeH="0" baseline="0">
+            <a:ln>
+              <a:noFill/>
+            </a:ln>
+            <a:solidFill>
+              <a:srgbClr val="000000"/>
+            </a:solidFill>
+            <a:effectLst/>
+            <a:uFillTx/>
+          </a:defRPr>
+        </a:lvl1pPr>
+        <a:lvl2pPr marL="0" marR="0" indent="0" algn="l" defTabSz="914400" rtl="0" fontAlgn="auto" latinLnBrk="1" hangingPunct="0">
+          <a:lnSpc>
+            <a:spcPct val="100000"/>
+          </a:lnSpc>
+          <a:spcBef>
+            <a:spcPts val="0"/>
+          </a:spcBef>
+          <a:spcAft>
+            <a:spcPts val="0"/>
+          </a:spcAft>
+          <a:buClrTx/>
+          <a:buSzTx/>
+          <a:buFontTx/>
+          <a:buNone/>
+          <a:tabLst/>
+          <a:defRPr kumimoji="0" sz="1800" b="0" i="0" u="none" strike="noStrike" cap="none" spc="0" normalizeH="0" baseline="0">
+            <a:ln>
+              <a:noFill/>
+            </a:ln>
+            <a:solidFill>
+              <a:srgbClr val="000000"/>
+            </a:solidFill>
+            <a:effectLst/>
+            <a:uFillTx/>
+          </a:defRPr>
+        </a:lvl2pPr>
+        <a:lvl3pPr marL="0" marR="0" indent="0" algn="l" defTabSz="914400" rtl="0" fontAlgn="auto" latinLnBrk="1" hangingPunct="0">
+          <a:lnSpc>
+            <a:spcPct val="100000"/>
+          </a:lnSpc>
+          <a:spcBef>
+            <a:spcPts val="0"/>
+          </a:spcBef>
+          <a:spcAft>
+            <a:spcPts val="0"/>
+          </a:spcAft>
+          <a:buClrTx/>
+          <a:buSzTx/>
+          <a:buFontTx/>
+          <a:buNone/>
+          <a:tabLst/>
+          <a:defRPr kumimoji="0" sz="1800" b="0" i="0" u="none" strike="noStrike" cap="none" spc="0" normalizeH="0" baseline="0">
+            <a:ln>
+              <a:noFill/>
+            </a:ln>
+            <a:solidFill>
+              <a:srgbClr val="000000"/>
+            </a:solidFill>
+            <a:effectLst/>
+            <a:uFillTx/>
+          </a:defRPr>
+        </a:lvl3pPr>
+        <a:lvl4pPr marL="0" marR="0" indent="0" algn="l" defTabSz="914400" rtl="0" fontAlgn="auto" latinLnBrk="1" hangingPunct="0">
+          <a:lnSpc>
+            <a:spcPct val="100000"/>
+          </a:lnSpc>
+          <a:spcBef>
+            <a:spcPts val="0"/>
+          </a:spcBef>
+          <a:spcAft>
+            <a:spcPts val="0"/>
+          </a:spcAft>
+          <a:buClrTx/>
+          <a:buSzTx/>
+          <a:buFontTx/>
+          <a:buNone/>
+          <a:tabLst/>
+          <a:defRPr kumimoji="0" sz="1800" b="0" i="0" u="none" strike="noStrike" cap="none" spc="0" normalizeH="0" baseline="0">
+            <a:ln>
+              <a:noFill/>
+            </a:ln>
+            <a:solidFill>
+              <a:srgbClr val="000000"/>
+            </a:solidFill>
+            <a:effectLst/>
+            <a:uFillTx/>
+          </a:defRPr>
+        </a:lvl4pPr>
+        <a:lvl5pPr marL="0" marR="0" indent="0" algn="l" defTabSz="914400" rtl="0" fontAlgn="auto" latinLnBrk="1" hangingPunct="0">
+          <a:lnSpc>
+            <a:spcPct val="100000"/>
+          </a:lnSpc>
+          <a:spcBef>
+            <a:spcPts val="0"/>
+          </a:spcBef>
+          <a:spcAft>
+            <a:spcPts val="0"/>
+          </a:spcAft>
+          <a:buClrTx/>
+          <a:buSzTx/>
+          <a:buFontTx/>
+          <a:buNone/>
+          <a:tabLst/>
+          <a:defRPr kumimoji="0" sz="1800" b="0" i="0" u="none" strike="noStrike" cap="none" spc="0" normalizeH="0" baseline="0">
+            <a:ln>
+              <a:noFill/>
+            </a:ln>
+            <a:solidFill>
+              <a:srgbClr val="000000"/>
+            </a:solidFill>
+            <a:effectLst/>
+            <a:uFillTx/>
+          </a:defRPr>
+        </a:lvl5pPr>
+        <a:lvl6pPr marL="0" marR="0" indent="0" algn="l" defTabSz="914400" rtl="0" fontAlgn="auto" latinLnBrk="1" hangingPunct="0">
+          <a:lnSpc>
+            <a:spcPct val="100000"/>
+          </a:lnSpc>
+          <a:spcBef>
+            <a:spcPts val="0"/>
+          </a:spcBef>
+          <a:spcAft>
+            <a:spcPts val="0"/>
+          </a:spcAft>
+          <a:buClrTx/>
+          <a:buSzTx/>
+          <a:buFontTx/>
+          <a:buNone/>
+          <a:tabLst/>
+          <a:defRPr kumimoji="0" sz="1800" b="0" i="0" u="none" strike="noStrike" cap="none" spc="0" normalizeH="0" baseline="0">
+            <a:ln>
+              <a:noFill/>
+            </a:ln>
+            <a:solidFill>
+              <a:srgbClr val="000000"/>
+            </a:solidFill>
+            <a:effectLst/>
+            <a:uFillTx/>
+          </a:defRPr>
+        </a:lvl6pPr>
+        <a:lvl7pPr marL="0" marR="0" indent="0" algn="l" defTabSz="914400" rtl="0" fontAlgn="auto" latinLnBrk="1" hangingPunct="0">
+          <a:lnSpc>
+            <a:spcPct val="100000"/>
+          </a:lnSpc>
+          <a:spcBef>
+            <a:spcPts val="0"/>
+          </a:spcBef>
+          <a:spcAft>
+            <a:spcPts val="0"/>
+          </a:spcAft>
+          <a:buClrTx/>
+          <a:buSzTx/>
+          <a:buFontTx/>
+          <a:buNone/>
+          <a:tabLst/>
+          <a:defRPr kumimoji="0" sz="1800" b="0" i="0" u="none" strike="noStrike" cap="none" spc="0" normalizeH="0" baseline="0">
+            <a:ln>
+              <a:noFill/>
+            </a:ln>
+            <a:solidFill>
+              <a:srgbClr val="000000"/>
+            </a:solidFill>
+            <a:effectLst/>
+            <a:uFillTx/>
+          </a:defRPr>
+        </a:lvl7pPr>
+        <a:lvl8pPr marL="0" marR="0" indent="0" algn="l" defTabSz="914400" rtl="0" fontAlgn="auto" latinLnBrk="1" hangingPunct="0">
+          <a:lnSpc>
+            <a:spcPct val="100000"/>
+          </a:lnSpc>
+          <a:spcBef>
+            <a:spcPts val="0"/>
+          </a:spcBef>
+          <a:spcAft>
+            <a:spcPts val="0"/>
+          </a:spcAft>
+          <a:buClrTx/>
+          <a:buSzTx/>
+          <a:buFontTx/>
+          <a:buNone/>
+          <a:tabLst/>
+          <a:defRPr kumimoji="0" sz="1800" b="0" i="0" u="none" strike="noStrike" cap="none" spc="0" normalizeH="0" baseline="0">
+            <a:ln>
+              <a:noFill/>
+            </a:ln>
+            <a:solidFill>
+              <a:srgbClr val="000000"/>
+            </a:solidFill>
+            <a:effectLst/>
+            <a:uFillTx/>
+          </a:defRPr>
+        </a:lvl8pPr>
+        <a:lvl9pPr marL="0" marR="0" indent="0" algn="l" defTabSz="914400" rtl="0" fontAlgn="auto" latinLnBrk="1" hangingPunct="0">
+          <a:lnSpc>
+            <a:spcPct val="100000"/>
+          </a:lnSpc>
+          <a:spcBef>
+            <a:spcPts val="0"/>
+          </a:spcBef>
+          <a:spcAft>
+            <a:spcPts val="0"/>
+          </a:spcAft>
+          <a:buClrTx/>
+          <a:buSzTx/>
+          <a:buFontTx/>
+          <a:buNone/>
+          <a:tabLst/>
+          <a:defRPr kumimoji="0" sz="1800" b="0" i="0" u="none" strike="noStrike" cap="none" spc="0" normalizeH="0" baseline="0">
+            <a:ln>
+              <a:noFill/>
+            </a:ln>
+            <a:solidFill>
+              <a:srgbClr val="000000"/>
+            </a:solidFill>
+            <a:effectLst/>
+            <a:uFillTx/>
+          </a:defRPr>
+        </a:lvl9pPr>
+      </a:lstStyle>
+      <a:style>
+        <a:lnRef idx="0">
+          <a:scrgbClr r="0" g="0" b="0"/>
+        </a:lnRef>
+        <a:fillRef idx="0">
+          <a:scrgbClr r="0" g="0" b="0"/>
+        </a:fillRef>
+        <a:effectRef idx="0">
+          <a:scrgbClr r="0" g="0" b="0"/>
+        </a:effectRef>
+        <a:fontRef idx="none"/>
+      </a:style>
+    </a:lnDef>
+    <a:txDef>
+      <a:spPr>
+        <a:noFill/>
+        <a:ln w="12700" cap="flat">
+          <a:noFill/>
+          <a:miter lim="400000"/>
+        </a:ln>
+        <a:effectLst/>
+        <a:sp3d/>
+      </a:spPr>
+      <a:bodyPr rot="0" spcFirstLastPara="1" vertOverflow="overflow" horzOverflow="overflow" vert="horz" wrap="square" lIns="45719" tIns="45719" rIns="45719" bIns="45719" numCol="1" spcCol="38100" rtlCol="0" anchor="t">
+        <a:spAutoFit/>
+      </a:bodyPr>
+      <a:lstStyle>
+        <a:defPPr marL="0" marR="0" indent="0" algn="l" defTabSz="914400" rtl="0" fontAlgn="auto" latinLnBrk="0" hangingPunct="0">
+          <a:lnSpc>
+            <a:spcPct val="100000"/>
+          </a:lnSpc>
+          <a:spcBef>
+            <a:spcPts val="0"/>
+          </a:spcBef>
+          <a:spcAft>
+            <a:spcPts val="0"/>
+          </a:spcAft>
+          <a:buClrTx/>
+          <a:buSzTx/>
+          <a:buFontTx/>
+          <a:buNone/>
+          <a:tabLst/>
+          <a:defRPr kumimoji="0" sz="1800" b="0" i="0" u="none" strike="noStrike" cap="none" spc="0" normalizeH="0" baseline="0">
+            <a:ln>
+              <a:noFill/>
+            </a:ln>
+            <a:solidFill>
+              <a:srgbClr val="000000"/>
+            </a:solidFill>
+            <a:effectLst/>
+            <a:uFillTx/>
+            <a:latin typeface="+mj-lt"/>
+            <a:ea typeface="+mj-ea"/>
+            <a:cs typeface="+mj-cs"/>
+            <a:sym typeface="Calibri"/>
+          </a:defRPr>
+        </a:defPPr>
+        <a:lvl1pPr marL="0" marR="0" indent="0" algn="l" defTabSz="914400" rtl="0" fontAlgn="auto" latinLnBrk="1" hangingPunct="0">
+          <a:lnSpc>
+            <a:spcPct val="100000"/>
+          </a:lnSpc>
+          <a:spcBef>
+            <a:spcPts val="0"/>
+          </a:spcBef>
+          <a:spcAft>
+            <a:spcPts val="0"/>
+          </a:spcAft>
+          <a:buClrTx/>
+          <a:buSzTx/>
+          <a:buFontTx/>
+          <a:buNone/>
+          <a:tabLst/>
+          <a:defRPr kumimoji="0" sz="1800" b="0" i="0" u="none" strike="noStrike" cap="none" spc="0" normalizeH="0" baseline="0">
+            <a:ln>
+              <a:noFill/>
+            </a:ln>
+            <a:solidFill>
+              <a:srgbClr val="000000"/>
+            </a:solidFill>
+            <a:effectLst/>
+            <a:uFillTx/>
+          </a:defRPr>
+        </a:lvl1pPr>
+        <a:lvl2pPr marL="0" marR="0" indent="0" algn="l" defTabSz="914400" rtl="0" fontAlgn="auto" latinLnBrk="1" hangingPunct="0">
+          <a:lnSpc>
+            <a:spcPct val="100000"/>
+          </a:lnSpc>
+          <a:spcBef>
+            <a:spcPts val="0"/>
+          </a:spcBef>
+          <a:spcAft>
+            <a:spcPts val="0"/>
+          </a:spcAft>
+          <a:buClrTx/>
+          <a:buSzTx/>
+          <a:buFontTx/>
+          <a:buNone/>
+          <a:tabLst/>
+          <a:defRPr kumimoji="0" sz="1800" b="0" i="0" u="none" strike="noStrike" cap="none" spc="0" normalizeH="0" baseline="0">
+            <a:ln>
+              <a:noFill/>
+            </a:ln>
+            <a:solidFill>
+              <a:srgbClr val="000000"/>
+            </a:solidFill>
+            <a:effectLst/>
+            <a:uFillTx/>
+          </a:defRPr>
+        </a:lvl2pPr>
+        <a:lvl3pPr marL="0" marR="0" indent="0" algn="l" defTabSz="914400" rtl="0" fontAlgn="auto" latinLnBrk="1" hangingPunct="0">
+          <a:lnSpc>
+            <a:spcPct val="100000"/>
+          </a:lnSpc>
+          <a:spcBef>
+            <a:spcPts val="0"/>
+          </a:spcBef>
+          <a:spcAft>
+            <a:spcPts val="0"/>
+          </a:spcAft>
+          <a:buClrTx/>
+          <a:buSzTx/>
+          <a:buFontTx/>
+          <a:buNone/>
+          <a:tabLst/>
+          <a:defRPr kumimoji="0" sz="1800" b="0" i="0" u="none" strike="noStrike" cap="none" spc="0" normalizeH="0" baseline="0">
+            <a:ln>
+              <a:noFill/>
+            </a:ln>
+            <a:solidFill>
+              <a:srgbClr val="000000"/>
+            </a:solidFill>
+            <a:effectLst/>
+            <a:uFillTx/>
+          </a:defRPr>
+        </a:lvl3pPr>
+        <a:lvl4pPr marL="0" marR="0" indent="0" algn="l" defTabSz="914400" rtl="0" fontAlgn="auto" latinLnBrk="1" hangingPunct="0">
+          <a:lnSpc>
+            <a:spcPct val="100000"/>
+          </a:lnSpc>
+          <a:spcBef>
+            <a:spcPts val="0"/>
+          </a:spcBef>
+          <a:spcAft>
+            <a:spcPts val="0"/>
+          </a:spcAft>
+          <a:buClrTx/>
+          <a:buSzTx/>
+          <a:buFontTx/>
+          <a:buNone/>
+          <a:tabLst/>
+          <a:defRPr kumimoji="0" sz="1800" b="0" i="0" u="none" strike="noStrike" cap="none" spc="0" normalizeH="0" baseline="0">
+            <a:ln>
+              <a:noFill/>
+            </a:ln>
+            <a:solidFill>
+              <a:srgbClr val="000000"/>
+            </a:solidFill>
+            <a:effectLst/>
+            <a:uFillTx/>
+          </a:defRPr>
+        </a:lvl4pPr>
+        <a:lvl5pPr marL="0" marR="0" indent="0" algn="l" defTabSz="914400" rtl="0" fontAlgn="auto" latinLnBrk="1" hangingPunct="0">
+          <a:lnSpc>
+            <a:spcPct val="100000"/>
+          </a:lnSpc>
+          <a:spcBef>
+            <a:spcPts val="0"/>
+          </a:spcBef>
+          <a:spcAft>
+            <a:spcPts val="0"/>
+          </a:spcAft>
+          <a:buClrTx/>
+          <a:buSzTx/>
+          <a:buFontTx/>
+          <a:buNone/>
+          <a:tabLst/>
+          <a:defRPr kumimoji="0" sz="1800" b="0" i="0" u="none" strike="noStrike" cap="none" spc="0" normalizeH="0" baseline="0">
+            <a:ln>
+              <a:noFill/>
+            </a:ln>
+            <a:solidFill>
+              <a:srgbClr val="000000"/>
+            </a:solidFill>
+            <a:effectLst/>
+            <a:uFillTx/>
+          </a:defRPr>
+        </a:lvl5pPr>
+        <a:lvl6pPr marL="0" marR="0" indent="0" algn="l" defTabSz="914400" rtl="0" fontAlgn="auto" latinLnBrk="1" hangingPunct="0">
+          <a:lnSpc>
+            <a:spcPct val="100000"/>
+          </a:lnSpc>
+          <a:spcBef>
+            <a:spcPts val="0"/>
+          </a:spcBef>
+          <a:spcAft>
+            <a:spcPts val="0"/>
+          </a:spcAft>
+          <a:buClrTx/>
+          <a:buSzTx/>
+          <a:buFontTx/>
+          <a:buNone/>
+          <a:tabLst/>
+          <a:defRPr kumimoji="0" sz="1800" b="0" i="0" u="none" strike="noStrike" cap="none" spc="0" normalizeH="0" baseline="0">
+            <a:ln>
+              <a:noFill/>
+            </a:ln>
+            <a:solidFill>
+              <a:srgbClr val="000000"/>
+            </a:solidFill>
+            <a:effectLst/>
+            <a:uFillTx/>
+          </a:defRPr>
+        </a:lvl6pPr>
+        <a:lvl7pPr marL="0" marR="0" indent="0" algn="l" defTabSz="914400" rtl="0" fontAlgn="auto" latinLnBrk="1" hangingPunct="0">
+          <a:lnSpc>
+            <a:spcPct val="100000"/>
+          </a:lnSpc>
+          <a:spcBef>
+            <a:spcPts val="0"/>
+          </a:spcBef>
+          <a:spcAft>
+            <a:spcPts val="0"/>
+          </a:spcAft>
+          <a:buClrTx/>
+          <a:buSzTx/>
+          <a:buFontTx/>
+          <a:buNone/>
+          <a:tabLst/>
+          <a:defRPr kumimoji="0" sz="1800" b="0" i="0" u="none" strike="noStrike" cap="none" spc="0" normalizeH="0" baseline="0">
+            <a:ln>
+              <a:noFill/>
+            </a:ln>
+            <a:solidFill>
+              <a:srgbClr val="000000"/>
+            </a:solidFill>
+            <a:effectLst/>
+            <a:uFillTx/>
+          </a:defRPr>
+        </a:lvl7pPr>
+        <a:lvl8pPr marL="0" marR="0" indent="0" algn="l" defTabSz="914400" rtl="0" fontAlgn="auto" latinLnBrk="1" hangingPunct="0">
+          <a:lnSpc>
+            <a:spcPct val="100000"/>
+          </a:lnSpc>
+          <a:spcBef>
+            <a:spcPts val="0"/>
+          </a:spcBef>
+          <a:spcAft>
+            <a:spcPts val="0"/>
+          </a:spcAft>
+          <a:buClrTx/>
+          <a:buSzTx/>
+          <a:buFontTx/>
+          <a:buNone/>
+          <a:tabLst/>
+          <a:defRPr kumimoji="0" sz="1800" b="0" i="0" u="none" strike="noStrike" cap="none" spc="0" normalizeH="0" baseline="0">
+            <a:ln>
+              <a:noFill/>
+            </a:ln>
+            <a:solidFill>
+              <a:srgbClr val="000000"/>
+            </a:solidFill>
+            <a:effectLst/>
+            <a:uFillTx/>
+          </a:defRPr>
+        </a:lvl8pPr>
+        <a:lvl9pPr marL="0" marR="0" indent="0" algn="l" defTabSz="914400" rtl="0" fontAlgn="auto" latinLnBrk="1" hangingPunct="0">
+          <a:lnSpc>
+            <a:spcPct val="100000"/>
+          </a:lnSpc>
+          <a:spcBef>
+            <a:spcPts val="0"/>
+          </a:spcBef>
+          <a:spcAft>
+            <a:spcPts val="0"/>
+          </a:spcAft>
+          <a:buClrTx/>
+          <a:buSzTx/>
+          <a:buFontTx/>
+          <a:buNone/>
+          <a:tabLst/>
+          <a:defRPr kumimoji="0" sz="1800" b="0" i="0" u="none" strike="noStrike" cap="none" spc="0" normalizeH="0" baseline="0">
+            <a:ln>
+              <a:noFill/>
+            </a:ln>
+            <a:solidFill>
+              <a:srgbClr val="000000"/>
+            </a:solidFill>
+            <a:effectLst/>
+            <a:uFillTx/>
+          </a:defRPr>
+        </a:lvl9pPr>
+      </a:lstStyle>
+      <a:style>
+        <a:lnRef idx="0">
+          <a:scrgbClr r="0" g="0" b="0"/>
+        </a:lnRef>
+        <a:fillRef idx="0">
+          <a:scrgbClr r="0" g="0" b="0"/>
+        </a:fillRef>
+        <a:effectRef idx="0">
+          <a:scrgbClr r="0" g="0" b="0"/>
+        </a:effectRef>
+        <a:fontRef idx="none"/>
+      </a:style>
+    </a:txDef>
+  </a:objectDefaults>
+  <a:extraClrSchemeLst/>
+</a:theme>
+</file>
+
+<file path=ppt/theme/theme6.xml><?xml version="1.0" encoding="utf-8"?>
 <a:theme xmlns:a="http://schemas.openxmlformats.org/drawingml/2006/main" name="Office Theme">
   <a:themeElements>
     <a:clrScheme name="Office">
